--- a/Final Presentation/Bootcamp-Project-1.pptx
+++ b/Final Presentation/Bootcamp-Project-1.pptx
@@ -1205,12 +1205,8 @@
           <a:lstStyle/>
           <a:p>
             <a:r>
-              <a:rPr lang="en-US" dirty="0"/>
-              <a:t>Gardening </a:t>
-            </a:r>
-            <a:r>
               <a:rPr lang="en-US" dirty="0" err="1"/>
-              <a:t>etc</a:t>
+              <a:t>Siara</a:t>
             </a:r>
             <a:endParaRPr lang="en-US" dirty="0"/>
           </a:p>
@@ -4406,23 +4402,7 @@
                 <a:ea typeface="Tahoma" panose="020B0604030504040204" pitchFamily="34" charset="0"/>
                 <a:cs typeface="Tahoma" panose="020B0604030504040204" pitchFamily="34" charset="0"/>
               </a:rPr>
-              <a:t>How to thrive in a post Zombie-</a:t>
-            </a:r>
-            <a:r>
-              <a:rPr lang="en-US" sz="5400" b="1" dirty="0" err="1">
-                <a:latin typeface="Tahoma" panose="020B0604030504040204" pitchFamily="34" charset="0"/>
-                <a:ea typeface="Tahoma" panose="020B0604030504040204" pitchFamily="34" charset="0"/>
-                <a:cs typeface="Tahoma" panose="020B0604030504040204" pitchFamily="34" charset="0"/>
-              </a:rPr>
-              <a:t>Apocolyptic</a:t>
-            </a:r>
-            <a:r>
-              <a:rPr lang="en-US" sz="5400" b="1" dirty="0">
-                <a:latin typeface="Tahoma" panose="020B0604030504040204" pitchFamily="34" charset="0"/>
-                <a:ea typeface="Tahoma" panose="020B0604030504040204" pitchFamily="34" charset="0"/>
-                <a:cs typeface="Tahoma" panose="020B0604030504040204" pitchFamily="34" charset="0"/>
-              </a:rPr>
-              <a:t> world</a:t>
+              <a:t>How to thrive in a post Zombie-Apocalyptic world</a:t>
             </a:r>
           </a:p>
         </p:txBody>
@@ -4881,6 +4861,34 @@
             </a:r>
           </a:p>
           <a:p>
+            <a:r>
+              <a:rPr lang="en-US" dirty="0">
+                <a:latin typeface="Tahoma" panose="020B0604030504040204" pitchFamily="34" charset="0"/>
+                <a:ea typeface="Tahoma" panose="020B0604030504040204" pitchFamily="34" charset="0"/>
+                <a:cs typeface="Tahoma" panose="020B0604030504040204" pitchFamily="34" charset="0"/>
+              </a:rPr>
+              <a:t>Narrowing scope</a:t>
+            </a:r>
+          </a:p>
+          <a:p>
+            <a:r>
+              <a:rPr lang="en-US" dirty="0" err="1">
+                <a:latin typeface="Tahoma" panose="020B0604030504040204" pitchFamily="34" charset="0"/>
+                <a:ea typeface="Tahoma" panose="020B0604030504040204" pitchFamily="34" charset="0"/>
+                <a:cs typeface="Tahoma" panose="020B0604030504040204" pitchFamily="34" charset="0"/>
+              </a:rPr>
+              <a:t>Tieing</a:t>
+            </a:r>
+            <a:r>
+              <a:rPr lang="en-US" dirty="0">
+                <a:latin typeface="Tahoma" panose="020B0604030504040204" pitchFamily="34" charset="0"/>
+                <a:ea typeface="Tahoma" panose="020B0604030504040204" pitchFamily="34" charset="0"/>
+                <a:cs typeface="Tahoma" panose="020B0604030504040204" pitchFamily="34" charset="0"/>
+              </a:rPr>
+              <a:t> our findings together cohesively</a:t>
+            </a:r>
+          </a:p>
+          <a:p>
             <a:endParaRPr lang="en-US" dirty="0"/>
           </a:p>
           <a:p>
@@ -6133,195 +6141,6 @@
       </p:sp>
       <p:pic>
         <p:nvPicPr>
-          <p:cNvPr id="7" name="Picture 6" descr="Chart, line chart&#10;&#10;Description automatically generated">
-            <a:extLst>
-              <a:ext uri="{FF2B5EF4-FFF2-40B4-BE49-F238E27FC236}">
-                <a16:creationId xmlns:a16="http://schemas.microsoft.com/office/drawing/2014/main" id="{1F05AEC8-B268-2542-8C5E-129450033B88}"/>
-              </a:ext>
-            </a:extLst>
-          </p:cNvPr>
-          <p:cNvPicPr>
-            <a:picLocks noChangeAspect="1"/>
-          </p:cNvPicPr>
-          <p:nvPr/>
-        </p:nvPicPr>
-        <p:blipFill rotWithShape="1">
-          <a:blip r:embed="rId3"/>
-          <a:srcRect r="1709" b="3"/>
-          <a:stretch/>
-        </p:blipFill>
-        <p:spPr>
-          <a:xfrm>
-            <a:off x="97994" y="2240585"/>
-            <a:ext cx="6181981" cy="4192863"/>
-          </a:xfrm>
-          <a:custGeom>
-            <a:avLst/>
-            <a:gdLst/>
-            <a:ahLst/>
-            <a:cxnLst/>
-            <a:rect l="l" t="t" r="r" b="b"/>
-            <a:pathLst>
-              <a:path w="6005375" h="4192863">
-                <a:moveTo>
-                  <a:pt x="5424937" y="874"/>
-                </a:moveTo>
-                <a:cubicBezTo>
-                  <a:pt x="5470440" y="-1251"/>
-                  <a:pt x="5516123" y="499"/>
-                  <a:pt x="5561495" y="6147"/>
-                </a:cubicBezTo>
-                <a:cubicBezTo>
-                  <a:pt x="5636334" y="13389"/>
-                  <a:pt x="5711424" y="18471"/>
-                  <a:pt x="5786261" y="26095"/>
-                </a:cubicBezTo>
-                <a:cubicBezTo>
-                  <a:pt x="5819550" y="29525"/>
-                  <a:pt x="5853222" y="16820"/>
-                  <a:pt x="5886002" y="28509"/>
-                </a:cubicBezTo>
-                <a:cubicBezTo>
-                  <a:pt x="5922214" y="41469"/>
-                  <a:pt x="5958870" y="47282"/>
-                  <a:pt x="5995622" y="48044"/>
-                </a:cubicBezTo>
-                <a:lnTo>
-                  <a:pt x="5998366" y="47926"/>
-                </a:lnTo>
-                <a:lnTo>
-                  <a:pt x="5995171" y="398504"/>
-                </a:lnTo>
-                <a:cubicBezTo>
-                  <a:pt x="5993433" y="528663"/>
-                  <a:pt x="5993035" y="658806"/>
-                  <a:pt x="5999656" y="788917"/>
-                </a:cubicBezTo>
-                <a:cubicBezTo>
-                  <a:pt x="6009855" y="990282"/>
-                  <a:pt x="6003364" y="1191519"/>
-                  <a:pt x="5999656" y="1392757"/>
-                </a:cubicBezTo>
-                <a:cubicBezTo>
-                  <a:pt x="5992506" y="1778706"/>
-                  <a:pt x="6003364" y="2164146"/>
-                  <a:pt x="5998730" y="2549586"/>
-                </a:cubicBezTo>
-                <a:cubicBezTo>
-                  <a:pt x="5996744" y="2720440"/>
-                  <a:pt x="5998994" y="2891040"/>
-                  <a:pt x="6003364" y="3061895"/>
-                </a:cubicBezTo>
-                <a:cubicBezTo>
-                  <a:pt x="6009720" y="3305846"/>
-                  <a:pt x="5999922" y="3549924"/>
-                  <a:pt x="5989196" y="3793749"/>
-                </a:cubicBezTo>
-                <a:cubicBezTo>
-                  <a:pt x="5985594" y="3860794"/>
-                  <a:pt x="5984646" y="3927918"/>
-                  <a:pt x="5986348" y="3994981"/>
-                </a:cubicBezTo>
-                <a:lnTo>
-                  <a:pt x="5999199" y="4192863"/>
-                </a:lnTo>
-                <a:lnTo>
-                  <a:pt x="0" y="4192863"/>
-                </a:lnTo>
-                <a:lnTo>
-                  <a:pt x="0" y="26225"/>
-                </a:lnTo>
-                <a:lnTo>
-                  <a:pt x="10965" y="23935"/>
-                </a:lnTo>
-                <a:cubicBezTo>
-                  <a:pt x="27502" y="19081"/>
-                  <a:pt x="44569" y="16260"/>
-                  <a:pt x="61788" y="15549"/>
-                </a:cubicBezTo>
-                <a:cubicBezTo>
-                  <a:pt x="194437" y="-1096"/>
-                  <a:pt x="327213" y="3351"/>
-                  <a:pt x="460497" y="8815"/>
-                </a:cubicBezTo>
-                <a:cubicBezTo>
-                  <a:pt x="692632" y="18217"/>
-                  <a:pt x="925021" y="29144"/>
-                  <a:pt x="1157537" y="25841"/>
-                </a:cubicBezTo>
-                <a:cubicBezTo>
-                  <a:pt x="1393484" y="22410"/>
-                  <a:pt x="1628922" y="29653"/>
-                  <a:pt x="1864615" y="39182"/>
-                </a:cubicBezTo>
-                <a:cubicBezTo>
-                  <a:pt x="1967913" y="43121"/>
-                  <a:pt x="2071847" y="47059"/>
-                  <a:pt x="2173493" y="17709"/>
-                </a:cubicBezTo>
-                <a:cubicBezTo>
-                  <a:pt x="2196465" y="12334"/>
-                  <a:pt x="2220416" y="12855"/>
-                  <a:pt x="2243121" y="19234"/>
-                </a:cubicBezTo>
-                <a:cubicBezTo>
-                  <a:pt x="2357219" y="45789"/>
-                  <a:pt x="2471952" y="53666"/>
-                  <a:pt x="2587321" y="27492"/>
-                </a:cubicBezTo>
-                <a:cubicBezTo>
-                  <a:pt x="2719944" y="-1223"/>
-                  <a:pt x="2856455" y="-7360"/>
-                  <a:pt x="2991111" y="9323"/>
-                </a:cubicBezTo>
-                <a:cubicBezTo>
-                  <a:pt x="3114231" y="23045"/>
-                  <a:pt x="3237985" y="37911"/>
-                  <a:pt x="3361358" y="26857"/>
-                </a:cubicBezTo>
-                <a:cubicBezTo>
-                  <a:pt x="3556266" y="9323"/>
-                  <a:pt x="3750918" y="24570"/>
-                  <a:pt x="3945825" y="29271"/>
-                </a:cubicBezTo>
-                <a:cubicBezTo>
-                  <a:pt x="4010625" y="30796"/>
-                  <a:pt x="4075806" y="44137"/>
-                  <a:pt x="4140224" y="32193"/>
-                </a:cubicBezTo>
-                <a:cubicBezTo>
-                  <a:pt x="4241744" y="13389"/>
-                  <a:pt x="4342120" y="20631"/>
-                  <a:pt x="4443766" y="31177"/>
-                </a:cubicBezTo>
-                <a:cubicBezTo>
-                  <a:pt x="4638419" y="51507"/>
-                  <a:pt x="4832945" y="61290"/>
-                  <a:pt x="5026708" y="23172"/>
-                </a:cubicBezTo>
-                <a:cubicBezTo>
-                  <a:pt x="5086807" y="11229"/>
-                  <a:pt x="5146524" y="4368"/>
-                  <a:pt x="5207640" y="20377"/>
-                </a:cubicBezTo>
-                <a:cubicBezTo>
-                  <a:pt x="5234626" y="26539"/>
-                  <a:pt x="5262719" y="26019"/>
-                  <a:pt x="5289465" y="18853"/>
-                </a:cubicBezTo>
-                <a:cubicBezTo>
-                  <a:pt x="5334113" y="9000"/>
-                  <a:pt x="5379435" y="2999"/>
-                  <a:pt x="5424937" y="874"/>
-                </a:cubicBezTo>
-                <a:close/>
-              </a:path>
-            </a:pathLst>
-          </a:custGeom>
-        </p:spPr>
-      </p:pic>
-      <p:pic>
-        <p:nvPicPr>
           <p:cNvPr id="5" name="Content Placeholder 4" descr="Graphical user interface, text, application&#10;&#10;Description automatically generated">
             <a:extLst>
               <a:ext uri="{FF2B5EF4-FFF2-40B4-BE49-F238E27FC236}">
@@ -6337,13 +6156,13 @@
           </p:nvPr>
         </p:nvPicPr>
         <p:blipFill rotWithShape="1">
-          <a:blip r:embed="rId4"/>
+          <a:blip r:embed="rId3"/>
           <a:srcRect l="3323" r="-1" b="-1"/>
           <a:stretch/>
         </p:blipFill>
         <p:spPr>
           <a:xfrm>
-            <a:off x="6291949" y="2229759"/>
+            <a:off x="3046475" y="2127124"/>
             <a:ext cx="6096002" cy="4203687"/>
           </a:xfrm>
           <a:custGeom>
@@ -8339,13 +8158,16 @@
           <a:bodyPr/>
           <a:lstStyle/>
           <a:p>
+            <a:pPr marL="0" indent="0">
+              <a:buNone/>
+            </a:pPr>
             <a:r>
               <a:rPr lang="en-US" dirty="0">
                 <a:latin typeface="Tahoma" panose="020B0604030504040204" pitchFamily="34" charset="0"/>
                 <a:ea typeface="Tahoma" panose="020B0604030504040204" pitchFamily="34" charset="0"/>
                 <a:cs typeface="Tahoma" panose="020B0604030504040204" pitchFamily="34" charset="0"/>
               </a:rPr>
-              <a:t>Vehicles, electronics, sporting goods</a:t>
+              <a:t>Productivity/Socialization v Entertainment</a:t>
             </a:r>
           </a:p>
         </p:txBody>
@@ -8440,6 +8262,63 @@
                 <a:cs typeface="Tahoma" panose="020B0604030504040204" pitchFamily="34" charset="0"/>
               </a:rPr>
               <a:t>Not part of the initial spike but items we saw an increase in post new-normal</a:t>
+            </a:r>
+          </a:p>
+          <a:p>
+            <a:endParaRPr lang="en-US" dirty="0">
+              <a:latin typeface="Tahoma" panose="020B0604030504040204" pitchFamily="34" charset="0"/>
+              <a:ea typeface="Tahoma" panose="020B0604030504040204" pitchFamily="34" charset="0"/>
+              <a:cs typeface="Tahoma" panose="020B0604030504040204" pitchFamily="34" charset="0"/>
+            </a:endParaRPr>
+          </a:p>
+          <a:p>
+            <a:r>
+              <a:rPr lang="en-US" dirty="0">
+                <a:latin typeface="Tahoma" panose="020B0604030504040204" pitchFamily="34" charset="0"/>
+                <a:ea typeface="Tahoma" panose="020B0604030504040204" pitchFamily="34" charset="0"/>
+                <a:cs typeface="Tahoma" panose="020B0604030504040204" pitchFamily="34" charset="0"/>
+              </a:rPr>
+              <a:t>recreational vehicles</a:t>
+            </a:r>
+          </a:p>
+          <a:p>
+            <a:r>
+              <a:rPr lang="en-US" dirty="0">
+                <a:latin typeface="Tahoma" panose="020B0604030504040204" pitchFamily="34" charset="0"/>
+                <a:ea typeface="Tahoma" panose="020B0604030504040204" pitchFamily="34" charset="0"/>
+                <a:cs typeface="Tahoma" panose="020B0604030504040204" pitchFamily="34" charset="0"/>
+              </a:rPr>
+              <a:t>Small appliance</a:t>
+            </a:r>
+          </a:p>
+          <a:p>
+            <a:r>
+              <a:rPr lang="en-US" dirty="0">
+                <a:latin typeface="Tahoma" panose="020B0604030504040204" pitchFamily="34" charset="0"/>
+                <a:ea typeface="Tahoma" panose="020B0604030504040204" pitchFamily="34" charset="0"/>
+                <a:cs typeface="Tahoma" panose="020B0604030504040204" pitchFamily="34" charset="0"/>
+              </a:rPr>
+              <a:t>Sporting eq, guns and ammunition</a:t>
+            </a:r>
+          </a:p>
+          <a:p>
+            <a:r>
+              <a:rPr lang="en-US" dirty="0">
+                <a:latin typeface="Tahoma" panose="020B0604030504040204" pitchFamily="34" charset="0"/>
+                <a:ea typeface="Tahoma" panose="020B0604030504040204" pitchFamily="34" charset="0"/>
+                <a:cs typeface="Tahoma" panose="020B0604030504040204" pitchFamily="34" charset="0"/>
+              </a:rPr>
+              <a:t>Gardening</a:t>
+            </a:r>
+          </a:p>
+          <a:p>
+            <a:r>
+              <a:rPr lang="en-US" dirty="0">
+                <a:latin typeface="Tahoma" panose="020B0604030504040204" pitchFamily="34" charset="0"/>
+                <a:ea typeface="Tahoma" panose="020B0604030504040204" pitchFamily="34" charset="0"/>
+                <a:cs typeface="Tahoma" panose="020B0604030504040204" pitchFamily="34" charset="0"/>
+              </a:rPr>
+              <a:t>Personal computers</a:t>
             </a:r>
           </a:p>
           <a:p>

--- a/Final Presentation/Bootcamp-Project-1.pptx
+++ b/Final Presentation/Bootcamp-Project-1.pptx
@@ -1208,6 +1208,79 @@
               <a:rPr lang="en-US" dirty="0" err="1"/>
               <a:t>Siara</a:t>
             </a:r>
+            <a:endParaRPr lang="en-US" dirty="0"/>
+          </a:p>
+          <a:p>
+            <a:endParaRPr lang="en-US" dirty="0"/>
+          </a:p>
+          <a:p>
+            <a:r>
+              <a:rPr lang="en-US" dirty="0">
+                <a:latin typeface="Tahoma" panose="020B0604030504040204" pitchFamily="34" charset="0"/>
+                <a:ea typeface="Tahoma" panose="020B0604030504040204" pitchFamily="34" charset="0"/>
+                <a:cs typeface="Tahoma" panose="020B0604030504040204" pitchFamily="34" charset="0"/>
+              </a:rPr>
+              <a:t>Not part of the initial spike but items we saw an increase in post new-normal</a:t>
+            </a:r>
+          </a:p>
+          <a:p>
+            <a:endParaRPr lang="en-US" dirty="0">
+              <a:latin typeface="Tahoma" panose="020B0604030504040204" pitchFamily="34" charset="0"/>
+              <a:ea typeface="Tahoma" panose="020B0604030504040204" pitchFamily="34" charset="0"/>
+              <a:cs typeface="Tahoma" panose="020B0604030504040204" pitchFamily="34" charset="0"/>
+            </a:endParaRPr>
+          </a:p>
+          <a:p>
+            <a:r>
+              <a:rPr lang="en-US" dirty="0">
+                <a:latin typeface="Tahoma" panose="020B0604030504040204" pitchFamily="34" charset="0"/>
+                <a:ea typeface="Tahoma" panose="020B0604030504040204" pitchFamily="34" charset="0"/>
+                <a:cs typeface="Tahoma" panose="020B0604030504040204" pitchFamily="34" charset="0"/>
+              </a:rPr>
+              <a:t>recreational vehicles</a:t>
+            </a:r>
+          </a:p>
+          <a:p>
+            <a:r>
+              <a:rPr lang="en-US" dirty="0">
+                <a:latin typeface="Tahoma" panose="020B0604030504040204" pitchFamily="34" charset="0"/>
+                <a:ea typeface="Tahoma" panose="020B0604030504040204" pitchFamily="34" charset="0"/>
+                <a:cs typeface="Tahoma" panose="020B0604030504040204" pitchFamily="34" charset="0"/>
+              </a:rPr>
+              <a:t>Small appliance</a:t>
+            </a:r>
+          </a:p>
+          <a:p>
+            <a:r>
+              <a:rPr lang="en-US" dirty="0">
+                <a:latin typeface="Tahoma" panose="020B0604030504040204" pitchFamily="34" charset="0"/>
+                <a:ea typeface="Tahoma" panose="020B0604030504040204" pitchFamily="34" charset="0"/>
+                <a:cs typeface="Tahoma" panose="020B0604030504040204" pitchFamily="34" charset="0"/>
+              </a:rPr>
+              <a:t>Sporting eq, guns and ammunition</a:t>
+            </a:r>
+          </a:p>
+          <a:p>
+            <a:r>
+              <a:rPr lang="en-US" dirty="0">
+                <a:latin typeface="Tahoma" panose="020B0604030504040204" pitchFamily="34" charset="0"/>
+                <a:ea typeface="Tahoma" panose="020B0604030504040204" pitchFamily="34" charset="0"/>
+                <a:cs typeface="Tahoma" panose="020B0604030504040204" pitchFamily="34" charset="0"/>
+              </a:rPr>
+              <a:t>Gardening</a:t>
+            </a:r>
+          </a:p>
+          <a:p>
+            <a:r>
+              <a:rPr lang="en-US" dirty="0">
+                <a:latin typeface="Tahoma" panose="020B0604030504040204" pitchFamily="34" charset="0"/>
+                <a:ea typeface="Tahoma" panose="020B0604030504040204" pitchFamily="34" charset="0"/>
+                <a:cs typeface="Tahoma" panose="020B0604030504040204" pitchFamily="34" charset="0"/>
+              </a:rPr>
+              <a:t>Personal computers</a:t>
+            </a:r>
+          </a:p>
+          <a:p>
             <a:endParaRPr lang="en-US" dirty="0"/>
           </a:p>
         </p:txBody>
@@ -5764,7 +5837,7 @@
         </p:nvSpPr>
         <p:spPr>
           <a:xfrm>
-            <a:off x="640080" y="549735"/>
+            <a:off x="640080" y="828700"/>
             <a:ext cx="10908792" cy="1442339"/>
           </a:xfrm>
         </p:spPr>
@@ -5821,7 +5894,7 @@
         </p:nvSpPr>
         <p:spPr>
           <a:xfrm>
-            <a:off x="640080" y="1263180"/>
+            <a:off x="640080" y="1867610"/>
             <a:ext cx="10908792" cy="548640"/>
           </a:xfrm>
           <a:prstGeom prst="rect">
@@ -6162,7 +6235,7 @@
         </p:blipFill>
         <p:spPr>
           <a:xfrm>
-            <a:off x="3046475" y="2127124"/>
+            <a:off x="3046475" y="2359595"/>
             <a:ext cx="6096002" cy="4203687"/>
           </a:xfrm>
           <a:custGeom>
@@ -8132,46 +8205,116 @@
                 <a:ea typeface="Tahoma" panose="020B0604030504040204" pitchFamily="34" charset="0"/>
                 <a:cs typeface="Tahoma" panose="020B0604030504040204" pitchFamily="34" charset="0"/>
               </a:rPr>
-              <a:t>Durable Goods</a:t>
-            </a:r>
-          </a:p>
-        </p:txBody>
-      </p:sp>
-      <p:sp>
-        <p:nvSpPr>
-          <p:cNvPr id="3" name="Content Placeholder 2">
-            <a:extLst>
-              <a:ext uri="{FF2B5EF4-FFF2-40B4-BE49-F238E27FC236}">
-                <a16:creationId xmlns:a16="http://schemas.microsoft.com/office/drawing/2014/main" id="{7FF3EE99-758A-2B44-835C-AA997F017471}"/>
-              </a:ext>
-            </a:extLst>
-          </p:cNvPr>
-          <p:cNvSpPr>
-            <a:spLocks noGrp="1"/>
-          </p:cNvSpPr>
-          <p:nvPr>
-            <p:ph idx="1"/>
-          </p:nvPr>
-        </p:nvSpPr>
-        <p:spPr/>
-        <p:txBody>
-          <a:bodyPr/>
-          <a:lstStyle/>
-          <a:p>
-            <a:pPr marL="0" indent="0">
-              <a:buNone/>
-            </a:pPr>
-            <a:r>
-              <a:rPr lang="en-US" dirty="0">
+              <a:t>Being productive in a </a:t>
+            </a:r>
+            <a:br>
+              <a:rPr lang="en-US" b="1" dirty="0">
                 <a:latin typeface="Tahoma" panose="020B0604030504040204" pitchFamily="34" charset="0"/>
                 <a:ea typeface="Tahoma" panose="020B0604030504040204" pitchFamily="34" charset="0"/>
                 <a:cs typeface="Tahoma" panose="020B0604030504040204" pitchFamily="34" charset="0"/>
               </a:rPr>
-              <a:t>Productivity/Socialization v Entertainment</a:t>
-            </a:r>
-          </a:p>
-        </p:txBody>
-      </p:sp>
+            </a:br>
+            <a:r>
+              <a:rPr lang="en-US" b="1" dirty="0">
+                <a:latin typeface="Tahoma" panose="020B0604030504040204" pitchFamily="34" charset="0"/>
+                <a:ea typeface="Tahoma" panose="020B0604030504040204" pitchFamily="34" charset="0"/>
+                <a:cs typeface="Tahoma" panose="020B0604030504040204" pitchFamily="34" charset="0"/>
+              </a:rPr>
+              <a:t>new world</a:t>
+            </a:r>
+          </a:p>
+        </p:txBody>
+      </p:sp>
+      <p:pic>
+        <p:nvPicPr>
+          <p:cNvPr id="5" name="Picture 4" descr="Chart, line chart&#10;&#10;Description automatically generated">
+            <a:extLst>
+              <a:ext uri="{FF2B5EF4-FFF2-40B4-BE49-F238E27FC236}">
+                <a16:creationId xmlns:a16="http://schemas.microsoft.com/office/drawing/2014/main" id="{65395D38-0514-A340-A969-4BF3F78C3DEB}"/>
+              </a:ext>
+            </a:extLst>
+          </p:cNvPr>
+          <p:cNvPicPr>
+            <a:picLocks noChangeAspect="1"/>
+          </p:cNvPicPr>
+          <p:nvPr/>
+        </p:nvPicPr>
+        <p:blipFill>
+          <a:blip r:embed="rId3"/>
+          <a:stretch>
+            <a:fillRect/>
+          </a:stretch>
+        </p:blipFill>
+        <p:spPr>
+          <a:xfrm>
+            <a:off x="241514" y="1690688"/>
+            <a:ext cx="5716815" cy="3811210"/>
+          </a:xfrm>
+          <a:prstGeom prst="rect">
+            <a:avLst/>
+          </a:prstGeom>
+        </p:spPr>
+      </p:pic>
+      <p:pic>
+        <p:nvPicPr>
+          <p:cNvPr id="8" name="Picture 7" descr="Chart, line chart&#10;&#10;Description automatically generated">
+            <a:extLst>
+              <a:ext uri="{FF2B5EF4-FFF2-40B4-BE49-F238E27FC236}">
+                <a16:creationId xmlns:a16="http://schemas.microsoft.com/office/drawing/2014/main" id="{DD9C21EB-7D2F-3847-9A4F-46DEC1E2E7E8}"/>
+              </a:ext>
+            </a:extLst>
+          </p:cNvPr>
+          <p:cNvPicPr>
+            <a:picLocks noChangeAspect="1"/>
+          </p:cNvPicPr>
+          <p:nvPr/>
+        </p:nvPicPr>
+        <p:blipFill>
+          <a:blip r:embed="rId4"/>
+          <a:stretch>
+            <a:fillRect/>
+          </a:stretch>
+        </p:blipFill>
+        <p:spPr>
+          <a:xfrm>
+            <a:off x="7346882" y="3423806"/>
+            <a:ext cx="4603604" cy="3069069"/>
+          </a:xfrm>
+          <a:prstGeom prst="rect">
+            <a:avLst/>
+          </a:prstGeom>
+        </p:spPr>
+      </p:pic>
+      <p:pic>
+        <p:nvPicPr>
+          <p:cNvPr id="9" name="Picture 8" descr="Chart, line chart&#10;&#10;Description automatically generated">
+            <a:extLst>
+              <a:ext uri="{FF2B5EF4-FFF2-40B4-BE49-F238E27FC236}">
+                <a16:creationId xmlns:a16="http://schemas.microsoft.com/office/drawing/2014/main" id="{D043FA19-BC7A-0B4C-982A-CD3991E0283D}"/>
+              </a:ext>
+            </a:extLst>
+          </p:cNvPr>
+          <p:cNvPicPr>
+            <a:picLocks noChangeAspect="1"/>
+          </p:cNvPicPr>
+          <p:nvPr/>
+        </p:nvPicPr>
+        <p:blipFill>
+          <a:blip r:embed="rId5"/>
+          <a:stretch>
+            <a:fillRect/>
+          </a:stretch>
+        </p:blipFill>
+        <p:spPr>
+          <a:xfrm>
+            <a:off x="7588395" y="156153"/>
+            <a:ext cx="4603605" cy="3069070"/>
+          </a:xfrm>
+          <a:prstGeom prst="rect">
+            <a:avLst/>
+          </a:prstGeom>
+        </p:spPr>
+      </p:pic>
     </p:spTree>
     <p:extLst>
       <p:ext uri="{BB962C8B-B14F-4D97-AF65-F5344CB8AC3E}">
@@ -8229,107 +8372,71 @@
                 <a:ea typeface="Tahoma" panose="020B0604030504040204" pitchFamily="34" charset="0"/>
                 <a:cs typeface="Tahoma" panose="020B0604030504040204" pitchFamily="34" charset="0"/>
               </a:rPr>
-              <a:t>Items to use for bartering…</a:t>
-            </a:r>
-          </a:p>
-        </p:txBody>
-      </p:sp>
-      <p:sp>
-        <p:nvSpPr>
-          <p:cNvPr id="3" name="Content Placeholder 2">
+              <a:t>New ways to socialize</a:t>
+            </a:r>
+          </a:p>
+        </p:txBody>
+      </p:sp>
+      <p:pic>
+        <p:nvPicPr>
+          <p:cNvPr id="7" name="Picture 6" descr="Chart, line chart&#10;&#10;Description automatically generated">
             <a:extLst>
               <a:ext uri="{FF2B5EF4-FFF2-40B4-BE49-F238E27FC236}">
-                <a16:creationId xmlns:a16="http://schemas.microsoft.com/office/drawing/2014/main" id="{4C3E77F2-004E-ED47-9F65-CBCA30DA45EF}"/>
+                <a16:creationId xmlns:a16="http://schemas.microsoft.com/office/drawing/2014/main" id="{E4030504-7E27-DF44-A4BB-36771D06FD5B}"/>
               </a:ext>
             </a:extLst>
           </p:cNvPr>
-          <p:cNvSpPr>
-            <a:spLocks noGrp="1"/>
-          </p:cNvSpPr>
-          <p:nvPr>
-            <p:ph idx="1"/>
-          </p:nvPr>
-        </p:nvSpPr>
-        <p:spPr/>
-        <p:txBody>
-          <a:bodyPr/>
-          <a:lstStyle/>
-          <a:p>
-            <a:r>
-              <a:rPr lang="en-US" dirty="0">
-                <a:latin typeface="Tahoma" panose="020B0604030504040204" pitchFamily="34" charset="0"/>
-                <a:ea typeface="Tahoma" panose="020B0604030504040204" pitchFamily="34" charset="0"/>
-                <a:cs typeface="Tahoma" panose="020B0604030504040204" pitchFamily="34" charset="0"/>
-              </a:rPr>
-              <a:t>Not part of the initial spike but items we saw an increase in post new-normal</a:t>
-            </a:r>
-          </a:p>
-          <a:p>
-            <a:endParaRPr lang="en-US" dirty="0">
-              <a:latin typeface="Tahoma" panose="020B0604030504040204" pitchFamily="34" charset="0"/>
-              <a:ea typeface="Tahoma" panose="020B0604030504040204" pitchFamily="34" charset="0"/>
-              <a:cs typeface="Tahoma" panose="020B0604030504040204" pitchFamily="34" charset="0"/>
-            </a:endParaRPr>
-          </a:p>
-          <a:p>
-            <a:r>
-              <a:rPr lang="en-US" dirty="0">
-                <a:latin typeface="Tahoma" panose="020B0604030504040204" pitchFamily="34" charset="0"/>
-                <a:ea typeface="Tahoma" panose="020B0604030504040204" pitchFamily="34" charset="0"/>
-                <a:cs typeface="Tahoma" panose="020B0604030504040204" pitchFamily="34" charset="0"/>
-              </a:rPr>
-              <a:t>recreational vehicles</a:t>
-            </a:r>
-          </a:p>
-          <a:p>
-            <a:r>
-              <a:rPr lang="en-US" dirty="0">
-                <a:latin typeface="Tahoma" panose="020B0604030504040204" pitchFamily="34" charset="0"/>
-                <a:ea typeface="Tahoma" panose="020B0604030504040204" pitchFamily="34" charset="0"/>
-                <a:cs typeface="Tahoma" panose="020B0604030504040204" pitchFamily="34" charset="0"/>
-              </a:rPr>
-              <a:t>Small appliance</a:t>
-            </a:r>
-          </a:p>
-          <a:p>
-            <a:r>
-              <a:rPr lang="en-US" dirty="0">
-                <a:latin typeface="Tahoma" panose="020B0604030504040204" pitchFamily="34" charset="0"/>
-                <a:ea typeface="Tahoma" panose="020B0604030504040204" pitchFamily="34" charset="0"/>
-                <a:cs typeface="Tahoma" panose="020B0604030504040204" pitchFamily="34" charset="0"/>
-              </a:rPr>
-              <a:t>Sporting eq, guns and ammunition</a:t>
-            </a:r>
-          </a:p>
-          <a:p>
-            <a:r>
-              <a:rPr lang="en-US" dirty="0">
-                <a:latin typeface="Tahoma" panose="020B0604030504040204" pitchFamily="34" charset="0"/>
-                <a:ea typeface="Tahoma" panose="020B0604030504040204" pitchFamily="34" charset="0"/>
-                <a:cs typeface="Tahoma" panose="020B0604030504040204" pitchFamily="34" charset="0"/>
-              </a:rPr>
-              <a:t>Gardening</a:t>
-            </a:r>
-          </a:p>
-          <a:p>
-            <a:r>
-              <a:rPr lang="en-US" dirty="0">
-                <a:latin typeface="Tahoma" panose="020B0604030504040204" pitchFamily="34" charset="0"/>
-                <a:ea typeface="Tahoma" panose="020B0604030504040204" pitchFamily="34" charset="0"/>
-                <a:cs typeface="Tahoma" panose="020B0604030504040204" pitchFamily="34" charset="0"/>
-              </a:rPr>
-              <a:t>Personal computers</a:t>
-            </a:r>
-          </a:p>
-          <a:p>
-            <a:endParaRPr lang="en-US" dirty="0">
-              <a:latin typeface="Tahoma" panose="020B0604030504040204" pitchFamily="34" charset="0"/>
-              <a:ea typeface="Tahoma" panose="020B0604030504040204" pitchFamily="34" charset="0"/>
-              <a:cs typeface="Tahoma" panose="020B0604030504040204" pitchFamily="34" charset="0"/>
-            </a:endParaRPr>
-          </a:p>
-        </p:txBody>
-      </p:sp>
+          <p:cNvPicPr>
+            <a:picLocks noChangeAspect="1"/>
+          </p:cNvPicPr>
+          <p:nvPr/>
+        </p:nvPicPr>
+        <p:blipFill>
+          <a:blip r:embed="rId3"/>
+          <a:stretch>
+            <a:fillRect/>
+          </a:stretch>
+        </p:blipFill>
+        <p:spPr>
+          <a:xfrm>
+            <a:off x="480448" y="1600200"/>
+            <a:ext cx="5486400" cy="3657600"/>
+          </a:xfrm>
+          <a:prstGeom prst="rect">
+            <a:avLst/>
+          </a:prstGeom>
+        </p:spPr>
+      </p:pic>
+      <p:pic>
+        <p:nvPicPr>
+          <p:cNvPr id="10" name="Picture 9" descr="Chart, line chart&#10;&#10;Description automatically generated">
+            <a:extLst>
+              <a:ext uri="{FF2B5EF4-FFF2-40B4-BE49-F238E27FC236}">
+                <a16:creationId xmlns:a16="http://schemas.microsoft.com/office/drawing/2014/main" id="{CF847E69-6685-3C4F-A836-D0DFF3501625}"/>
+              </a:ext>
+            </a:extLst>
+          </p:cNvPr>
+          <p:cNvPicPr>
+            <a:picLocks noChangeAspect="1"/>
+          </p:cNvPicPr>
+          <p:nvPr/>
+        </p:nvPicPr>
+        <p:blipFill>
+          <a:blip r:embed="rId4"/>
+          <a:stretch>
+            <a:fillRect/>
+          </a:stretch>
+        </p:blipFill>
+        <p:spPr>
+          <a:xfrm>
+            <a:off x="6581615" y="2047150"/>
+            <a:ext cx="5486399" cy="3657599"/>
+          </a:xfrm>
+          <a:prstGeom prst="rect">
+            <a:avLst/>
+          </a:prstGeom>
+        </p:spPr>
+      </p:pic>
     </p:spTree>
     <p:extLst>
       <p:ext uri="{BB962C8B-B14F-4D97-AF65-F5344CB8AC3E}">

--- a/Final Presentation/Bootcamp-Project-1.pptx
+++ b/Final Presentation/Bootcamp-Project-1.pptx
@@ -5,7 +5,7 @@
     <p:sldMasterId id="2147483845" r:id="rId1"/>
   </p:sldMasterIdLst>
   <p:notesMasterIdLst>
-    <p:notesMasterId r:id="rId14"/>
+    <p:notesMasterId r:id="rId15"/>
   </p:notesMasterIdLst>
   <p:sldIdLst>
     <p:sldId id="256" r:id="rId2"/>
@@ -18,8 +18,9 @@
     <p:sldId id="259" r:id="rId9"/>
     <p:sldId id="267" r:id="rId10"/>
     <p:sldId id="264" r:id="rId11"/>
-    <p:sldId id="261" r:id="rId12"/>
-    <p:sldId id="262" r:id="rId13"/>
+    <p:sldId id="268" r:id="rId12"/>
+    <p:sldId id="261" r:id="rId13"/>
+    <p:sldId id="262" r:id="rId14"/>
   </p:sldIdLst>
   <p:sldSz cx="12192000" cy="6858000"/>
   <p:notesSz cx="6858000" cy="9144000"/>
@@ -604,12 +605,182 @@
           <a:lstStyle/>
           <a:p>
             <a:r>
-              <a:rPr lang="en-US" dirty="0" err="1"/>
-              <a:t>Siara</a:t>
-            </a:r>
-            <a:r>
               <a:rPr lang="en-US" dirty="0"/>
-              <a:t> &amp; Lauren</a:t>
+              <a:t>Lauren</a:t>
+            </a:r>
+          </a:p>
+        </p:txBody>
+      </p:sp>
+      <p:sp>
+        <p:nvSpPr>
+          <p:cNvPr id="4" name="Slide Number Placeholder 3"/>
+          <p:cNvSpPr>
+            <a:spLocks noGrp="1"/>
+          </p:cNvSpPr>
+          <p:nvPr>
+            <p:ph type="sldNum" sz="quarter" idx="5"/>
+          </p:nvPr>
+        </p:nvSpPr>
+        <p:spPr/>
+        <p:txBody>
+          <a:bodyPr/>
+          <a:lstStyle/>
+          <a:p>
+            <a:fld id="{6BB3D874-D54A-734A-BDC6-E6BE85812225}" type="slidenum">
+              <a:rPr lang="en-US" smtClean="0"/>
+              <a:t>10</a:t>
+            </a:fld>
+            <a:endParaRPr lang="en-US"/>
+          </a:p>
+        </p:txBody>
+      </p:sp>
+    </p:spTree>
+    <p:extLst>
+      <p:ext uri="{BB962C8B-B14F-4D97-AF65-F5344CB8AC3E}">
+        <p14:creationId xmlns:p14="http://schemas.microsoft.com/office/powerpoint/2010/main" val="3034710620"/>
+      </p:ext>
+    </p:extLst>
+  </p:cSld>
+  <p:clrMapOvr>
+    <a:masterClrMapping/>
+  </p:clrMapOvr>
+</p:notes>
+</file>
+
+<file path=ppt/notesSlides/notesSlide11.xml><?xml version="1.0" encoding="utf-8"?>
+<p:notes xmlns:a="http://schemas.openxmlformats.org/drawingml/2006/main" xmlns:r="http://schemas.openxmlformats.org/officeDocument/2006/relationships" xmlns:p="http://schemas.openxmlformats.org/presentationml/2006/main">
+  <p:cSld>
+    <p:spTree>
+      <p:nvGrpSpPr>
+        <p:cNvPr id="1" name=""/>
+        <p:cNvGrpSpPr/>
+        <p:nvPr/>
+      </p:nvGrpSpPr>
+      <p:grpSpPr>
+        <a:xfrm>
+          <a:off x="0" y="0"/>
+          <a:ext cx="0" cy="0"/>
+          <a:chOff x="0" y="0"/>
+          <a:chExt cx="0" cy="0"/>
+        </a:xfrm>
+      </p:grpSpPr>
+      <p:sp>
+        <p:nvSpPr>
+          <p:cNvPr id="2" name="Slide Image Placeholder 1"/>
+          <p:cNvSpPr>
+            <a:spLocks noGrp="1" noRot="1" noChangeAspect="1"/>
+          </p:cNvSpPr>
+          <p:nvPr>
+            <p:ph type="sldImg"/>
+          </p:nvPr>
+        </p:nvSpPr>
+        <p:spPr/>
+      </p:sp>
+      <p:sp>
+        <p:nvSpPr>
+          <p:cNvPr id="3" name="Notes Placeholder 2"/>
+          <p:cNvSpPr>
+            <a:spLocks noGrp="1"/>
+          </p:cNvSpPr>
+          <p:nvPr>
+            <p:ph type="body" idx="1"/>
+          </p:nvPr>
+        </p:nvSpPr>
+        <p:spPr/>
+        <p:txBody>
+          <a:bodyPr/>
+          <a:lstStyle/>
+          <a:p>
+            <a:r>
+              <a:rPr lang="en-US" dirty="0"/>
+              <a:t>Danica</a:t>
+            </a:r>
+          </a:p>
+        </p:txBody>
+      </p:sp>
+      <p:sp>
+        <p:nvSpPr>
+          <p:cNvPr id="4" name="Slide Number Placeholder 3"/>
+          <p:cNvSpPr>
+            <a:spLocks noGrp="1"/>
+          </p:cNvSpPr>
+          <p:nvPr>
+            <p:ph type="sldNum" sz="quarter" idx="5"/>
+          </p:nvPr>
+        </p:nvSpPr>
+        <p:spPr/>
+        <p:txBody>
+          <a:bodyPr/>
+          <a:lstStyle/>
+          <a:p>
+            <a:fld id="{6BB3D874-D54A-734A-BDC6-E6BE85812225}" type="slidenum">
+              <a:rPr lang="en-US" smtClean="0"/>
+              <a:t>11</a:t>
+            </a:fld>
+            <a:endParaRPr lang="en-US"/>
+          </a:p>
+        </p:txBody>
+      </p:sp>
+    </p:spTree>
+    <p:extLst>
+      <p:ext uri="{BB962C8B-B14F-4D97-AF65-F5344CB8AC3E}">
+        <p14:creationId xmlns:p14="http://schemas.microsoft.com/office/powerpoint/2010/main" val="3577662982"/>
+      </p:ext>
+    </p:extLst>
+  </p:cSld>
+  <p:clrMapOvr>
+    <a:masterClrMapping/>
+  </p:clrMapOvr>
+</p:notes>
+</file>
+
+<file path=ppt/notesSlides/notesSlide12.xml><?xml version="1.0" encoding="utf-8"?>
+<p:notes xmlns:a="http://schemas.openxmlformats.org/drawingml/2006/main" xmlns:r="http://schemas.openxmlformats.org/officeDocument/2006/relationships" xmlns:p="http://schemas.openxmlformats.org/presentationml/2006/main">
+  <p:cSld>
+    <p:spTree>
+      <p:nvGrpSpPr>
+        <p:cNvPr id="1" name=""/>
+        <p:cNvGrpSpPr/>
+        <p:nvPr/>
+      </p:nvGrpSpPr>
+      <p:grpSpPr>
+        <a:xfrm>
+          <a:off x="0" y="0"/>
+          <a:ext cx="0" cy="0"/>
+          <a:chOff x="0" y="0"/>
+          <a:chExt cx="0" cy="0"/>
+        </a:xfrm>
+      </p:grpSpPr>
+      <p:sp>
+        <p:nvSpPr>
+          <p:cNvPr id="2" name="Slide Image Placeholder 1"/>
+          <p:cNvSpPr>
+            <a:spLocks noGrp="1" noRot="1" noChangeAspect="1"/>
+          </p:cNvSpPr>
+          <p:nvPr>
+            <p:ph type="sldImg"/>
+          </p:nvPr>
+        </p:nvSpPr>
+        <p:spPr/>
+      </p:sp>
+      <p:sp>
+        <p:nvSpPr>
+          <p:cNvPr id="3" name="Notes Placeholder 2"/>
+          <p:cNvSpPr>
+            <a:spLocks noGrp="1"/>
+          </p:cNvSpPr>
+          <p:nvPr>
+            <p:ph type="body" idx="1"/>
+          </p:nvPr>
+        </p:nvSpPr>
+        <p:spPr/>
+        <p:txBody>
+          <a:bodyPr/>
+          <a:lstStyle/>
+          <a:p>
+            <a:r>
+              <a:rPr lang="en-US" dirty="0"/>
+              <a:t>Stacey</a:t>
             </a:r>
           </a:p>
         </p:txBody>
@@ -632,6 +803,105 @@
             <a:fld id="{6BB3D874-D54A-734A-BDC6-E6BE85812225}" type="slidenum">
               <a:rPr lang="en-US" smtClean="0"/>
               <a:t>12</a:t>
+            </a:fld>
+            <a:endParaRPr lang="en-US"/>
+          </a:p>
+        </p:txBody>
+      </p:sp>
+    </p:spTree>
+    <p:extLst>
+      <p:ext uri="{BB962C8B-B14F-4D97-AF65-F5344CB8AC3E}">
+        <p14:creationId xmlns:p14="http://schemas.microsoft.com/office/powerpoint/2010/main" val="3765332774"/>
+      </p:ext>
+    </p:extLst>
+  </p:cSld>
+  <p:clrMapOvr>
+    <a:masterClrMapping/>
+  </p:clrMapOvr>
+</p:notes>
+</file>
+
+<file path=ppt/notesSlides/notesSlide13.xml><?xml version="1.0" encoding="utf-8"?>
+<p:notes xmlns:a="http://schemas.openxmlformats.org/drawingml/2006/main" xmlns:r="http://schemas.openxmlformats.org/officeDocument/2006/relationships" xmlns:p="http://schemas.openxmlformats.org/presentationml/2006/main">
+  <p:cSld>
+    <p:spTree>
+      <p:nvGrpSpPr>
+        <p:cNvPr id="1" name=""/>
+        <p:cNvGrpSpPr/>
+        <p:nvPr/>
+      </p:nvGrpSpPr>
+      <p:grpSpPr>
+        <a:xfrm>
+          <a:off x="0" y="0"/>
+          <a:ext cx="0" cy="0"/>
+          <a:chOff x="0" y="0"/>
+          <a:chExt cx="0" cy="0"/>
+        </a:xfrm>
+      </p:grpSpPr>
+      <p:sp>
+        <p:nvSpPr>
+          <p:cNvPr id="2" name="Slide Image Placeholder 1"/>
+          <p:cNvSpPr>
+            <a:spLocks noGrp="1" noRot="1" noChangeAspect="1"/>
+          </p:cNvSpPr>
+          <p:nvPr>
+            <p:ph type="sldImg"/>
+          </p:nvPr>
+        </p:nvSpPr>
+        <p:spPr/>
+      </p:sp>
+      <p:sp>
+        <p:nvSpPr>
+          <p:cNvPr id="3" name="Notes Placeholder 2"/>
+          <p:cNvSpPr>
+            <a:spLocks noGrp="1"/>
+          </p:cNvSpPr>
+          <p:nvPr>
+            <p:ph type="body" idx="1"/>
+          </p:nvPr>
+        </p:nvSpPr>
+        <p:spPr/>
+        <p:txBody>
+          <a:bodyPr/>
+          <a:lstStyle/>
+          <a:p>
+            <a:r>
+              <a:rPr lang="en-US" dirty="0"/>
+              <a:t>Lauren</a:t>
+            </a:r>
+          </a:p>
+          <a:p>
+            <a:r>
+              <a:rPr lang="en-US" dirty="0"/>
+              <a:t>Conclusions – how to prepare for for an apocalypse (what items to have on hand) and then how to thrive post apocalypse economy</a:t>
+            </a:r>
+          </a:p>
+          <a:p>
+            <a:r>
+              <a:rPr lang="en-US" dirty="0"/>
+              <a:t>Mention items to barter</a:t>
+            </a:r>
+          </a:p>
+        </p:txBody>
+      </p:sp>
+      <p:sp>
+        <p:nvSpPr>
+          <p:cNvPr id="4" name="Slide Number Placeholder 3"/>
+          <p:cNvSpPr>
+            <a:spLocks noGrp="1"/>
+          </p:cNvSpPr>
+          <p:nvPr>
+            <p:ph type="sldNum" sz="quarter" idx="5"/>
+          </p:nvPr>
+        </p:nvSpPr>
+        <p:spPr/>
+        <p:txBody>
+          <a:bodyPr/>
+          <a:lstStyle/>
+          <a:p>
+            <a:fld id="{6BB3D874-D54A-734A-BDC6-E6BE85812225}" type="slidenum">
+              <a:rPr lang="en-US" smtClean="0"/>
+              <a:t>13</a:t>
             </a:fld>
             <a:endParaRPr lang="en-US"/>
           </a:p>
@@ -792,7 +1062,7 @@
           <a:p>
             <a:r>
               <a:rPr lang="en-US" dirty="0"/>
-              <a:t>Danica &amp; Stacey</a:t>
+              <a:t>Stacey &amp; Danica</a:t>
             </a:r>
           </a:p>
           <a:p>
@@ -944,7 +1214,7 @@
           <a:p>
             <a:r>
               <a:rPr lang="en-US" dirty="0"/>
-              <a:t>Danica</a:t>
+              <a:t>Stacey</a:t>
             </a:r>
           </a:p>
         </p:txBody>
@@ -966,7 +1236,7 @@
           <a:p>
             <a:fld id="{6BB3D874-D54A-734A-BDC6-E6BE85812225}" type="slidenum">
               <a:rPr lang="en-US" smtClean="0"/>
-              <a:t>5</a:t>
+              <a:t>4</a:t>
             </a:fld>
             <a:endParaRPr lang="en-US"/>
           </a:p>
@@ -975,7 +1245,7 @@
     </p:spTree>
     <p:extLst>
       <p:ext uri="{BB962C8B-B14F-4D97-AF65-F5344CB8AC3E}">
-        <p14:creationId xmlns:p14="http://schemas.microsoft.com/office/powerpoint/2010/main" val="3831134644"/>
+        <p14:creationId xmlns:p14="http://schemas.microsoft.com/office/powerpoint/2010/main" val="3192852479"/>
       </p:ext>
     </p:extLst>
   </p:cSld>
@@ -1031,8 +1301,43 @@
           <a:p>
             <a:r>
               <a:rPr lang="en-US" dirty="0"/>
-              <a:t>Lauren &amp; Stacey</a:t>
-            </a:r>
+              <a:t>Danica</a:t>
+            </a:r>
+          </a:p>
+          <a:p>
+            <a:endParaRPr lang="en-US" dirty="0"/>
+          </a:p>
+          <a:p>
+            <a:r>
+              <a:rPr lang="en-US" dirty="0"/>
+              <a:t>Non-durable</a:t>
+            </a:r>
+          </a:p>
+          <a:p>
+            <a:endParaRPr lang="en-US" dirty="0"/>
+          </a:p>
+          <a:p>
+            <a:r>
+              <a:rPr lang="en-US" dirty="0">
+                <a:latin typeface="Tahoma" panose="020B0604030504040204" pitchFamily="34" charset="0"/>
+                <a:ea typeface="Tahoma" panose="020B0604030504040204" pitchFamily="34" charset="0"/>
+                <a:cs typeface="Tahoma" panose="020B0604030504040204" pitchFamily="34" charset="0"/>
+              </a:rPr>
+              <a:t>Prescription &amp; non-prescription drugs</a:t>
+            </a:r>
+          </a:p>
+          <a:p>
+            <a:r>
+              <a:rPr lang="en-US" dirty="0">
+                <a:latin typeface="Tahoma" panose="020B0604030504040204" pitchFamily="34" charset="0"/>
+                <a:ea typeface="Tahoma" panose="020B0604030504040204" pitchFamily="34" charset="0"/>
+                <a:cs typeface="Tahoma" panose="020B0604030504040204" pitchFamily="34" charset="0"/>
+              </a:rPr>
+              <a:t>Cleaning supplies</a:t>
+            </a:r>
+          </a:p>
+          <a:p>
+            <a:endParaRPr lang="en-US" dirty="0"/>
           </a:p>
         </p:txBody>
       </p:sp>
@@ -1053,7 +1358,7 @@
           <a:p>
             <a:fld id="{6BB3D874-D54A-734A-BDC6-E6BE85812225}" type="slidenum">
               <a:rPr lang="en-US" smtClean="0"/>
-              <a:t>6</a:t>
+              <a:t>5</a:t>
             </a:fld>
             <a:endParaRPr lang="en-US"/>
           </a:p>
@@ -1062,7 +1367,7 @@
     </p:spTree>
     <p:extLst>
       <p:ext uri="{BB962C8B-B14F-4D97-AF65-F5344CB8AC3E}">
-        <p14:creationId xmlns:p14="http://schemas.microsoft.com/office/powerpoint/2010/main" val="1791772218"/>
+        <p14:creationId xmlns:p14="http://schemas.microsoft.com/office/powerpoint/2010/main" val="3831134644"/>
       </p:ext>
     </p:extLst>
   </p:cSld>
@@ -1117,10 +1422,9 @@
           <a:lstStyle/>
           <a:p>
             <a:r>
-              <a:rPr lang="en-US" dirty="0" err="1"/>
-              <a:t>Siara</a:t>
-            </a:r>
-            <a:endParaRPr lang="en-US" dirty="0"/>
+              <a:rPr lang="en-US" dirty="0"/>
+              <a:t>Lauren</a:t>
+            </a:r>
           </a:p>
         </p:txBody>
       </p:sp>
@@ -1141,7 +1445,7 @@
           <a:p>
             <a:fld id="{6BB3D874-D54A-734A-BDC6-E6BE85812225}" type="slidenum">
               <a:rPr lang="en-US" smtClean="0"/>
-              <a:t>8</a:t>
+              <a:t>6</a:t>
             </a:fld>
             <a:endParaRPr lang="en-US"/>
           </a:p>
@@ -1150,7 +1454,7 @@
     </p:spTree>
     <p:extLst>
       <p:ext uri="{BB962C8B-B14F-4D97-AF65-F5344CB8AC3E}">
-        <p14:creationId xmlns:p14="http://schemas.microsoft.com/office/powerpoint/2010/main" val="1606379655"/>
+        <p14:creationId xmlns:p14="http://schemas.microsoft.com/office/powerpoint/2010/main" val="1791772218"/>
       </p:ext>
     </p:extLst>
   </p:cSld>
@@ -1205,83 +1509,9 @@
           <a:lstStyle/>
           <a:p>
             <a:r>
-              <a:rPr lang="en-US" dirty="0" err="1"/>
-              <a:t>Siara</a:t>
-            </a:r>
-            <a:endParaRPr lang="en-US" dirty="0"/>
-          </a:p>
-          <a:p>
-            <a:endParaRPr lang="en-US" dirty="0"/>
-          </a:p>
-          <a:p>
-            <a:r>
-              <a:rPr lang="en-US" dirty="0">
-                <a:latin typeface="Tahoma" panose="020B0604030504040204" pitchFamily="34" charset="0"/>
-                <a:ea typeface="Tahoma" panose="020B0604030504040204" pitchFamily="34" charset="0"/>
-                <a:cs typeface="Tahoma" panose="020B0604030504040204" pitchFamily="34" charset="0"/>
-              </a:rPr>
-              <a:t>Not part of the initial spike but items we saw an increase in post new-normal</a:t>
-            </a:r>
-          </a:p>
-          <a:p>
-            <a:endParaRPr lang="en-US" dirty="0">
-              <a:latin typeface="Tahoma" panose="020B0604030504040204" pitchFamily="34" charset="0"/>
-              <a:ea typeface="Tahoma" panose="020B0604030504040204" pitchFamily="34" charset="0"/>
-              <a:cs typeface="Tahoma" panose="020B0604030504040204" pitchFamily="34" charset="0"/>
-            </a:endParaRPr>
-          </a:p>
-          <a:p>
-            <a:r>
-              <a:rPr lang="en-US" dirty="0">
-                <a:latin typeface="Tahoma" panose="020B0604030504040204" pitchFamily="34" charset="0"/>
-                <a:ea typeface="Tahoma" panose="020B0604030504040204" pitchFamily="34" charset="0"/>
-                <a:cs typeface="Tahoma" panose="020B0604030504040204" pitchFamily="34" charset="0"/>
-              </a:rPr>
-              <a:t>recreational vehicles</a:t>
-            </a:r>
-          </a:p>
-          <a:p>
-            <a:r>
-              <a:rPr lang="en-US" dirty="0">
-                <a:latin typeface="Tahoma" panose="020B0604030504040204" pitchFamily="34" charset="0"/>
-                <a:ea typeface="Tahoma" panose="020B0604030504040204" pitchFamily="34" charset="0"/>
-                <a:cs typeface="Tahoma" panose="020B0604030504040204" pitchFamily="34" charset="0"/>
-              </a:rPr>
-              <a:t>Small appliance</a:t>
-            </a:r>
-          </a:p>
-          <a:p>
-            <a:r>
-              <a:rPr lang="en-US" dirty="0">
-                <a:latin typeface="Tahoma" panose="020B0604030504040204" pitchFamily="34" charset="0"/>
-                <a:ea typeface="Tahoma" panose="020B0604030504040204" pitchFamily="34" charset="0"/>
-                <a:cs typeface="Tahoma" panose="020B0604030504040204" pitchFamily="34" charset="0"/>
-              </a:rPr>
-              <a:t>Sporting eq, guns and ammunition</a:t>
-            </a:r>
-          </a:p>
-          <a:p>
-            <a:r>
-              <a:rPr lang="en-US" dirty="0">
-                <a:latin typeface="Tahoma" panose="020B0604030504040204" pitchFamily="34" charset="0"/>
-                <a:ea typeface="Tahoma" panose="020B0604030504040204" pitchFamily="34" charset="0"/>
-                <a:cs typeface="Tahoma" panose="020B0604030504040204" pitchFamily="34" charset="0"/>
-              </a:rPr>
-              <a:t>Gardening</a:t>
-            </a:r>
-          </a:p>
-          <a:p>
-            <a:r>
-              <a:rPr lang="en-US" dirty="0">
-                <a:latin typeface="Tahoma" panose="020B0604030504040204" pitchFamily="34" charset="0"/>
-                <a:ea typeface="Tahoma" panose="020B0604030504040204" pitchFamily="34" charset="0"/>
-                <a:cs typeface="Tahoma" panose="020B0604030504040204" pitchFamily="34" charset="0"/>
-              </a:rPr>
-              <a:t>Personal computers</a:t>
-            </a:r>
-          </a:p>
-          <a:p>
-            <a:endParaRPr lang="en-US" dirty="0"/>
+              <a:rPr lang="en-US" dirty="0"/>
+              <a:t>Lauren</a:t>
+            </a:r>
           </a:p>
         </p:txBody>
       </p:sp>
@@ -1302,7 +1532,7 @@
           <a:p>
             <a:fld id="{6BB3D874-D54A-734A-BDC6-E6BE85812225}" type="slidenum">
               <a:rPr lang="en-US" smtClean="0"/>
-              <a:t>9</a:t>
+              <a:t>7</a:t>
             </a:fld>
             <a:endParaRPr lang="en-US"/>
           </a:p>
@@ -1311,7 +1541,7 @@
     </p:spTree>
     <p:extLst>
       <p:ext uri="{BB962C8B-B14F-4D97-AF65-F5344CB8AC3E}">
-        <p14:creationId xmlns:p14="http://schemas.microsoft.com/office/powerpoint/2010/main" val="1392474627"/>
+        <p14:creationId xmlns:p14="http://schemas.microsoft.com/office/powerpoint/2010/main" val="3821123828"/>
       </p:ext>
     </p:extLst>
   </p:cSld>
@@ -1365,6 +1595,10 @@
           <a:bodyPr/>
           <a:lstStyle/>
           <a:p>
+            <a:r>
+              <a:rPr lang="en-US" dirty="0" err="1"/>
+              <a:t>Siara</a:t>
+            </a:r>
             <a:endParaRPr lang="en-US" dirty="0"/>
           </a:p>
         </p:txBody>
@@ -1386,7 +1620,7 @@
           <a:p>
             <a:fld id="{6BB3D874-D54A-734A-BDC6-E6BE85812225}" type="slidenum">
               <a:rPr lang="en-US" smtClean="0"/>
-              <a:t>10</a:t>
+              <a:t>8</a:t>
             </a:fld>
             <a:endParaRPr lang="en-US"/>
           </a:p>
@@ -1395,7 +1629,7 @@
     </p:spTree>
     <p:extLst>
       <p:ext uri="{BB962C8B-B14F-4D97-AF65-F5344CB8AC3E}">
-        <p14:creationId xmlns:p14="http://schemas.microsoft.com/office/powerpoint/2010/main" val="3034710620"/>
+        <p14:creationId xmlns:p14="http://schemas.microsoft.com/office/powerpoint/2010/main" val="1606379655"/>
       </p:ext>
     </p:extLst>
   </p:cSld>
@@ -1449,6 +1683,83 @@
           <a:bodyPr/>
           <a:lstStyle/>
           <a:p>
+            <a:r>
+              <a:rPr lang="en-US" dirty="0" err="1"/>
+              <a:t>Siara</a:t>
+            </a:r>
+            <a:endParaRPr lang="en-US" dirty="0"/>
+          </a:p>
+          <a:p>
+            <a:endParaRPr lang="en-US" dirty="0"/>
+          </a:p>
+          <a:p>
+            <a:r>
+              <a:rPr lang="en-US" dirty="0">
+                <a:latin typeface="Tahoma" panose="020B0604030504040204" pitchFamily="34" charset="0"/>
+                <a:ea typeface="Tahoma" panose="020B0604030504040204" pitchFamily="34" charset="0"/>
+                <a:cs typeface="Tahoma" panose="020B0604030504040204" pitchFamily="34" charset="0"/>
+              </a:rPr>
+              <a:t>Not part of the initial spike but items we saw an increase in post new-normal</a:t>
+            </a:r>
+          </a:p>
+          <a:p>
+            <a:endParaRPr lang="en-US" dirty="0">
+              <a:latin typeface="Tahoma" panose="020B0604030504040204" pitchFamily="34" charset="0"/>
+              <a:ea typeface="Tahoma" panose="020B0604030504040204" pitchFamily="34" charset="0"/>
+              <a:cs typeface="Tahoma" panose="020B0604030504040204" pitchFamily="34" charset="0"/>
+            </a:endParaRPr>
+          </a:p>
+          <a:p>
+            <a:r>
+              <a:rPr lang="en-US" dirty="0">
+                <a:latin typeface="Tahoma" panose="020B0604030504040204" pitchFamily="34" charset="0"/>
+                <a:ea typeface="Tahoma" panose="020B0604030504040204" pitchFamily="34" charset="0"/>
+                <a:cs typeface="Tahoma" panose="020B0604030504040204" pitchFamily="34" charset="0"/>
+              </a:rPr>
+              <a:t>recreational vehicles</a:t>
+            </a:r>
+          </a:p>
+          <a:p>
+            <a:r>
+              <a:rPr lang="en-US" dirty="0">
+                <a:latin typeface="Tahoma" panose="020B0604030504040204" pitchFamily="34" charset="0"/>
+                <a:ea typeface="Tahoma" panose="020B0604030504040204" pitchFamily="34" charset="0"/>
+                <a:cs typeface="Tahoma" panose="020B0604030504040204" pitchFamily="34" charset="0"/>
+              </a:rPr>
+              <a:t>Small appliance</a:t>
+            </a:r>
+          </a:p>
+          <a:p>
+            <a:r>
+              <a:rPr lang="en-US" dirty="0">
+                <a:latin typeface="Tahoma" panose="020B0604030504040204" pitchFamily="34" charset="0"/>
+                <a:ea typeface="Tahoma" panose="020B0604030504040204" pitchFamily="34" charset="0"/>
+                <a:cs typeface="Tahoma" panose="020B0604030504040204" pitchFamily="34" charset="0"/>
+              </a:rPr>
+              <a:t>Sporting eq, guns and ammunition</a:t>
+            </a:r>
+          </a:p>
+          <a:p>
+            <a:r>
+              <a:rPr lang="en-US" dirty="0">
+                <a:latin typeface="Tahoma" panose="020B0604030504040204" pitchFamily="34" charset="0"/>
+                <a:ea typeface="Tahoma" panose="020B0604030504040204" pitchFamily="34" charset="0"/>
+                <a:cs typeface="Tahoma" panose="020B0604030504040204" pitchFamily="34" charset="0"/>
+              </a:rPr>
+              <a:t>Gardening</a:t>
+            </a:r>
+          </a:p>
+          <a:p>
+            <a:r>
+              <a:rPr lang="en-US" dirty="0">
+                <a:latin typeface="Tahoma" panose="020B0604030504040204" pitchFamily="34" charset="0"/>
+                <a:ea typeface="Tahoma" panose="020B0604030504040204" pitchFamily="34" charset="0"/>
+                <a:cs typeface="Tahoma" panose="020B0604030504040204" pitchFamily="34" charset="0"/>
+              </a:rPr>
+              <a:t>Personal computers</a:t>
+            </a:r>
+          </a:p>
+          <a:p>
             <a:endParaRPr lang="en-US" dirty="0"/>
           </a:p>
         </p:txBody>
@@ -1470,7 +1781,7 @@
           <a:p>
             <a:fld id="{6BB3D874-D54A-734A-BDC6-E6BE85812225}" type="slidenum">
               <a:rPr lang="en-US" smtClean="0"/>
-              <a:t>11</a:t>
+              <a:t>9</a:t>
             </a:fld>
             <a:endParaRPr lang="en-US"/>
           </a:p>
@@ -1479,7 +1790,7 @@
     </p:spTree>
     <p:extLst>
       <p:ext uri="{BB962C8B-B14F-4D97-AF65-F5344CB8AC3E}">
-        <p14:creationId xmlns:p14="http://schemas.microsoft.com/office/powerpoint/2010/main" val="3765332774"/>
+        <p14:creationId xmlns:p14="http://schemas.microsoft.com/office/powerpoint/2010/main" val="1392474627"/>
       </p:ext>
     </p:extLst>
   </p:cSld>
@@ -4861,15 +5172,75 @@
           <a:chExt cx="0" cy="0"/>
         </a:xfrm>
       </p:grpSpPr>
-      <p:sp>
-        <p:nvSpPr>
-          <p:cNvPr id="2" name="Title 1">
+      <p:pic>
+        <p:nvPicPr>
+          <p:cNvPr id="4" name="Picture 3" descr="Chart, line chart&#10;&#10;Description automatically generated">
             <a:extLst>
               <a:ext uri="{FF2B5EF4-FFF2-40B4-BE49-F238E27FC236}">
-                <a16:creationId xmlns:a16="http://schemas.microsoft.com/office/drawing/2014/main" id="{E179AB7D-E961-0A44-8D15-CDF3FFEB1457}"/>
+                <a16:creationId xmlns:a16="http://schemas.microsoft.com/office/drawing/2014/main" id="{8C144C18-08D7-1B4E-A90A-7C06944C5261}"/>
               </a:ext>
             </a:extLst>
           </p:cNvPr>
+          <p:cNvPicPr>
+            <a:picLocks noChangeAspect="1"/>
+          </p:cNvPicPr>
+          <p:nvPr/>
+        </p:nvPicPr>
+        <p:blipFill>
+          <a:blip r:embed="rId3"/>
+          <a:stretch>
+            <a:fillRect/>
+          </a:stretch>
+        </p:blipFill>
+        <p:spPr>
+          <a:xfrm>
+            <a:off x="6434056" y="2011107"/>
+            <a:ext cx="5486400" cy="3657600"/>
+          </a:xfrm>
+          <a:prstGeom prst="rect">
+            <a:avLst/>
+          </a:prstGeom>
+        </p:spPr>
+      </p:pic>
+      <p:pic>
+        <p:nvPicPr>
+          <p:cNvPr id="5" name="Picture 4" descr="Chart, line chart&#10;&#10;Description automatically generated">
+            <a:extLst>
+              <a:ext uri="{FF2B5EF4-FFF2-40B4-BE49-F238E27FC236}">
+                <a16:creationId xmlns:a16="http://schemas.microsoft.com/office/drawing/2014/main" id="{6C11B246-6B88-104B-A6A0-EC871CB60C67}"/>
+              </a:ext>
+            </a:extLst>
+          </p:cNvPr>
+          <p:cNvPicPr>
+            <a:picLocks noChangeAspect="1"/>
+          </p:cNvPicPr>
+          <p:nvPr/>
+        </p:nvPicPr>
+        <p:blipFill>
+          <a:blip r:embed="rId4"/>
+          <a:stretch>
+            <a:fillRect/>
+          </a:stretch>
+        </p:blipFill>
+        <p:spPr>
+          <a:xfrm>
+            <a:off x="271544" y="1826675"/>
+            <a:ext cx="5486400" cy="3657600"/>
+          </a:xfrm>
+          <a:prstGeom prst="rect">
+            <a:avLst/>
+          </a:prstGeom>
+        </p:spPr>
+      </p:pic>
+      <p:sp>
+        <p:nvSpPr>
+          <p:cNvPr id="6" name="Title 1">
+            <a:extLst>
+              <a:ext uri="{FF2B5EF4-FFF2-40B4-BE49-F238E27FC236}">
+                <a16:creationId xmlns:a16="http://schemas.microsoft.com/office/drawing/2014/main" id="{E2E6D634-6E28-9E48-9EC0-F49DDBAA7591}"/>
+              </a:ext>
+            </a:extLst>
+          </p:cNvPr>
           <p:cNvSpPr>
             <a:spLocks noGrp="1"/>
           </p:cNvSpPr>
@@ -4877,7 +5248,12 @@
             <p:ph type="title"/>
           </p:nvPr>
         </p:nvSpPr>
-        <p:spPr/>
+        <p:spPr>
+          <a:xfrm>
+            <a:off x="838200" y="365125"/>
+            <a:ext cx="10515600" cy="1325563"/>
+          </a:xfrm>
+        </p:spPr>
         <p:txBody>
           <a:bodyPr/>
           <a:lstStyle/>
@@ -4888,91 +5264,15 @@
                 <a:ea typeface="Tahoma" panose="020B0604030504040204" pitchFamily="34" charset="0"/>
                 <a:cs typeface="Tahoma" panose="020B0604030504040204" pitchFamily="34" charset="0"/>
               </a:rPr>
-              <a:t>Challenges Faced</a:t>
-            </a:r>
-          </a:p>
-        </p:txBody>
-      </p:sp>
-      <p:sp>
-        <p:nvSpPr>
-          <p:cNvPr id="3" name="Content Placeholder 2">
-            <a:extLst>
-              <a:ext uri="{FF2B5EF4-FFF2-40B4-BE49-F238E27FC236}">
-                <a16:creationId xmlns:a16="http://schemas.microsoft.com/office/drawing/2014/main" id="{17E6A709-CB55-7B4B-903A-745757F78342}"/>
-              </a:ext>
-            </a:extLst>
-          </p:cNvPr>
-          <p:cNvSpPr>
-            <a:spLocks noGrp="1"/>
-          </p:cNvSpPr>
-          <p:nvPr>
-            <p:ph idx="1"/>
-          </p:nvPr>
-        </p:nvSpPr>
-        <p:spPr/>
-        <p:txBody>
-          <a:bodyPr/>
-          <a:lstStyle/>
-          <a:p>
-            <a:r>
-              <a:rPr lang="en-US" dirty="0">
-                <a:latin typeface="Tahoma" panose="020B0604030504040204" pitchFamily="34" charset="0"/>
-                <a:ea typeface="Tahoma" panose="020B0604030504040204" pitchFamily="34" charset="0"/>
-                <a:cs typeface="Tahoma" panose="020B0604030504040204" pitchFamily="34" charset="0"/>
-              </a:rPr>
-              <a:t>Data cleansing the data output from BEA, created smaller subsets within Excel first then imported to Pandas</a:t>
-            </a:r>
-          </a:p>
-          <a:p>
-            <a:r>
-              <a:rPr lang="en-US" dirty="0">
-                <a:latin typeface="Tahoma" panose="020B0604030504040204" pitchFamily="34" charset="0"/>
-                <a:ea typeface="Tahoma" panose="020B0604030504040204" pitchFamily="34" charset="0"/>
-                <a:cs typeface="Tahoma" panose="020B0604030504040204" pitchFamily="34" charset="0"/>
-              </a:rPr>
-              <a:t>Large dataset with vague category descriptions making it difficult to understand data and find trends</a:t>
-            </a:r>
-          </a:p>
-          <a:p>
-            <a:r>
-              <a:rPr lang="en-US" dirty="0">
-                <a:latin typeface="Tahoma" panose="020B0604030504040204" pitchFamily="34" charset="0"/>
-                <a:ea typeface="Tahoma" panose="020B0604030504040204" pitchFamily="34" charset="0"/>
-                <a:cs typeface="Tahoma" panose="020B0604030504040204" pitchFamily="34" charset="0"/>
-              </a:rPr>
-              <a:t>Narrowing scope</a:t>
-            </a:r>
-          </a:p>
-          <a:p>
-            <a:r>
-              <a:rPr lang="en-US" dirty="0" err="1">
-                <a:latin typeface="Tahoma" panose="020B0604030504040204" pitchFamily="34" charset="0"/>
-                <a:ea typeface="Tahoma" panose="020B0604030504040204" pitchFamily="34" charset="0"/>
-                <a:cs typeface="Tahoma" panose="020B0604030504040204" pitchFamily="34" charset="0"/>
-              </a:rPr>
-              <a:t>Tieing</a:t>
-            </a:r>
-            <a:r>
-              <a:rPr lang="en-US" dirty="0">
-                <a:latin typeface="Tahoma" panose="020B0604030504040204" pitchFamily="34" charset="0"/>
-                <a:ea typeface="Tahoma" panose="020B0604030504040204" pitchFamily="34" charset="0"/>
-                <a:cs typeface="Tahoma" panose="020B0604030504040204" pitchFamily="34" charset="0"/>
-              </a:rPr>
-              <a:t> our findings together cohesively</a:t>
-            </a:r>
-          </a:p>
-          <a:p>
-            <a:endParaRPr lang="en-US" dirty="0"/>
-          </a:p>
-          <a:p>
-            <a:endParaRPr lang="en-US" dirty="0"/>
+              <a:t>Unexpected Trends</a:t>
+            </a:r>
           </a:p>
         </p:txBody>
       </p:sp>
     </p:spTree>
     <p:extLst>
       <p:ext uri="{BB962C8B-B14F-4D97-AF65-F5344CB8AC3E}">
-        <p14:creationId xmlns:p14="http://schemas.microsoft.com/office/powerpoint/2010/main" val="40041684"/>
+        <p14:creationId xmlns:p14="http://schemas.microsoft.com/office/powerpoint/2010/main" val="3711028182"/>
       </p:ext>
     </p:extLst>
   </p:cSld>
@@ -5004,6 +5304,144 @@
           <p:cNvPr id="2" name="Title 1">
             <a:extLst>
               <a:ext uri="{FF2B5EF4-FFF2-40B4-BE49-F238E27FC236}">
+                <a16:creationId xmlns:a16="http://schemas.microsoft.com/office/drawing/2014/main" id="{E179AB7D-E961-0A44-8D15-CDF3FFEB1457}"/>
+              </a:ext>
+            </a:extLst>
+          </p:cNvPr>
+          <p:cNvSpPr>
+            <a:spLocks noGrp="1"/>
+          </p:cNvSpPr>
+          <p:nvPr>
+            <p:ph type="title"/>
+          </p:nvPr>
+        </p:nvSpPr>
+        <p:spPr/>
+        <p:txBody>
+          <a:bodyPr/>
+          <a:lstStyle/>
+          <a:p>
+            <a:r>
+              <a:rPr lang="en-US" b="1" dirty="0">
+                <a:latin typeface="Tahoma" panose="020B0604030504040204" pitchFamily="34" charset="0"/>
+                <a:ea typeface="Tahoma" panose="020B0604030504040204" pitchFamily="34" charset="0"/>
+                <a:cs typeface="Tahoma" panose="020B0604030504040204" pitchFamily="34" charset="0"/>
+              </a:rPr>
+              <a:t>Challenges Faced</a:t>
+            </a:r>
+          </a:p>
+        </p:txBody>
+      </p:sp>
+      <p:sp>
+        <p:nvSpPr>
+          <p:cNvPr id="3" name="Content Placeholder 2">
+            <a:extLst>
+              <a:ext uri="{FF2B5EF4-FFF2-40B4-BE49-F238E27FC236}">
+                <a16:creationId xmlns:a16="http://schemas.microsoft.com/office/drawing/2014/main" id="{17E6A709-CB55-7B4B-903A-745757F78342}"/>
+              </a:ext>
+            </a:extLst>
+          </p:cNvPr>
+          <p:cNvSpPr>
+            <a:spLocks noGrp="1"/>
+          </p:cNvSpPr>
+          <p:nvPr>
+            <p:ph idx="1"/>
+          </p:nvPr>
+        </p:nvSpPr>
+        <p:spPr/>
+        <p:txBody>
+          <a:bodyPr/>
+          <a:lstStyle/>
+          <a:p>
+            <a:r>
+              <a:rPr lang="en-US" dirty="0">
+                <a:latin typeface="Tahoma" panose="020B0604030504040204" pitchFamily="34" charset="0"/>
+                <a:ea typeface="Tahoma" panose="020B0604030504040204" pitchFamily="34" charset="0"/>
+                <a:cs typeface="Tahoma" panose="020B0604030504040204" pitchFamily="34" charset="0"/>
+              </a:rPr>
+              <a:t>Data cleansing the data output from BEA, created smaller subsets within Excel first then imported to Pandas</a:t>
+            </a:r>
+          </a:p>
+          <a:p>
+            <a:r>
+              <a:rPr lang="en-US" dirty="0">
+                <a:latin typeface="Tahoma" panose="020B0604030504040204" pitchFamily="34" charset="0"/>
+                <a:ea typeface="Tahoma" panose="020B0604030504040204" pitchFamily="34" charset="0"/>
+                <a:cs typeface="Tahoma" panose="020B0604030504040204" pitchFamily="34" charset="0"/>
+              </a:rPr>
+              <a:t>Large dataset with vague category descriptions making it difficult to understand data and find trends</a:t>
+            </a:r>
+          </a:p>
+          <a:p>
+            <a:r>
+              <a:rPr lang="en-US" dirty="0">
+                <a:latin typeface="Tahoma" panose="020B0604030504040204" pitchFamily="34" charset="0"/>
+                <a:ea typeface="Tahoma" panose="020B0604030504040204" pitchFamily="34" charset="0"/>
+                <a:cs typeface="Tahoma" panose="020B0604030504040204" pitchFamily="34" charset="0"/>
+              </a:rPr>
+              <a:t>Narrowing scope</a:t>
+            </a:r>
+          </a:p>
+          <a:p>
+            <a:r>
+              <a:rPr lang="en-US" dirty="0" err="1">
+                <a:latin typeface="Tahoma" panose="020B0604030504040204" pitchFamily="34" charset="0"/>
+                <a:ea typeface="Tahoma" panose="020B0604030504040204" pitchFamily="34" charset="0"/>
+                <a:cs typeface="Tahoma" panose="020B0604030504040204" pitchFamily="34" charset="0"/>
+              </a:rPr>
+              <a:t>Tieing</a:t>
+            </a:r>
+            <a:r>
+              <a:rPr lang="en-US" dirty="0">
+                <a:latin typeface="Tahoma" panose="020B0604030504040204" pitchFamily="34" charset="0"/>
+                <a:ea typeface="Tahoma" panose="020B0604030504040204" pitchFamily="34" charset="0"/>
+                <a:cs typeface="Tahoma" panose="020B0604030504040204" pitchFamily="34" charset="0"/>
+              </a:rPr>
+              <a:t> our findings together cohesively</a:t>
+            </a:r>
+          </a:p>
+          <a:p>
+            <a:endParaRPr lang="en-US" dirty="0"/>
+          </a:p>
+          <a:p>
+            <a:endParaRPr lang="en-US" dirty="0"/>
+          </a:p>
+        </p:txBody>
+      </p:sp>
+    </p:spTree>
+    <p:extLst>
+      <p:ext uri="{BB962C8B-B14F-4D97-AF65-F5344CB8AC3E}">
+        <p14:creationId xmlns:p14="http://schemas.microsoft.com/office/powerpoint/2010/main" val="40041684"/>
+      </p:ext>
+    </p:extLst>
+  </p:cSld>
+  <p:clrMapOvr>
+    <a:masterClrMapping/>
+  </p:clrMapOvr>
+</p:sld>
+</file>
+
+<file path=ppt/slides/slide13.xml><?xml version="1.0" encoding="utf-8"?>
+<p:sld xmlns:a="http://schemas.openxmlformats.org/drawingml/2006/main" xmlns:r="http://schemas.openxmlformats.org/officeDocument/2006/relationships" xmlns:p="http://schemas.openxmlformats.org/presentationml/2006/main">
+  <p:cSld>
+    <p:spTree>
+      <p:nvGrpSpPr>
+        <p:cNvPr id="1" name=""/>
+        <p:cNvGrpSpPr/>
+        <p:nvPr/>
+      </p:nvGrpSpPr>
+      <p:grpSpPr>
+        <a:xfrm>
+          <a:off x="0" y="0"/>
+          <a:ext cx="0" cy="0"/>
+          <a:chOff x="0" y="0"/>
+          <a:chExt cx="0" cy="0"/>
+        </a:xfrm>
+      </p:grpSpPr>
+      <p:sp>
+        <p:nvSpPr>
+          <p:cNvPr id="2" name="Title 1">
+            <a:extLst>
+              <a:ext uri="{FF2B5EF4-FFF2-40B4-BE49-F238E27FC236}">
                 <a16:creationId xmlns:a16="http://schemas.microsoft.com/office/drawing/2014/main" id="{4F8534DF-C390-824A-A1A0-1732D64D7EE2}"/>
               </a:ext>
             </a:extLst>
@@ -5052,11 +5490,37 @@
           <a:bodyPr/>
           <a:lstStyle/>
           <a:p>
-            <a:endParaRPr lang="en-US" dirty="0">
-              <a:latin typeface="Tahoma" panose="020B0604030504040204" pitchFamily="34" charset="0"/>
-              <a:ea typeface="Tahoma" panose="020B0604030504040204" pitchFamily="34" charset="0"/>
-              <a:cs typeface="Tahoma" panose="020B0604030504040204" pitchFamily="34" charset="0"/>
-            </a:endParaRPr>
+            <a:r>
+              <a:rPr lang="en-US" dirty="0">
+                <a:latin typeface="Tahoma" panose="020B0604030504040204" pitchFamily="34" charset="0"/>
+                <a:ea typeface="Tahoma" panose="020B0604030504040204" pitchFamily="34" charset="0"/>
+                <a:cs typeface="Tahoma" panose="020B0604030504040204" pitchFamily="34" charset="0"/>
+              </a:rPr>
+              <a:t>How to prepare for an apocalypse</a:t>
+            </a:r>
+          </a:p>
+          <a:p>
+            <a:r>
+              <a:rPr lang="en-US" dirty="0">
+                <a:latin typeface="Tahoma" panose="020B0604030504040204" pitchFamily="34" charset="0"/>
+                <a:ea typeface="Tahoma" panose="020B0604030504040204" pitchFamily="34" charset="0"/>
+                <a:cs typeface="Tahoma" panose="020B0604030504040204" pitchFamily="34" charset="0"/>
+              </a:rPr>
+              <a:t>How to thrive in a post apocalypse economy</a:t>
+            </a:r>
+          </a:p>
+          <a:p>
+            <a:pPr marL="0" indent="0">
+              <a:buNone/>
+            </a:pPr>
+            <a:r>
+              <a:rPr lang="en-US" dirty="0">
+                <a:latin typeface="Tahoma" panose="020B0604030504040204" pitchFamily="34" charset="0"/>
+                <a:ea typeface="Tahoma" panose="020B0604030504040204" pitchFamily="34" charset="0"/>
+                <a:cs typeface="Tahoma" panose="020B0604030504040204" pitchFamily="34" charset="0"/>
+              </a:rPr>
+              <a:t>  </a:t>
+            </a:r>
           </a:p>
         </p:txBody>
       </p:sp>
@@ -7097,6 +7561,38 @@
           <a:chExt cx="0" cy="0"/>
         </a:xfrm>
       </p:grpSpPr>
+      <p:pic>
+        <p:nvPicPr>
+          <p:cNvPr id="19" name="Picture 18" descr="A picture containing object, indoor, plate, cup&#10;&#10;Description automatically generated">
+            <a:extLst>
+              <a:ext uri="{FF2B5EF4-FFF2-40B4-BE49-F238E27FC236}">
+                <a16:creationId xmlns:a16="http://schemas.microsoft.com/office/drawing/2014/main" id="{ED908EA7-5AD6-184C-A121-EF215118BE7B}"/>
+              </a:ext>
+            </a:extLst>
+          </p:cNvPr>
+          <p:cNvPicPr>
+            <a:picLocks noChangeAspect="1"/>
+          </p:cNvPicPr>
+          <p:nvPr/>
+        </p:nvPicPr>
+        <p:blipFill>
+          <a:blip r:embed="rId3">
+            <a:alphaModFix amt="50000"/>
+          </a:blip>
+          <a:stretch>
+            <a:fillRect/>
+          </a:stretch>
+        </p:blipFill>
+        <p:spPr>
+          <a:xfrm>
+            <a:off x="0" y="0"/>
+            <a:ext cx="12210090" cy="6858000"/>
+          </a:xfrm>
+          <a:prstGeom prst="rect">
+            <a:avLst/>
+          </a:prstGeom>
+        </p:spPr>
+      </p:pic>
       <p:sp>
         <p:nvSpPr>
           <p:cNvPr id="2" name="Title 1">
@@ -7113,7 +7609,12 @@
             <p:ph type="title"/>
           </p:nvPr>
         </p:nvSpPr>
-        <p:spPr/>
+        <p:spPr>
+          <a:xfrm>
+            <a:off x="838200" y="365125"/>
+            <a:ext cx="5887065" cy="1325563"/>
+          </a:xfrm>
+        </p:spPr>
         <p:txBody>
           <a:bodyPr/>
           <a:lstStyle/>
@@ -7124,53 +7625,101 @@
                 <a:ea typeface="Tahoma" panose="020B0604030504040204" pitchFamily="34" charset="0"/>
                 <a:cs typeface="Tahoma" panose="020B0604030504040204" pitchFamily="34" charset="0"/>
               </a:rPr>
-              <a:t>Durable Goods</a:t>
-            </a:r>
-          </a:p>
-        </p:txBody>
-      </p:sp>
-      <p:sp>
-        <p:nvSpPr>
-          <p:cNvPr id="3" name="Content Placeholder 2">
+              <a:t>Panic Spending</a:t>
+            </a:r>
+          </a:p>
+        </p:txBody>
+      </p:sp>
+      <p:pic>
+        <p:nvPicPr>
+          <p:cNvPr id="5" name="Picture 4" descr="Chart, line chart&#10;&#10;Description automatically generated">
             <a:extLst>
               <a:ext uri="{FF2B5EF4-FFF2-40B4-BE49-F238E27FC236}">
-                <a16:creationId xmlns:a16="http://schemas.microsoft.com/office/drawing/2014/main" id="{87FDB32D-4C26-A24B-9CB2-E83EB8615FDA}"/>
+                <a16:creationId xmlns:a16="http://schemas.microsoft.com/office/drawing/2014/main" id="{20F7490D-3472-6747-A0BE-DE96E985DBE1}"/>
               </a:ext>
             </a:extLst>
           </p:cNvPr>
-          <p:cNvSpPr>
-            <a:spLocks noGrp="1"/>
-          </p:cNvSpPr>
-          <p:nvPr>
-            <p:ph idx="1"/>
-          </p:nvPr>
-        </p:nvSpPr>
-        <p:spPr/>
-        <p:txBody>
-          <a:bodyPr/>
-          <a:lstStyle/>
-          <a:p>
-            <a:r>
-              <a:rPr lang="en-US" dirty="0">
-                <a:latin typeface="Tahoma" panose="020B0604030504040204" pitchFamily="34" charset="0"/>
-                <a:ea typeface="Tahoma" panose="020B0604030504040204" pitchFamily="34" charset="0"/>
-                <a:cs typeface="Tahoma" panose="020B0604030504040204" pitchFamily="34" charset="0"/>
-              </a:rPr>
-              <a:t>Prescription &amp; non-prescription drugs</a:t>
-            </a:r>
-          </a:p>
-          <a:p>
-            <a:r>
-              <a:rPr lang="en-US" dirty="0">
-                <a:latin typeface="Tahoma" panose="020B0604030504040204" pitchFamily="34" charset="0"/>
-                <a:ea typeface="Tahoma" panose="020B0604030504040204" pitchFamily="34" charset="0"/>
-                <a:cs typeface="Tahoma" panose="020B0604030504040204" pitchFamily="34" charset="0"/>
-              </a:rPr>
-              <a:t>Cleaning supplies</a:t>
-            </a:r>
-          </a:p>
-        </p:txBody>
-      </p:sp>
+          <p:cNvPicPr>
+            <a:picLocks noChangeAspect="1"/>
+          </p:cNvPicPr>
+          <p:nvPr/>
+        </p:nvPicPr>
+        <p:blipFill>
+          <a:blip r:embed="rId4"/>
+          <a:stretch>
+            <a:fillRect/>
+          </a:stretch>
+        </p:blipFill>
+        <p:spPr>
+          <a:xfrm>
+            <a:off x="6926500" y="-106473"/>
+            <a:ext cx="5350668" cy="3567112"/>
+          </a:xfrm>
+          <a:prstGeom prst="rect">
+            <a:avLst/>
+          </a:prstGeom>
+        </p:spPr>
+      </p:pic>
+      <p:pic>
+        <p:nvPicPr>
+          <p:cNvPr id="7" name="Picture 6" descr="Chart, line chart&#10;&#10;Description automatically generated">
+            <a:extLst>
+              <a:ext uri="{FF2B5EF4-FFF2-40B4-BE49-F238E27FC236}">
+                <a16:creationId xmlns:a16="http://schemas.microsoft.com/office/drawing/2014/main" id="{CF855C95-A7B0-9A4E-9775-8C16A1296465}"/>
+              </a:ext>
+            </a:extLst>
+          </p:cNvPr>
+          <p:cNvPicPr>
+            <a:picLocks noChangeAspect="1"/>
+          </p:cNvPicPr>
+          <p:nvPr/>
+        </p:nvPicPr>
+        <p:blipFill>
+          <a:blip r:embed="rId5"/>
+          <a:stretch>
+            <a:fillRect/>
+          </a:stretch>
+        </p:blipFill>
+        <p:spPr>
+          <a:xfrm>
+            <a:off x="472487" y="1954367"/>
+            <a:ext cx="5486400" cy="3657600"/>
+          </a:xfrm>
+          <a:prstGeom prst="rect">
+            <a:avLst/>
+          </a:prstGeom>
+        </p:spPr>
+      </p:pic>
+      <p:pic>
+        <p:nvPicPr>
+          <p:cNvPr id="13" name="Picture 12" descr="Chart, line chart&#10;&#10;Description automatically generated">
+            <a:extLst>
+              <a:ext uri="{FF2B5EF4-FFF2-40B4-BE49-F238E27FC236}">
+                <a16:creationId xmlns:a16="http://schemas.microsoft.com/office/drawing/2014/main" id="{117A2077-4301-1F40-84CD-C886E62BFF26}"/>
+              </a:ext>
+            </a:extLst>
+          </p:cNvPr>
+          <p:cNvPicPr>
+            <a:picLocks noChangeAspect="1"/>
+          </p:cNvPicPr>
+          <p:nvPr/>
+        </p:nvPicPr>
+        <p:blipFill>
+          <a:blip r:embed="rId6"/>
+          <a:stretch>
+            <a:fillRect/>
+          </a:stretch>
+        </p:blipFill>
+        <p:spPr>
+          <a:xfrm>
+            <a:off x="5958887" y="3354166"/>
+            <a:ext cx="5255751" cy="3503834"/>
+          </a:xfrm>
+          <a:prstGeom prst="rect">
+            <a:avLst/>
+          </a:prstGeom>
+        </p:spPr>
+      </p:pic>
     </p:spTree>
     <p:extLst>
       <p:ext uri="{BB962C8B-B14F-4D97-AF65-F5344CB8AC3E}">
@@ -8178,6 +8727,38 @@
           <a:chExt cx="0" cy="0"/>
         </a:xfrm>
       </p:grpSpPr>
+      <p:pic>
+        <p:nvPicPr>
+          <p:cNvPr id="11" name="Picture 10" descr="A person using a computer sitting on top of a table&#10;&#10;Description automatically generated">
+            <a:extLst>
+              <a:ext uri="{FF2B5EF4-FFF2-40B4-BE49-F238E27FC236}">
+                <a16:creationId xmlns:a16="http://schemas.microsoft.com/office/drawing/2014/main" id="{77590703-B10D-5447-A91B-9DA13BB901EC}"/>
+              </a:ext>
+            </a:extLst>
+          </p:cNvPr>
+          <p:cNvPicPr>
+            <a:picLocks noChangeAspect="1"/>
+          </p:cNvPicPr>
+          <p:nvPr/>
+        </p:nvPicPr>
+        <p:blipFill>
+          <a:blip r:embed="rId3">
+            <a:alphaModFix amt="47000"/>
+          </a:blip>
+          <a:stretch>
+            <a:fillRect/>
+          </a:stretch>
+        </p:blipFill>
+        <p:spPr>
+          <a:xfrm>
+            <a:off x="0" y="1"/>
+            <a:ext cx="12220122" cy="6858000"/>
+          </a:xfrm>
+          <a:prstGeom prst="rect">
+            <a:avLst/>
+          </a:prstGeom>
+        </p:spPr>
+      </p:pic>
       <p:sp>
         <p:nvSpPr>
           <p:cNvPr id="2" name="Title 1">
@@ -8240,14 +8821,14 @@
           <p:nvPr/>
         </p:nvPicPr>
         <p:blipFill>
-          <a:blip r:embed="rId3"/>
+          <a:blip r:embed="rId4"/>
           <a:stretch>
             <a:fillRect/>
           </a:stretch>
         </p:blipFill>
         <p:spPr>
           <a:xfrm>
-            <a:off x="241514" y="1690688"/>
+            <a:off x="643968" y="2091016"/>
             <a:ext cx="5716815" cy="3811210"/>
           </a:xfrm>
           <a:prstGeom prst="rect">
@@ -8270,14 +8851,14 @@
           <p:nvPr/>
         </p:nvPicPr>
         <p:blipFill>
-          <a:blip r:embed="rId4"/>
+          <a:blip r:embed="rId5"/>
           <a:stretch>
             <a:fillRect/>
           </a:stretch>
         </p:blipFill>
         <p:spPr>
           <a:xfrm>
-            <a:off x="7346882" y="3423806"/>
+            <a:off x="7346882" y="3590347"/>
             <a:ext cx="4603604" cy="3069069"/>
           </a:xfrm>
           <a:prstGeom prst="rect">
@@ -8300,14 +8881,14 @@
           <p:nvPr/>
         </p:nvPicPr>
         <p:blipFill>
-          <a:blip r:embed="rId5"/>
+          <a:blip r:embed="rId6"/>
           <a:stretch>
             <a:fillRect/>
           </a:stretch>
         </p:blipFill>
         <p:spPr>
           <a:xfrm>
-            <a:off x="7588395" y="156153"/>
+            <a:off x="7346881" y="260639"/>
             <a:ext cx="4603605" cy="3069070"/>
           </a:xfrm>
           <a:prstGeom prst="rect">

--- a/Final Presentation/Bootcamp-Project-1.pptx
+++ b/Final Presentation/Bootcamp-Project-1.pptx
@@ -5,7 +5,7 @@
     <p:sldMasterId id="2147483845" r:id="rId1"/>
   </p:sldMasterIdLst>
   <p:notesMasterIdLst>
-    <p:notesMasterId r:id="rId15"/>
+    <p:notesMasterId r:id="rId16"/>
   </p:notesMasterIdLst>
   <p:sldIdLst>
     <p:sldId id="256" r:id="rId2"/>
@@ -16,11 +16,12 @@
     <p:sldId id="260" r:id="rId7"/>
     <p:sldId id="265" r:id="rId8"/>
     <p:sldId id="259" r:id="rId9"/>
-    <p:sldId id="267" r:id="rId10"/>
-    <p:sldId id="264" r:id="rId11"/>
-    <p:sldId id="268" r:id="rId12"/>
-    <p:sldId id="261" r:id="rId13"/>
-    <p:sldId id="262" r:id="rId14"/>
+    <p:sldId id="269" r:id="rId10"/>
+    <p:sldId id="267" r:id="rId11"/>
+    <p:sldId id="264" r:id="rId12"/>
+    <p:sldId id="268" r:id="rId13"/>
+    <p:sldId id="261" r:id="rId14"/>
+    <p:sldId id="262" r:id="rId15"/>
   </p:sldIdLst>
   <p:sldSz cx="12192000" cy="6858000"/>
   <p:notesSz cx="6858000" cy="9144000"/>
@@ -605,8 +606,32 @@
           <a:lstStyle/>
           <a:p>
             <a:r>
-              <a:rPr lang="en-US" dirty="0"/>
-              <a:t>Lauren</a:t>
+              <a:rPr lang="en-US" dirty="0" err="1"/>
+              <a:t>Siara</a:t>
+            </a:r>
+            <a:endParaRPr lang="en-US" dirty="0"/>
+          </a:p>
+          <a:p>
+            <a:endParaRPr lang="en-US" dirty="0"/>
+          </a:p>
+          <a:p>
+            <a:r>
+              <a:rPr lang="en-US" dirty="0">
+                <a:latin typeface="Tahoma" panose="020B0604030504040204" pitchFamily="34" charset="0"/>
+                <a:ea typeface="Tahoma" panose="020B0604030504040204" pitchFamily="34" charset="0"/>
+                <a:cs typeface="Tahoma" panose="020B0604030504040204" pitchFamily="34" charset="0"/>
+              </a:rPr>
+              <a:t>We noticed a large spike in purchasing items that can be used for home entertainment. </a:t>
+            </a:r>
+          </a:p>
+          <a:p>
+            <a:r>
+              <a:rPr lang="en-US" dirty="0">
+                <a:latin typeface="Tahoma" panose="020B0604030504040204" pitchFamily="34" charset="0"/>
+                <a:ea typeface="Tahoma" panose="020B0604030504040204" pitchFamily="34" charset="0"/>
+                <a:cs typeface="Tahoma" panose="020B0604030504040204" pitchFamily="34" charset="0"/>
+              </a:rPr>
+              <a:t>You can use these types of items for fun without needing to be in a large group. </a:t>
             </a:r>
           </a:p>
         </p:txBody>
@@ -637,7 +662,7 @@
     </p:spTree>
     <p:extLst>
       <p:ext uri="{BB962C8B-B14F-4D97-AF65-F5344CB8AC3E}">
-        <p14:creationId xmlns:p14="http://schemas.microsoft.com/office/powerpoint/2010/main" val="3034710620"/>
+        <p14:creationId xmlns:p14="http://schemas.microsoft.com/office/powerpoint/2010/main" val="1392474627"/>
       </p:ext>
     </p:extLst>
   </p:cSld>
@@ -693,7 +718,7 @@
           <a:p>
             <a:r>
               <a:rPr lang="en-US" dirty="0"/>
-              <a:t>Danica</a:t>
+              <a:t>Lauren</a:t>
             </a:r>
           </a:p>
         </p:txBody>
@@ -724,7 +749,7 @@
     </p:spTree>
     <p:extLst>
       <p:ext uri="{BB962C8B-B14F-4D97-AF65-F5344CB8AC3E}">
-        <p14:creationId xmlns:p14="http://schemas.microsoft.com/office/powerpoint/2010/main" val="3577662982"/>
+        <p14:creationId xmlns:p14="http://schemas.microsoft.com/office/powerpoint/2010/main" val="3034710620"/>
       </p:ext>
     </p:extLst>
   </p:cSld>
@@ -780,7 +805,16 @@
           <a:p>
             <a:r>
               <a:rPr lang="en-US" dirty="0"/>
-              <a:t>Stacey</a:t>
+              <a:t>Danica</a:t>
+            </a:r>
+          </a:p>
+          <a:p>
+            <a:endParaRPr lang="en-US" dirty="0"/>
+          </a:p>
+          <a:p>
+            <a:r>
+              <a:rPr lang="en-US" dirty="0"/>
+              <a:t>Note from Siara: I added a tobacco graph in case we are short on time, but I don’t think we will be. It’s a just-in-case and we can delete it if we don’t need it.</a:t>
             </a:r>
           </a:p>
         </p:txBody>
@@ -811,7 +845,7 @@
     </p:spTree>
     <p:extLst>
       <p:ext uri="{BB962C8B-B14F-4D97-AF65-F5344CB8AC3E}">
-        <p14:creationId xmlns:p14="http://schemas.microsoft.com/office/powerpoint/2010/main" val="3765332774"/>
+        <p14:creationId xmlns:p14="http://schemas.microsoft.com/office/powerpoint/2010/main" val="3577662982"/>
       </p:ext>
     </p:extLst>
   </p:cSld>
@@ -867,19 +901,7 @@
           <a:p>
             <a:r>
               <a:rPr lang="en-US" dirty="0"/>
-              <a:t>Lauren</a:t>
-            </a:r>
-          </a:p>
-          <a:p>
-            <a:r>
-              <a:rPr lang="en-US" dirty="0"/>
-              <a:t>Conclusions – how to prepare for for an apocalypse (what items to have on hand) and then how to thrive post apocalypse economy</a:t>
-            </a:r>
-          </a:p>
-          <a:p>
-            <a:r>
-              <a:rPr lang="en-US" dirty="0"/>
-              <a:t>Mention items to barter</a:t>
+              <a:t>Stacey</a:t>
             </a:r>
           </a:p>
         </p:txBody>
@@ -902,6 +924,167 @@
             <a:fld id="{6BB3D874-D54A-734A-BDC6-E6BE85812225}" type="slidenum">
               <a:rPr lang="en-US" smtClean="0"/>
               <a:t>13</a:t>
+            </a:fld>
+            <a:endParaRPr lang="en-US"/>
+          </a:p>
+        </p:txBody>
+      </p:sp>
+    </p:spTree>
+    <p:extLst>
+      <p:ext uri="{BB962C8B-B14F-4D97-AF65-F5344CB8AC3E}">
+        <p14:creationId xmlns:p14="http://schemas.microsoft.com/office/powerpoint/2010/main" val="3765332774"/>
+      </p:ext>
+    </p:extLst>
+  </p:cSld>
+  <p:clrMapOvr>
+    <a:masterClrMapping/>
+  </p:clrMapOvr>
+</p:notes>
+</file>
+
+<file path=ppt/notesSlides/notesSlide14.xml><?xml version="1.0" encoding="utf-8"?>
+<p:notes xmlns:a="http://schemas.openxmlformats.org/drawingml/2006/main" xmlns:r="http://schemas.openxmlformats.org/officeDocument/2006/relationships" xmlns:p="http://schemas.openxmlformats.org/presentationml/2006/main">
+  <p:cSld>
+    <p:spTree>
+      <p:nvGrpSpPr>
+        <p:cNvPr id="1" name=""/>
+        <p:cNvGrpSpPr/>
+        <p:nvPr/>
+      </p:nvGrpSpPr>
+      <p:grpSpPr>
+        <a:xfrm>
+          <a:off x="0" y="0"/>
+          <a:ext cx="0" cy="0"/>
+          <a:chOff x="0" y="0"/>
+          <a:chExt cx="0" cy="0"/>
+        </a:xfrm>
+      </p:grpSpPr>
+      <p:sp>
+        <p:nvSpPr>
+          <p:cNvPr id="2" name="Slide Image Placeholder 1"/>
+          <p:cNvSpPr>
+            <a:spLocks noGrp="1" noRot="1" noChangeAspect="1"/>
+          </p:cNvSpPr>
+          <p:nvPr>
+            <p:ph type="sldImg"/>
+          </p:nvPr>
+        </p:nvSpPr>
+        <p:spPr/>
+      </p:sp>
+      <p:sp>
+        <p:nvSpPr>
+          <p:cNvPr id="3" name="Notes Placeholder 2"/>
+          <p:cNvSpPr>
+            <a:spLocks noGrp="1"/>
+          </p:cNvSpPr>
+          <p:nvPr>
+            <p:ph type="body" idx="1"/>
+          </p:nvPr>
+        </p:nvSpPr>
+        <p:spPr/>
+        <p:txBody>
+          <a:bodyPr/>
+          <a:lstStyle/>
+          <a:p>
+            <a:r>
+              <a:rPr lang="en-US" dirty="0"/>
+              <a:t>Lauren</a:t>
+            </a:r>
+          </a:p>
+          <a:p>
+            <a:r>
+              <a:rPr lang="en-US" dirty="0"/>
+              <a:t>Conclusions – how to prepare for for an apocalypse (what items to have on hand) and then how to thrive post apocalypse economy</a:t>
+            </a:r>
+          </a:p>
+          <a:p>
+            <a:r>
+              <a:rPr lang="en-US" dirty="0"/>
+              <a:t>Mention items to barter</a:t>
+            </a:r>
+          </a:p>
+          <a:p>
+            <a:endParaRPr lang="en-US" dirty="0"/>
+          </a:p>
+          <a:p>
+            <a:r>
+              <a:rPr lang="en-US" dirty="0"/>
+              <a:t>Notes from Siara:</a:t>
+            </a:r>
+          </a:p>
+          <a:p>
+            <a:r>
+              <a:rPr lang="en-US" dirty="0">
+                <a:latin typeface="Tahoma" panose="020B0604030504040204" pitchFamily="34" charset="0"/>
+                <a:ea typeface="Tahoma" panose="020B0604030504040204" pitchFamily="34" charset="0"/>
+                <a:cs typeface="Tahoma" panose="020B0604030504040204" pitchFamily="34" charset="0"/>
+              </a:rPr>
+              <a:t>First question: Items to include in a Doomsday Bunker:</a:t>
+            </a:r>
+          </a:p>
+          <a:p>
+            <a:r>
+              <a:rPr lang="en-US" dirty="0">
+                <a:latin typeface="Tahoma" panose="020B0604030504040204" pitchFamily="34" charset="0"/>
+                <a:ea typeface="Tahoma" panose="020B0604030504040204" pitchFamily="34" charset="0"/>
+                <a:cs typeface="Tahoma" panose="020B0604030504040204" pitchFamily="34" charset="0"/>
+              </a:rPr>
+              <a:t>Food, Household Cleaning Products, Household Paper Products</a:t>
+            </a:r>
+          </a:p>
+          <a:p>
+            <a:r>
+              <a:rPr lang="en-US" dirty="0">
+                <a:latin typeface="Tahoma" panose="020B0604030504040204" pitchFamily="34" charset="0"/>
+                <a:ea typeface="Tahoma" panose="020B0604030504040204" pitchFamily="34" charset="0"/>
+                <a:cs typeface="Tahoma" panose="020B0604030504040204" pitchFamily="34" charset="0"/>
+              </a:rPr>
+              <a:t>Second question: Items to buy while others are panicking:</a:t>
+            </a:r>
+          </a:p>
+          <a:p>
+            <a:r>
+              <a:rPr lang="en-US" dirty="0">
+                <a:latin typeface="Tahoma" panose="020B0604030504040204" pitchFamily="34" charset="0"/>
+                <a:ea typeface="Tahoma" panose="020B0604030504040204" pitchFamily="34" charset="0"/>
+                <a:cs typeface="Tahoma" panose="020B0604030504040204" pitchFamily="34" charset="0"/>
+              </a:rPr>
+              <a:t>At-home productivity items, at-home comfort items, at-home </a:t>
+            </a:r>
+            <a:r>
+              <a:rPr lang="en-US">
+                <a:latin typeface="Tahoma" panose="020B0604030504040204" pitchFamily="34" charset="0"/>
+                <a:ea typeface="Tahoma" panose="020B0604030504040204" pitchFamily="34" charset="0"/>
+                <a:cs typeface="Tahoma" panose="020B0604030504040204" pitchFamily="34" charset="0"/>
+              </a:rPr>
+              <a:t>entertainment items</a:t>
+            </a:r>
+            <a:endParaRPr lang="en-US" dirty="0">
+              <a:latin typeface="Tahoma" panose="020B0604030504040204" pitchFamily="34" charset="0"/>
+              <a:ea typeface="Tahoma" panose="020B0604030504040204" pitchFamily="34" charset="0"/>
+              <a:cs typeface="Tahoma" panose="020B0604030504040204" pitchFamily="34" charset="0"/>
+            </a:endParaRPr>
+          </a:p>
+        </p:txBody>
+      </p:sp>
+      <p:sp>
+        <p:nvSpPr>
+          <p:cNvPr id="4" name="Slide Number Placeholder 3"/>
+          <p:cNvSpPr>
+            <a:spLocks noGrp="1"/>
+          </p:cNvSpPr>
+          <p:nvPr>
+            <p:ph type="sldNum" sz="quarter" idx="5"/>
+          </p:nvPr>
+        </p:nvSpPr>
+        <p:spPr/>
+        <p:txBody>
+          <a:bodyPr/>
+          <a:lstStyle/>
+          <a:p>
+            <a:fld id="{6BB3D874-D54A-734A-BDC6-E6BE85812225}" type="slidenum">
+              <a:rPr lang="en-US" smtClean="0"/>
+              <a:t>14</a:t>
             </a:fld>
             <a:endParaRPr lang="en-US"/>
           </a:p>
@@ -1337,6 +1520,23 @@
             </a:r>
           </a:p>
           <a:p>
+            <a:endParaRPr lang="en-US" dirty="0">
+              <a:latin typeface="Tahoma" panose="020B0604030504040204" pitchFamily="34" charset="0"/>
+              <a:ea typeface="Tahoma" panose="020B0604030504040204" pitchFamily="34" charset="0"/>
+              <a:cs typeface="Tahoma" panose="020B0604030504040204" pitchFamily="34" charset="0"/>
+            </a:endParaRPr>
+          </a:p>
+          <a:p>
+            <a:r>
+              <a:rPr lang="en-US" dirty="0">
+                <a:latin typeface="Tahoma" panose="020B0604030504040204" pitchFamily="34" charset="0"/>
+                <a:ea typeface="Tahoma" panose="020B0604030504040204" pitchFamily="34" charset="0"/>
+                <a:cs typeface="Tahoma" panose="020B0604030504040204" pitchFamily="34" charset="0"/>
+              </a:rPr>
+              <a:t>Question from Siara: Would it make more sense to include the food purchase graph instead of the gasoline graph? The food graph has a similar shape to the other two graphs, and I feel like that is an important trend we noticed that we haven’t really highlighted. I added a graph but we can definitely delete it if it doesn’t make sense.</a:t>
+            </a:r>
+          </a:p>
+          <a:p>
             <a:endParaRPr lang="en-US" dirty="0"/>
           </a:p>
         </p:txBody>
@@ -1596,10 +1796,18 @@
           <a:lstStyle/>
           <a:p>
             <a:r>
-              <a:rPr lang="en-US" dirty="0" err="1"/>
+              <a:rPr lang="en-US" dirty="0"/>
               <a:t>Siara</a:t>
             </a:r>
+          </a:p>
+          <a:p>
             <a:endParaRPr lang="en-US" dirty="0"/>
+          </a:p>
+          <a:p>
+            <a:r>
+              <a:rPr lang="en-US" dirty="0"/>
+              <a:t>As people adjust to life in an apocalyptic world where they do not get to venture out of the house as much, they need to find ways to stay productive. These purchasing trends reflect this.</a:t>
+            </a:r>
           </a:p>
         </p:txBody>
       </p:sp>
@@ -1684,79 +1892,8 @@
           <a:lstStyle/>
           <a:p>
             <a:r>
-              <a:rPr lang="en-US" dirty="0" err="1"/>
-              <a:t>Siara</a:t>
-            </a:r>
-            <a:endParaRPr lang="en-US" dirty="0"/>
-          </a:p>
-          <a:p>
-            <a:endParaRPr lang="en-US" dirty="0"/>
-          </a:p>
-          <a:p>
-            <a:r>
-              <a:rPr lang="en-US" dirty="0">
-                <a:latin typeface="Tahoma" panose="020B0604030504040204" pitchFamily="34" charset="0"/>
-                <a:ea typeface="Tahoma" panose="020B0604030504040204" pitchFamily="34" charset="0"/>
-                <a:cs typeface="Tahoma" panose="020B0604030504040204" pitchFamily="34" charset="0"/>
-              </a:rPr>
-              <a:t>Not part of the initial spike but items we saw an increase in post new-normal</a:t>
-            </a:r>
-          </a:p>
-          <a:p>
-            <a:endParaRPr lang="en-US" dirty="0">
-              <a:latin typeface="Tahoma" panose="020B0604030504040204" pitchFamily="34" charset="0"/>
-              <a:ea typeface="Tahoma" panose="020B0604030504040204" pitchFamily="34" charset="0"/>
-              <a:cs typeface="Tahoma" panose="020B0604030504040204" pitchFamily="34" charset="0"/>
-            </a:endParaRPr>
-          </a:p>
-          <a:p>
-            <a:r>
-              <a:rPr lang="en-US" dirty="0">
-                <a:latin typeface="Tahoma" panose="020B0604030504040204" pitchFamily="34" charset="0"/>
-                <a:ea typeface="Tahoma" panose="020B0604030504040204" pitchFamily="34" charset="0"/>
-                <a:cs typeface="Tahoma" panose="020B0604030504040204" pitchFamily="34" charset="0"/>
-              </a:rPr>
-              <a:t>recreational vehicles</a:t>
-            </a:r>
-          </a:p>
-          <a:p>
-            <a:r>
-              <a:rPr lang="en-US" dirty="0">
-                <a:latin typeface="Tahoma" panose="020B0604030504040204" pitchFamily="34" charset="0"/>
-                <a:ea typeface="Tahoma" panose="020B0604030504040204" pitchFamily="34" charset="0"/>
-                <a:cs typeface="Tahoma" panose="020B0604030504040204" pitchFamily="34" charset="0"/>
-              </a:rPr>
-              <a:t>Small appliance</a:t>
-            </a:r>
-          </a:p>
-          <a:p>
-            <a:r>
-              <a:rPr lang="en-US" dirty="0">
-                <a:latin typeface="Tahoma" panose="020B0604030504040204" pitchFamily="34" charset="0"/>
-                <a:ea typeface="Tahoma" panose="020B0604030504040204" pitchFamily="34" charset="0"/>
-                <a:cs typeface="Tahoma" panose="020B0604030504040204" pitchFamily="34" charset="0"/>
-              </a:rPr>
-              <a:t>Sporting eq, guns and ammunition</a:t>
-            </a:r>
-          </a:p>
-          <a:p>
-            <a:r>
-              <a:rPr lang="en-US" dirty="0">
-                <a:latin typeface="Tahoma" panose="020B0604030504040204" pitchFamily="34" charset="0"/>
-                <a:ea typeface="Tahoma" panose="020B0604030504040204" pitchFamily="34" charset="0"/>
-                <a:cs typeface="Tahoma" panose="020B0604030504040204" pitchFamily="34" charset="0"/>
-              </a:rPr>
-              <a:t>Gardening</a:t>
-            </a:r>
-          </a:p>
-          <a:p>
-            <a:r>
-              <a:rPr lang="en-US" dirty="0">
-                <a:latin typeface="Tahoma" panose="020B0604030504040204" pitchFamily="34" charset="0"/>
-                <a:ea typeface="Tahoma" panose="020B0604030504040204" pitchFamily="34" charset="0"/>
-                <a:cs typeface="Tahoma" panose="020B0604030504040204" pitchFamily="34" charset="0"/>
-              </a:rPr>
-              <a:t>Personal computers</a:t>
+              <a:rPr lang="en-US" dirty="0"/>
+              <a:t>As people are spending more time at home, they want to feel comfortable and safe.</a:t>
             </a:r>
           </a:p>
           <a:p>
@@ -1790,7 +1927,7 @@
     </p:spTree>
     <p:extLst>
       <p:ext uri="{BB962C8B-B14F-4D97-AF65-F5344CB8AC3E}">
-        <p14:creationId xmlns:p14="http://schemas.microsoft.com/office/powerpoint/2010/main" val="1392474627"/>
+        <p14:creationId xmlns:p14="http://schemas.microsoft.com/office/powerpoint/2010/main" val="1193286432"/>
       </p:ext>
     </p:extLst>
   </p:cSld>
@@ -4841,20 +4978,8 @@
           </a:p>
           <a:p>
             <a:r>
-              <a:rPr lang="en-US" sz="2600" dirty="0" err="1"/>
-              <a:t>Siara</a:t>
-            </a:r>
-            <a:r>
               <a:rPr lang="en-US" sz="2600" dirty="0"/>
-              <a:t> </a:t>
-            </a:r>
-            <a:r>
-              <a:rPr lang="en-US" sz="2600" dirty="0" err="1"/>
-              <a:t>Leninger</a:t>
-            </a:r>
-            <a:r>
-              <a:rPr lang="en-US" sz="2600" dirty="0"/>
-              <a:t>, Stacey Wai</a:t>
+              <a:t>Siara Leininger, Stacey Wai</a:t>
             </a:r>
           </a:p>
           <a:p>
@@ -4876,6 +5001,128 @@
 </file>
 
 <file path=ppt/slides/slide10.xml><?xml version="1.0" encoding="utf-8"?>
+<p:sld xmlns:a="http://schemas.openxmlformats.org/drawingml/2006/main" xmlns:r="http://schemas.openxmlformats.org/officeDocument/2006/relationships" xmlns:p="http://schemas.openxmlformats.org/presentationml/2006/main">
+  <p:cSld>
+    <p:spTree>
+      <p:nvGrpSpPr>
+        <p:cNvPr id="1" name=""/>
+        <p:cNvGrpSpPr/>
+        <p:nvPr/>
+      </p:nvGrpSpPr>
+      <p:grpSpPr>
+        <a:xfrm>
+          <a:off x="0" y="0"/>
+          <a:ext cx="0" cy="0"/>
+          <a:chOff x="0" y="0"/>
+          <a:chExt cx="0" cy="0"/>
+        </a:xfrm>
+      </p:grpSpPr>
+      <p:sp>
+        <p:nvSpPr>
+          <p:cNvPr id="2" name="Title 1">
+            <a:extLst>
+              <a:ext uri="{FF2B5EF4-FFF2-40B4-BE49-F238E27FC236}">
+                <a16:creationId xmlns:a16="http://schemas.microsoft.com/office/drawing/2014/main" id="{2E80B52C-7AB8-4842-9CC9-20E991098D71}"/>
+              </a:ext>
+            </a:extLst>
+          </p:cNvPr>
+          <p:cNvSpPr>
+            <a:spLocks noGrp="1"/>
+          </p:cNvSpPr>
+          <p:nvPr>
+            <p:ph type="title"/>
+          </p:nvPr>
+        </p:nvSpPr>
+        <p:spPr/>
+        <p:txBody>
+          <a:bodyPr/>
+          <a:lstStyle/>
+          <a:p>
+            <a:r>
+              <a:rPr lang="en-US" b="1" dirty="0">
+                <a:latin typeface="Tahoma" panose="020B0604030504040204" pitchFamily="34" charset="0"/>
+                <a:ea typeface="Tahoma" panose="020B0604030504040204" pitchFamily="34" charset="0"/>
+                <a:cs typeface="Tahoma" panose="020B0604030504040204" pitchFamily="34" charset="0"/>
+              </a:rPr>
+              <a:t>Being entertained in a new world</a:t>
+            </a:r>
+          </a:p>
+        </p:txBody>
+      </p:sp>
+      <p:pic>
+        <p:nvPicPr>
+          <p:cNvPr id="10" name="Picture 9" descr="Chart, line chart&#10;&#10;Description automatically generated">
+            <a:extLst>
+              <a:ext uri="{FF2B5EF4-FFF2-40B4-BE49-F238E27FC236}">
+                <a16:creationId xmlns:a16="http://schemas.microsoft.com/office/drawing/2014/main" id="{CF847E69-6685-3C4F-A836-D0DFF3501625}"/>
+              </a:ext>
+            </a:extLst>
+          </p:cNvPr>
+          <p:cNvPicPr>
+            <a:picLocks noChangeAspect="1"/>
+          </p:cNvPicPr>
+          <p:nvPr/>
+        </p:nvPicPr>
+        <p:blipFill>
+          <a:blip r:embed="rId3"/>
+          <a:stretch>
+            <a:fillRect/>
+          </a:stretch>
+        </p:blipFill>
+        <p:spPr>
+          <a:xfrm>
+            <a:off x="6324600" y="1690688"/>
+            <a:ext cx="5486399" cy="3657599"/>
+          </a:xfrm>
+          <a:prstGeom prst="rect">
+            <a:avLst/>
+          </a:prstGeom>
+        </p:spPr>
+      </p:pic>
+      <p:pic>
+        <p:nvPicPr>
+          <p:cNvPr id="9" name="Picture 8">
+            <a:extLst>
+              <a:ext uri="{FF2B5EF4-FFF2-40B4-BE49-F238E27FC236}">
+                <a16:creationId xmlns:a16="http://schemas.microsoft.com/office/drawing/2014/main" id="{2F0F607E-B40B-F343-B5B2-84241F89A275}"/>
+              </a:ext>
+            </a:extLst>
+          </p:cNvPr>
+          <p:cNvPicPr>
+            <a:picLocks noChangeAspect="1"/>
+          </p:cNvPicPr>
+          <p:nvPr/>
+        </p:nvPicPr>
+        <p:blipFill>
+          <a:blip r:embed="rId4"/>
+          <a:stretch>
+            <a:fillRect/>
+          </a:stretch>
+        </p:blipFill>
+        <p:spPr>
+          <a:xfrm>
+            <a:off x="838200" y="1690687"/>
+            <a:ext cx="5486400" cy="3657600"/>
+          </a:xfrm>
+          <a:prstGeom prst="rect">
+            <a:avLst/>
+          </a:prstGeom>
+        </p:spPr>
+      </p:pic>
+    </p:spTree>
+    <p:extLst>
+      <p:ext uri="{BB962C8B-B14F-4D97-AF65-F5344CB8AC3E}">
+        <p14:creationId xmlns:p14="http://schemas.microsoft.com/office/powerpoint/2010/main" val="3727549512"/>
+      </p:ext>
+    </p:extLst>
+  </p:cSld>
+  <p:clrMapOvr>
+    <a:masterClrMapping/>
+  </p:clrMapOvr>
+</p:sld>
+</file>
+
+<file path=ppt/slides/slide11.xml><?xml version="1.0" encoding="utf-8"?>
 <p:sld xmlns:a="http://schemas.openxmlformats.org/drawingml/2006/main" xmlns:r="http://schemas.openxmlformats.org/officeDocument/2006/relationships" xmlns:p="http://schemas.openxmlformats.org/presentationml/2006/main">
   <p:cSld>
     <p:spTree>
@@ -5155,7 +5402,7 @@
 </p:sld>
 </file>
 
-<file path=ppt/slides/slide11.xml><?xml version="1.0" encoding="utf-8"?>
+<file path=ppt/slides/slide12.xml><?xml version="1.0" encoding="utf-8"?>
 <p:sld xmlns:a="http://schemas.openxmlformats.org/drawingml/2006/main" xmlns:r="http://schemas.openxmlformats.org/officeDocument/2006/relationships" xmlns:p="http://schemas.openxmlformats.org/presentationml/2006/main">
   <p:cSld>
     <p:spTree>
@@ -5269,6 +5516,36 @@
           </a:p>
         </p:txBody>
       </p:sp>
+      <p:pic>
+        <p:nvPicPr>
+          <p:cNvPr id="3" name="Picture 2" descr="Chart, line chart&#10;&#10;Description automatically generated">
+            <a:extLst>
+              <a:ext uri="{FF2B5EF4-FFF2-40B4-BE49-F238E27FC236}">
+                <a16:creationId xmlns:a16="http://schemas.microsoft.com/office/drawing/2014/main" id="{A13D5D7F-0FA7-7E41-AE11-74C573F114D9}"/>
+              </a:ext>
+            </a:extLst>
+          </p:cNvPr>
+          <p:cNvPicPr>
+            <a:picLocks noChangeAspect="1"/>
+          </p:cNvPicPr>
+          <p:nvPr/>
+        </p:nvPicPr>
+        <p:blipFill>
+          <a:blip r:embed="rId5"/>
+          <a:stretch>
+            <a:fillRect/>
+          </a:stretch>
+        </p:blipFill>
+        <p:spPr>
+          <a:xfrm>
+            <a:off x="2762952" y="7126446"/>
+            <a:ext cx="5486400" cy="3657600"/>
+          </a:xfrm>
+          <a:prstGeom prst="rect">
+            <a:avLst/>
+          </a:prstGeom>
+        </p:spPr>
+      </p:pic>
     </p:spTree>
     <p:extLst>
       <p:ext uri="{BB962C8B-B14F-4D97-AF65-F5344CB8AC3E}">
@@ -5282,7 +5559,7 @@
 </p:sld>
 </file>
 
-<file path=ppt/slides/slide12.xml><?xml version="1.0" encoding="utf-8"?>
+<file path=ppt/slides/slide13.xml><?xml version="1.0" encoding="utf-8"?>
 <p:sld xmlns:a="http://schemas.openxmlformats.org/drawingml/2006/main" xmlns:r="http://schemas.openxmlformats.org/officeDocument/2006/relationships" xmlns:p="http://schemas.openxmlformats.org/presentationml/2006/main">
   <p:cSld>
     <p:spTree>
@@ -5383,20 +5660,12 @@
           </a:p>
           <a:p>
             <a:r>
-              <a:rPr lang="en-US" dirty="0" err="1">
-                <a:latin typeface="Tahoma" panose="020B0604030504040204" pitchFamily="34" charset="0"/>
-                <a:ea typeface="Tahoma" panose="020B0604030504040204" pitchFamily="34" charset="0"/>
-                <a:cs typeface="Tahoma" panose="020B0604030504040204" pitchFamily="34" charset="0"/>
-              </a:rPr>
-              <a:t>Tieing</a:t>
-            </a:r>
-            <a:r>
               <a:rPr lang="en-US" dirty="0">
                 <a:latin typeface="Tahoma" panose="020B0604030504040204" pitchFamily="34" charset="0"/>
                 <a:ea typeface="Tahoma" panose="020B0604030504040204" pitchFamily="34" charset="0"/>
                 <a:cs typeface="Tahoma" panose="020B0604030504040204" pitchFamily="34" charset="0"/>
               </a:rPr>
-              <a:t> our findings together cohesively</a:t>
+              <a:t>Tying our findings together cohesively</a:t>
             </a:r>
           </a:p>
           <a:p>
@@ -5420,7 +5689,7 @@
 </p:sld>
 </file>
 
-<file path=ppt/slides/slide13.xml><?xml version="1.0" encoding="utf-8"?>
+<file path=ppt/slides/slide14.xml><?xml version="1.0" encoding="utf-8"?>
 <p:sld xmlns:a="http://schemas.openxmlformats.org/drawingml/2006/main" xmlns:r="http://schemas.openxmlformats.org/officeDocument/2006/relationships" xmlns:p="http://schemas.openxmlformats.org/presentationml/2006/main">
   <p:cSld>
     <p:spTree>
@@ -7720,6 +7989,36 @@
           </a:prstGeom>
         </p:spPr>
       </p:pic>
+      <p:pic>
+        <p:nvPicPr>
+          <p:cNvPr id="4" name="Picture 3">
+            <a:extLst>
+              <a:ext uri="{FF2B5EF4-FFF2-40B4-BE49-F238E27FC236}">
+                <a16:creationId xmlns:a16="http://schemas.microsoft.com/office/drawing/2014/main" id="{4A4632CF-B240-7C47-9FD0-54769ECC0077}"/>
+              </a:ext>
+            </a:extLst>
+          </p:cNvPr>
+          <p:cNvPicPr>
+            <a:picLocks noChangeAspect="1"/>
+          </p:cNvPicPr>
+          <p:nvPr/>
+        </p:nvPicPr>
+        <p:blipFill>
+          <a:blip r:embed="rId7"/>
+          <a:stretch>
+            <a:fillRect/>
+          </a:stretch>
+        </p:blipFill>
+        <p:spPr>
+          <a:xfrm>
+            <a:off x="405409" y="4277140"/>
+            <a:ext cx="5486400" cy="3657600"/>
+          </a:xfrm>
+          <a:prstGeom prst="rect">
+            <a:avLst/>
+          </a:prstGeom>
+        </p:spPr>
+      </p:pic>
     </p:spTree>
     <p:extLst>
       <p:ext uri="{BB962C8B-B14F-4D97-AF65-F5344CB8AC3E}">
@@ -8828,38 +9127,8 @@
         </p:blipFill>
         <p:spPr>
           <a:xfrm>
-            <a:off x="643968" y="2091016"/>
+            <a:off x="233151" y="2055812"/>
             <a:ext cx="5716815" cy="3811210"/>
-          </a:xfrm>
-          <a:prstGeom prst="rect">
-            <a:avLst/>
-          </a:prstGeom>
-        </p:spPr>
-      </p:pic>
-      <p:pic>
-        <p:nvPicPr>
-          <p:cNvPr id="8" name="Picture 7" descr="Chart, line chart&#10;&#10;Description automatically generated">
-            <a:extLst>
-              <a:ext uri="{FF2B5EF4-FFF2-40B4-BE49-F238E27FC236}">
-                <a16:creationId xmlns:a16="http://schemas.microsoft.com/office/drawing/2014/main" id="{DD9C21EB-7D2F-3847-9A4F-46DEC1E2E7E8}"/>
-              </a:ext>
-            </a:extLst>
-          </p:cNvPr>
-          <p:cNvPicPr>
-            <a:picLocks noChangeAspect="1"/>
-          </p:cNvPicPr>
-          <p:nvPr/>
-        </p:nvPicPr>
-        <p:blipFill>
-          <a:blip r:embed="rId5"/>
-          <a:stretch>
-            <a:fillRect/>
-          </a:stretch>
-        </p:blipFill>
-        <p:spPr>
-          <a:xfrm>
-            <a:off x="7346882" y="3590347"/>
-            <a:ext cx="4603604" cy="3069069"/>
           </a:xfrm>
           <a:prstGeom prst="rect">
             <a:avLst/>
@@ -8881,15 +9150,15 @@
           <p:nvPr/>
         </p:nvPicPr>
         <p:blipFill>
-          <a:blip r:embed="rId6"/>
+          <a:blip r:embed="rId5"/>
           <a:stretch>
             <a:fillRect/>
           </a:stretch>
         </p:blipFill>
         <p:spPr>
           <a:xfrm>
-            <a:off x="7346881" y="260639"/>
-            <a:ext cx="4603605" cy="3069070"/>
+            <a:off x="6312777" y="2039732"/>
+            <a:ext cx="5716814" cy="3811209"/>
           </a:xfrm>
           <a:prstGeom prst="rect">
             <a:avLst/>
@@ -8931,7 +9200,7 @@
           <p:cNvPr id="2" name="Title 1">
             <a:extLst>
               <a:ext uri="{FF2B5EF4-FFF2-40B4-BE49-F238E27FC236}">
-                <a16:creationId xmlns:a16="http://schemas.microsoft.com/office/drawing/2014/main" id="{2E80B52C-7AB8-4842-9CC9-20E991098D71}"/>
+                <a16:creationId xmlns:a16="http://schemas.microsoft.com/office/drawing/2014/main" id="{13407C09-C539-984B-8EEA-C3127B426FF1}"/>
               </a:ext>
             </a:extLst>
           </p:cNvPr>
@@ -8953,17 +9222,58 @@
                 <a:ea typeface="Tahoma" panose="020B0604030504040204" pitchFamily="34" charset="0"/>
                 <a:cs typeface="Tahoma" panose="020B0604030504040204" pitchFamily="34" charset="0"/>
               </a:rPr>
-              <a:t>New ways to socialize</a:t>
-            </a:r>
+              <a:t>Being comfortable in a </a:t>
+            </a:r>
+            <a:br>
+              <a:rPr lang="en-US" b="1" dirty="0">
+                <a:latin typeface="Tahoma" panose="020B0604030504040204" pitchFamily="34" charset="0"/>
+                <a:ea typeface="Tahoma" panose="020B0604030504040204" pitchFamily="34" charset="0"/>
+                <a:cs typeface="Tahoma" panose="020B0604030504040204" pitchFamily="34" charset="0"/>
+              </a:rPr>
+            </a:br>
+            <a:r>
+              <a:rPr lang="en-US" b="1" dirty="0">
+                <a:latin typeface="Tahoma" panose="020B0604030504040204" pitchFamily="34" charset="0"/>
+                <a:ea typeface="Tahoma" panose="020B0604030504040204" pitchFamily="34" charset="0"/>
+                <a:cs typeface="Tahoma" panose="020B0604030504040204" pitchFamily="34" charset="0"/>
+              </a:rPr>
+              <a:t>new world</a:t>
+            </a:r>
+            <a:endParaRPr lang="en-US" dirty="0"/>
+          </a:p>
+        </p:txBody>
+      </p:sp>
+      <p:sp>
+        <p:nvSpPr>
+          <p:cNvPr id="3" name="Content Placeholder 2">
+            <a:extLst>
+              <a:ext uri="{FF2B5EF4-FFF2-40B4-BE49-F238E27FC236}">
+                <a16:creationId xmlns:a16="http://schemas.microsoft.com/office/drawing/2014/main" id="{1133BB6D-62AB-8B4B-A451-B292873FF4DF}"/>
+              </a:ext>
+            </a:extLst>
+          </p:cNvPr>
+          <p:cNvSpPr>
+            <a:spLocks noGrp="1"/>
+          </p:cNvSpPr>
+          <p:nvPr>
+            <p:ph idx="1"/>
+          </p:nvPr>
+        </p:nvSpPr>
+        <p:spPr/>
+        <p:txBody>
+          <a:bodyPr/>
+          <a:lstStyle/>
+          <a:p>
+            <a:endParaRPr lang="en-US"/>
           </a:p>
         </p:txBody>
       </p:sp>
       <p:pic>
         <p:nvPicPr>
-          <p:cNvPr id="7" name="Picture 6" descr="Chart, line chart&#10;&#10;Description automatically generated">
+          <p:cNvPr id="4" name="Picture 3" descr="Chart, line chart&#10;&#10;Description automatically generated">
             <a:extLst>
               <a:ext uri="{FF2B5EF4-FFF2-40B4-BE49-F238E27FC236}">
-                <a16:creationId xmlns:a16="http://schemas.microsoft.com/office/drawing/2014/main" id="{E4030504-7E27-DF44-A4BB-36771D06FD5B}"/>
+                <a16:creationId xmlns:a16="http://schemas.microsoft.com/office/drawing/2014/main" id="{7E8DA867-BCB8-8940-9CAA-FDF735467096}"/>
               </a:ext>
             </a:extLst>
           </p:cNvPr>
@@ -8980,8 +9290,8 @@
         </p:blipFill>
         <p:spPr>
           <a:xfrm>
-            <a:off x="480448" y="1600200"/>
-            <a:ext cx="5486400" cy="3657600"/>
+            <a:off x="6324600" y="1690688"/>
+            <a:ext cx="5514925" cy="3676616"/>
           </a:xfrm>
           <a:prstGeom prst="rect">
             <a:avLst/>
@@ -8990,10 +9300,10 @@
       </p:pic>
       <p:pic>
         <p:nvPicPr>
-          <p:cNvPr id="10" name="Picture 9" descr="Chart, line chart&#10;&#10;Description automatically generated">
+          <p:cNvPr id="5" name="Picture 4" descr="Chart, line chart&#10;&#10;Description automatically generated">
             <a:extLst>
               <a:ext uri="{FF2B5EF4-FFF2-40B4-BE49-F238E27FC236}">
-                <a16:creationId xmlns:a16="http://schemas.microsoft.com/office/drawing/2014/main" id="{CF847E69-6685-3C4F-A836-D0DFF3501625}"/>
+                <a16:creationId xmlns:a16="http://schemas.microsoft.com/office/drawing/2014/main" id="{CCCC9C7D-60D6-5044-9A53-1DA59EC72127}"/>
               </a:ext>
             </a:extLst>
           </p:cNvPr>
@@ -9010,8 +9320,8 @@
         </p:blipFill>
         <p:spPr>
           <a:xfrm>
-            <a:off x="6581615" y="2047150"/>
-            <a:ext cx="5486399" cy="3657599"/>
+            <a:off x="480448" y="1709704"/>
+            <a:ext cx="5486400" cy="3657600"/>
           </a:xfrm>
           <a:prstGeom prst="rect">
             <a:avLst/>
@@ -9021,7 +9331,7 @@
     </p:spTree>
     <p:extLst>
       <p:ext uri="{BB962C8B-B14F-4D97-AF65-F5344CB8AC3E}">
-        <p14:creationId xmlns:p14="http://schemas.microsoft.com/office/powerpoint/2010/main" val="3727549512"/>
+        <p14:creationId xmlns:p14="http://schemas.microsoft.com/office/powerpoint/2010/main" val="4118114868"/>
       </p:ext>
     </p:extLst>
   </p:cSld>

--- a/Final Presentation/Bootcamp-Project-1.pptx
+++ b/Final Presentation/Bootcamp-Project-1.pptx
@@ -1049,21 +1049,8 @@
                 <a:ea typeface="Tahoma" panose="020B0604030504040204" pitchFamily="34" charset="0"/>
                 <a:cs typeface="Tahoma" panose="020B0604030504040204" pitchFamily="34" charset="0"/>
               </a:rPr>
-              <a:t>At-home productivity items, at-home comfort items, at-home </a:t>
-            </a:r>
-            <a:r>
-              <a:rPr lang="en-US">
-                <a:latin typeface="Tahoma" panose="020B0604030504040204" pitchFamily="34" charset="0"/>
-                <a:ea typeface="Tahoma" panose="020B0604030504040204" pitchFamily="34" charset="0"/>
-                <a:cs typeface="Tahoma" panose="020B0604030504040204" pitchFamily="34" charset="0"/>
-              </a:rPr>
-              <a:t>entertainment items</a:t>
-            </a:r>
-            <a:endParaRPr lang="en-US" dirty="0">
-              <a:latin typeface="Tahoma" panose="020B0604030504040204" pitchFamily="34" charset="0"/>
-              <a:ea typeface="Tahoma" panose="020B0604030504040204" pitchFamily="34" charset="0"/>
-              <a:cs typeface="Tahoma" panose="020B0604030504040204" pitchFamily="34" charset="0"/>
-            </a:endParaRPr>
+              <a:t>At-home productivity items, at-home comfort items, at-home entertainment items</a:t>
+            </a:r>
           </a:p>
         </p:txBody>
       </p:sp>
@@ -1712,6 +1699,31 @@
               <a:rPr lang="en-US" dirty="0"/>
               <a:t>Lauren</a:t>
             </a:r>
+          </a:p>
+          <a:p>
+            <a:r>
+              <a:rPr lang="en-US" dirty="0"/>
+              <a:t>We noticed purchasing spikes in 3 main categories:</a:t>
+            </a:r>
+          </a:p>
+          <a:p>
+            <a:r>
+              <a:rPr lang="en-US" dirty="0"/>
+              <a:t>Productivity</a:t>
+            </a:r>
+          </a:p>
+          <a:p>
+            <a:r>
+              <a:rPr lang="en-US" dirty="0"/>
+              <a:t>Comfort</a:t>
+            </a:r>
+          </a:p>
+          <a:p>
+            <a:r>
+              <a:rPr lang="en-US"/>
+              <a:t>Entertainment</a:t>
+            </a:r>
+            <a:endParaRPr lang="en-US" dirty="0"/>
           </a:p>
         </p:txBody>
       </p:sp>

--- a/Final Presentation/Bootcamp-Project-1.pptx
+++ b/Final Presentation/Bootcamp-Project-1.pptx
@@ -13,13 +13,13 @@
     <p:sldId id="257" r:id="rId4"/>
     <p:sldId id="266" r:id="rId5"/>
     <p:sldId id="258" r:id="rId6"/>
-    <p:sldId id="260" r:id="rId7"/>
-    <p:sldId id="265" r:id="rId8"/>
-    <p:sldId id="259" r:id="rId9"/>
-    <p:sldId id="269" r:id="rId10"/>
-    <p:sldId id="267" r:id="rId11"/>
-    <p:sldId id="264" r:id="rId12"/>
-    <p:sldId id="268" r:id="rId13"/>
+    <p:sldId id="270" r:id="rId7"/>
+    <p:sldId id="260" r:id="rId8"/>
+    <p:sldId id="265" r:id="rId9"/>
+    <p:sldId id="259" r:id="rId10"/>
+    <p:sldId id="269" r:id="rId11"/>
+    <p:sldId id="267" r:id="rId12"/>
+    <p:sldId id="264" r:id="rId13"/>
     <p:sldId id="261" r:id="rId14"/>
     <p:sldId id="262" r:id="rId15"/>
   </p:sldIdLst>
@@ -210,7 +210,7 @@
           <a:p>
             <a:fld id="{8256FAB7-A7C0-6E45-B78E-5FDB81C7843B}" type="datetimeFigureOut">
               <a:rPr lang="en-US" smtClean="0"/>
-              <a:t>11/8/20</a:t>
+              <a:t>11/9/20</a:t>
             </a:fld>
             <a:endParaRPr lang="en-US"/>
           </a:p>
@@ -606,33 +606,12 @@
           <a:lstStyle/>
           <a:p>
             <a:r>
-              <a:rPr lang="en-US" dirty="0" err="1"/>
-              <a:t>Siara</a:t>
-            </a:r>
+              <a:rPr lang="en-US" dirty="0"/>
+              <a:t>As people are spending more time at home, they want to feel comfortable and safe.</a:t>
+            </a:r>
+          </a:p>
+          <a:p>
             <a:endParaRPr lang="en-US" dirty="0"/>
-          </a:p>
-          <a:p>
-            <a:endParaRPr lang="en-US" dirty="0"/>
-          </a:p>
-          <a:p>
-            <a:r>
-              <a:rPr lang="en-US" dirty="0">
-                <a:latin typeface="Tahoma" panose="020B0604030504040204" pitchFamily="34" charset="0"/>
-                <a:ea typeface="Tahoma" panose="020B0604030504040204" pitchFamily="34" charset="0"/>
-                <a:cs typeface="Tahoma" panose="020B0604030504040204" pitchFamily="34" charset="0"/>
-              </a:rPr>
-              <a:t>We noticed a large spike in purchasing items that can be used for home entertainment. </a:t>
-            </a:r>
-          </a:p>
-          <a:p>
-            <a:r>
-              <a:rPr lang="en-US" dirty="0">
-                <a:latin typeface="Tahoma" panose="020B0604030504040204" pitchFamily="34" charset="0"/>
-                <a:ea typeface="Tahoma" panose="020B0604030504040204" pitchFamily="34" charset="0"/>
-                <a:cs typeface="Tahoma" panose="020B0604030504040204" pitchFamily="34" charset="0"/>
-              </a:rPr>
-              <a:t>You can use these types of items for fun without needing to be in a large group. </a:t>
-            </a:r>
           </a:p>
         </p:txBody>
       </p:sp>
@@ -662,7 +641,7 @@
     </p:spTree>
     <p:extLst>
       <p:ext uri="{BB962C8B-B14F-4D97-AF65-F5344CB8AC3E}">
-        <p14:creationId xmlns:p14="http://schemas.microsoft.com/office/powerpoint/2010/main" val="1392474627"/>
+        <p14:creationId xmlns:p14="http://schemas.microsoft.com/office/powerpoint/2010/main" val="1193286432"/>
       </p:ext>
     </p:extLst>
   </p:cSld>
@@ -717,8 +696,32 @@
           <a:lstStyle/>
           <a:p>
             <a:r>
-              <a:rPr lang="en-US" dirty="0"/>
-              <a:t>Lauren</a:t>
+              <a:rPr lang="en-US" dirty="0" err="1"/>
+              <a:t>Siara</a:t>
+            </a:r>
+            <a:endParaRPr lang="en-US" dirty="0"/>
+          </a:p>
+          <a:p>
+            <a:endParaRPr lang="en-US" dirty="0"/>
+          </a:p>
+          <a:p>
+            <a:r>
+              <a:rPr lang="en-US" dirty="0">
+                <a:latin typeface="Tahoma" panose="020B0604030504040204" pitchFamily="34" charset="0"/>
+                <a:ea typeface="Tahoma" panose="020B0604030504040204" pitchFamily="34" charset="0"/>
+                <a:cs typeface="Tahoma" panose="020B0604030504040204" pitchFamily="34" charset="0"/>
+              </a:rPr>
+              <a:t>We noticed a large spike in purchasing items that can be used for home entertainment. </a:t>
+            </a:r>
+          </a:p>
+          <a:p>
+            <a:r>
+              <a:rPr lang="en-US" dirty="0">
+                <a:latin typeface="Tahoma" panose="020B0604030504040204" pitchFamily="34" charset="0"/>
+                <a:ea typeface="Tahoma" panose="020B0604030504040204" pitchFamily="34" charset="0"/>
+                <a:cs typeface="Tahoma" panose="020B0604030504040204" pitchFamily="34" charset="0"/>
+              </a:rPr>
+              <a:t>You can use these types of items for fun without needing to be in a large group. </a:t>
             </a:r>
           </a:p>
         </p:txBody>
@@ -749,7 +752,7 @@
     </p:spTree>
     <p:extLst>
       <p:ext uri="{BB962C8B-B14F-4D97-AF65-F5344CB8AC3E}">
-        <p14:creationId xmlns:p14="http://schemas.microsoft.com/office/powerpoint/2010/main" val="3034710620"/>
+        <p14:creationId xmlns:p14="http://schemas.microsoft.com/office/powerpoint/2010/main" val="1392474627"/>
       </p:ext>
     </p:extLst>
   </p:cSld>
@@ -805,16 +808,7 @@
           <a:p>
             <a:r>
               <a:rPr lang="en-US" dirty="0"/>
-              <a:t>Danica</a:t>
-            </a:r>
-          </a:p>
-          <a:p>
-            <a:endParaRPr lang="en-US" dirty="0"/>
-          </a:p>
-          <a:p>
-            <a:r>
-              <a:rPr lang="en-US" dirty="0"/>
-              <a:t>Note from Siara: I added a tobacco graph in case we are short on time, but I don’t think we will be. It’s a just-in-case and we can delete it if we don’t need it.</a:t>
+              <a:t>Lauren</a:t>
             </a:r>
           </a:p>
         </p:txBody>
@@ -845,7 +839,7 @@
     </p:spTree>
     <p:extLst>
       <p:ext uri="{BB962C8B-B14F-4D97-AF65-F5344CB8AC3E}">
-        <p14:creationId xmlns:p14="http://schemas.microsoft.com/office/powerpoint/2010/main" val="3577662982"/>
+        <p14:creationId xmlns:p14="http://schemas.microsoft.com/office/powerpoint/2010/main" val="3034710620"/>
       </p:ext>
     </p:extLst>
   </p:cSld>
@@ -1641,7 +1635,7 @@
     </p:spTree>
     <p:extLst>
       <p:ext uri="{BB962C8B-B14F-4D97-AF65-F5344CB8AC3E}">
-        <p14:creationId xmlns:p14="http://schemas.microsoft.com/office/powerpoint/2010/main" val="1791772218"/>
+        <p14:creationId xmlns:p14="http://schemas.microsoft.com/office/powerpoint/2010/main" val="2750646271"/>
       </p:ext>
     </p:extLst>
   </p:cSld>
@@ -1700,31 +1694,6 @@
               <a:t>Lauren</a:t>
             </a:r>
           </a:p>
-          <a:p>
-            <a:r>
-              <a:rPr lang="en-US" dirty="0"/>
-              <a:t>We noticed purchasing spikes in 3 main categories:</a:t>
-            </a:r>
-          </a:p>
-          <a:p>
-            <a:r>
-              <a:rPr lang="en-US" dirty="0"/>
-              <a:t>Productivity</a:t>
-            </a:r>
-          </a:p>
-          <a:p>
-            <a:r>
-              <a:rPr lang="en-US" dirty="0"/>
-              <a:t>Comfort</a:t>
-            </a:r>
-          </a:p>
-          <a:p>
-            <a:r>
-              <a:rPr lang="en-US"/>
-              <a:t>Entertainment</a:t>
-            </a:r>
-            <a:endParaRPr lang="en-US" dirty="0"/>
-          </a:p>
         </p:txBody>
       </p:sp>
       <p:sp>
@@ -1753,7 +1722,7 @@
     </p:spTree>
     <p:extLst>
       <p:ext uri="{BB962C8B-B14F-4D97-AF65-F5344CB8AC3E}">
-        <p14:creationId xmlns:p14="http://schemas.microsoft.com/office/powerpoint/2010/main" val="3821123828"/>
+        <p14:creationId xmlns:p14="http://schemas.microsoft.com/office/powerpoint/2010/main" val="1791772218"/>
       </p:ext>
     </p:extLst>
   </p:cSld>
@@ -1809,17 +1778,33 @@
           <a:p>
             <a:r>
               <a:rPr lang="en-US" dirty="0"/>
-              <a:t>Siara</a:t>
-            </a:r>
-          </a:p>
-          <a:p>
+              <a:t>Lauren</a:t>
+            </a:r>
+          </a:p>
+          <a:p>
+            <a:r>
+              <a:rPr lang="en-US" dirty="0"/>
+              <a:t>We noticed purchasing spikes in 3 main categories:</a:t>
+            </a:r>
+          </a:p>
+          <a:p>
+            <a:r>
+              <a:rPr lang="en-US" dirty="0"/>
+              <a:t>Productivity</a:t>
+            </a:r>
+          </a:p>
+          <a:p>
+            <a:r>
+              <a:rPr lang="en-US" dirty="0"/>
+              <a:t>Comfort</a:t>
+            </a:r>
+          </a:p>
+          <a:p>
+            <a:r>
+              <a:rPr lang="en-US"/>
+              <a:t>Entertainment</a:t>
+            </a:r>
             <a:endParaRPr lang="en-US" dirty="0"/>
-          </a:p>
-          <a:p>
-            <a:r>
-              <a:rPr lang="en-US" dirty="0"/>
-              <a:t>As people adjust to life in an apocalyptic world where they do not get to venture out of the house as much, they need to find ways to stay productive. These purchasing trends reflect this.</a:t>
-            </a:r>
           </a:p>
         </p:txBody>
       </p:sp>
@@ -1849,7 +1834,7 @@
     </p:spTree>
     <p:extLst>
       <p:ext uri="{BB962C8B-B14F-4D97-AF65-F5344CB8AC3E}">
-        <p14:creationId xmlns:p14="http://schemas.microsoft.com/office/powerpoint/2010/main" val="1606379655"/>
+        <p14:creationId xmlns:p14="http://schemas.microsoft.com/office/powerpoint/2010/main" val="3821123828"/>
       </p:ext>
     </p:extLst>
   </p:cSld>
@@ -1905,11 +1890,17 @@
           <a:p>
             <a:r>
               <a:rPr lang="en-US" dirty="0"/>
-              <a:t>As people are spending more time at home, they want to feel comfortable and safe.</a:t>
+              <a:t>Siara</a:t>
             </a:r>
           </a:p>
           <a:p>
             <a:endParaRPr lang="en-US" dirty="0"/>
+          </a:p>
+          <a:p>
+            <a:r>
+              <a:rPr lang="en-US" dirty="0"/>
+              <a:t>As people adjust to life in an apocalyptic world where they do not get to venture out of the house as much, they need to find ways to stay productive. These purchasing trends reflect this.</a:t>
+            </a:r>
           </a:p>
         </p:txBody>
       </p:sp>
@@ -1939,7 +1930,7 @@
     </p:spTree>
     <p:extLst>
       <p:ext uri="{BB962C8B-B14F-4D97-AF65-F5344CB8AC3E}">
-        <p14:creationId xmlns:p14="http://schemas.microsoft.com/office/powerpoint/2010/main" val="1193286432"/>
+        <p14:creationId xmlns:p14="http://schemas.microsoft.com/office/powerpoint/2010/main" val="1606379655"/>
       </p:ext>
     </p:extLst>
   </p:cSld>
@@ -2080,7 +2071,7 @@
           <a:p>
             <a:fld id="{A5F6199B-DC93-8D4E-9094-148FC2EB01F2}" type="datetimeFigureOut">
               <a:rPr lang="en-US" smtClean="0"/>
-              <a:t>11/8/20</a:t>
+              <a:t>11/9/20</a:t>
             </a:fld>
             <a:endParaRPr lang="en-US"/>
           </a:p>
@@ -2250,7 +2241,7 @@
           <a:p>
             <a:fld id="{A5F6199B-DC93-8D4E-9094-148FC2EB01F2}" type="datetimeFigureOut">
               <a:rPr lang="en-US" smtClean="0"/>
-              <a:t>11/8/20</a:t>
+              <a:t>11/9/20</a:t>
             </a:fld>
             <a:endParaRPr lang="en-US"/>
           </a:p>
@@ -2430,7 +2421,7 @@
           <a:p>
             <a:fld id="{A5F6199B-DC93-8D4E-9094-148FC2EB01F2}" type="datetimeFigureOut">
               <a:rPr lang="en-US" smtClean="0"/>
-              <a:t>11/8/20</a:t>
+              <a:t>11/9/20</a:t>
             </a:fld>
             <a:endParaRPr lang="en-US"/>
           </a:p>
@@ -2600,7 +2591,7 @@
           <a:p>
             <a:fld id="{A5F6199B-DC93-8D4E-9094-148FC2EB01F2}" type="datetimeFigureOut">
               <a:rPr lang="en-US" smtClean="0"/>
-              <a:t>11/8/20</a:t>
+              <a:t>11/9/20</a:t>
             </a:fld>
             <a:endParaRPr lang="en-US"/>
           </a:p>
@@ -2846,7 +2837,7 @@
           <a:p>
             <a:fld id="{A5F6199B-DC93-8D4E-9094-148FC2EB01F2}" type="datetimeFigureOut">
               <a:rPr lang="en-US" smtClean="0"/>
-              <a:t>11/8/20</a:t>
+              <a:t>11/9/20</a:t>
             </a:fld>
             <a:endParaRPr lang="en-US"/>
           </a:p>
@@ -3078,7 +3069,7 @@
           <a:p>
             <a:fld id="{A5F6199B-DC93-8D4E-9094-148FC2EB01F2}" type="datetimeFigureOut">
               <a:rPr lang="en-US" smtClean="0"/>
-              <a:t>11/8/20</a:t>
+              <a:t>11/9/20</a:t>
             </a:fld>
             <a:endParaRPr lang="en-US"/>
           </a:p>
@@ -3445,7 +3436,7 @@
           <a:p>
             <a:fld id="{A5F6199B-DC93-8D4E-9094-148FC2EB01F2}" type="datetimeFigureOut">
               <a:rPr lang="en-US" smtClean="0"/>
-              <a:t>11/8/20</a:t>
+              <a:t>11/9/20</a:t>
             </a:fld>
             <a:endParaRPr lang="en-US"/>
           </a:p>
@@ -3563,7 +3554,7 @@
           <a:p>
             <a:fld id="{A5F6199B-DC93-8D4E-9094-148FC2EB01F2}" type="datetimeFigureOut">
               <a:rPr lang="en-US" smtClean="0"/>
-              <a:t>11/8/20</a:t>
+              <a:t>11/9/20</a:t>
             </a:fld>
             <a:endParaRPr lang="en-US"/>
           </a:p>
@@ -3658,7 +3649,7 @@
           <a:p>
             <a:fld id="{A5F6199B-DC93-8D4E-9094-148FC2EB01F2}" type="datetimeFigureOut">
               <a:rPr lang="en-US" smtClean="0"/>
-              <a:t>11/8/20</a:t>
+              <a:t>11/9/20</a:t>
             </a:fld>
             <a:endParaRPr lang="en-US"/>
           </a:p>
@@ -3935,7 +3926,7 @@
           <a:p>
             <a:fld id="{A5F6199B-DC93-8D4E-9094-148FC2EB01F2}" type="datetimeFigureOut">
               <a:rPr lang="en-US" smtClean="0"/>
-              <a:t>11/8/20</a:t>
+              <a:t>11/9/20</a:t>
             </a:fld>
             <a:endParaRPr lang="en-US"/>
           </a:p>
@@ -4192,7 +4183,7 @@
           <a:p>
             <a:fld id="{A5F6199B-DC93-8D4E-9094-148FC2EB01F2}" type="datetimeFigureOut">
               <a:rPr lang="en-US" smtClean="0"/>
-              <a:t>11/8/20</a:t>
+              <a:t>11/9/20</a:t>
             </a:fld>
             <a:endParaRPr lang="en-US"/>
           </a:p>
@@ -4405,7 +4396,7 @@
           <a:p>
             <a:fld id="{A5F6199B-DC93-8D4E-9094-148FC2EB01F2}" type="datetimeFigureOut">
               <a:rPr lang="en-US" smtClean="0"/>
-              <a:t>11/8/20</a:t>
+              <a:t>11/9/20</a:t>
             </a:fld>
             <a:endParaRPr lang="en-US"/>
           </a:p>
@@ -4919,8 +4910,8 @@
         </p:nvSpPr>
         <p:spPr>
           <a:xfrm>
-            <a:off x="4162423" y="240620"/>
-            <a:ext cx="7217229" cy="3923166"/>
+            <a:off x="3913417" y="847449"/>
+            <a:ext cx="7217229" cy="2482470"/>
           </a:xfrm>
         </p:spPr>
         <p:txBody>
@@ -4935,7 +4926,7 @@
                 <a:ea typeface="Tahoma" panose="020B0604030504040204" pitchFamily="34" charset="0"/>
                 <a:cs typeface="Tahoma" panose="020B0604030504040204" pitchFamily="34" charset="0"/>
               </a:rPr>
-              <a:t>How to thrive in a post Zombie-Apocalyptic world</a:t>
+              <a:t>Surviving &amp; Thriving in the midst of a global pandemic</a:t>
             </a:r>
           </a:p>
         </p:txBody>
@@ -4958,7 +4949,7 @@
         </p:nvSpPr>
         <p:spPr>
           <a:xfrm>
-            <a:off x="5402032" y="4330349"/>
+            <a:off x="4695826" y="3814154"/>
             <a:ext cx="5652409" cy="1993117"/>
           </a:xfrm>
         </p:spPr>
@@ -4990,8 +4981,12 @@
           </a:p>
           <a:p>
             <a:r>
+              <a:rPr lang="en-US" sz="2600" dirty="0" err="1"/>
+              <a:t>Siara</a:t>
+            </a:r>
+            <a:r>
               <a:rPr lang="en-US" sz="2600" dirty="0"/>
-              <a:t>Siara Leininger, Stacey Wai</a:t>
+              <a:t> Leininger, Stacey Wai</a:t>
             </a:r>
           </a:p>
           <a:p>
@@ -5034,7 +5029,7 @@
           <p:cNvPr id="2" name="Title 1">
             <a:extLst>
               <a:ext uri="{FF2B5EF4-FFF2-40B4-BE49-F238E27FC236}">
-                <a16:creationId xmlns:a16="http://schemas.microsoft.com/office/drawing/2014/main" id="{2E80B52C-7AB8-4842-9CC9-20E991098D71}"/>
+                <a16:creationId xmlns:a16="http://schemas.microsoft.com/office/drawing/2014/main" id="{13407C09-C539-984B-8EEA-C3127B426FF1}"/>
               </a:ext>
             </a:extLst>
           </p:cNvPr>
@@ -5050,23 +5045,24 @@
           <a:bodyPr/>
           <a:lstStyle/>
           <a:p>
+            <a:pPr algn="ctr"/>
             <a:r>
               <a:rPr lang="en-US" b="1" dirty="0">
                 <a:latin typeface="Tahoma" panose="020B0604030504040204" pitchFamily="34" charset="0"/>
                 <a:ea typeface="Tahoma" panose="020B0604030504040204" pitchFamily="34" charset="0"/>
                 <a:cs typeface="Tahoma" panose="020B0604030504040204" pitchFamily="34" charset="0"/>
               </a:rPr>
-              <a:t>Being entertained in a new world</a:t>
+              <a:t>Comfort, Safety &amp; Entertainment</a:t>
             </a:r>
           </a:p>
         </p:txBody>
       </p:sp>
       <p:pic>
         <p:nvPicPr>
-          <p:cNvPr id="10" name="Picture 9" descr="Chart, line chart&#10;&#10;Description automatically generated">
+          <p:cNvPr id="4" name="Picture 3" descr="Chart, line chart&#10;&#10;Description automatically generated">
             <a:extLst>
               <a:ext uri="{FF2B5EF4-FFF2-40B4-BE49-F238E27FC236}">
-                <a16:creationId xmlns:a16="http://schemas.microsoft.com/office/drawing/2014/main" id="{CF847E69-6685-3C4F-A836-D0DFF3501625}"/>
+                <a16:creationId xmlns:a16="http://schemas.microsoft.com/office/drawing/2014/main" id="{7E8DA867-BCB8-8940-9CAA-FDF735467096}"/>
               </a:ext>
             </a:extLst>
           </p:cNvPr>
@@ -5083,8 +5079,8 @@
         </p:blipFill>
         <p:spPr>
           <a:xfrm>
-            <a:off x="6324600" y="1690688"/>
-            <a:ext cx="5486399" cy="3657599"/>
+            <a:off x="466240" y="1973175"/>
+            <a:ext cx="5514925" cy="3676616"/>
           </a:xfrm>
           <a:prstGeom prst="rect">
             <a:avLst/>
@@ -5093,10 +5089,10 @@
       </p:pic>
       <p:pic>
         <p:nvPicPr>
-          <p:cNvPr id="9" name="Picture 8">
+          <p:cNvPr id="5" name="Picture 4" descr="Chart, line chart&#10;&#10;Description automatically generated">
             <a:extLst>
               <a:ext uri="{FF2B5EF4-FFF2-40B4-BE49-F238E27FC236}">
-                <a16:creationId xmlns:a16="http://schemas.microsoft.com/office/drawing/2014/main" id="{2F0F607E-B40B-F343-B5B2-84241F89A275}"/>
+                <a16:creationId xmlns:a16="http://schemas.microsoft.com/office/drawing/2014/main" id="{CCCC9C7D-60D6-5044-9A53-1DA59EC72127}"/>
               </a:ext>
             </a:extLst>
           </p:cNvPr>
@@ -5113,12 +5109,759 @@
         </p:blipFill>
         <p:spPr>
           <a:xfrm>
-            <a:off x="838200" y="1690687"/>
+            <a:off x="6353125" y="1973175"/>
             <a:ext cx="5486400" cy="3657600"/>
           </a:xfrm>
           <a:prstGeom prst="rect">
             <a:avLst/>
           </a:prstGeom>
+        </p:spPr>
+      </p:pic>
+    </p:spTree>
+    <p:extLst>
+      <p:ext uri="{BB962C8B-B14F-4D97-AF65-F5344CB8AC3E}">
+        <p14:creationId xmlns:p14="http://schemas.microsoft.com/office/powerpoint/2010/main" val="4118114868"/>
+      </p:ext>
+    </p:extLst>
+  </p:cSld>
+  <p:clrMapOvr>
+    <a:masterClrMapping/>
+  </p:clrMapOvr>
+</p:sld>
+</file>
+
+<file path=ppt/slides/slide11.xml><?xml version="1.0" encoding="utf-8"?>
+<p:sld xmlns:a="http://schemas.openxmlformats.org/drawingml/2006/main" xmlns:r="http://schemas.openxmlformats.org/officeDocument/2006/relationships" xmlns:p="http://schemas.openxmlformats.org/presentationml/2006/main">
+  <p:cSld>
+    <p:bg>
+      <p:bgPr>
+        <a:solidFill>
+          <a:schemeClr val="bg1"/>
+        </a:solidFill>
+        <a:effectLst/>
+      </p:bgPr>
+    </p:bg>
+    <p:spTree>
+      <p:nvGrpSpPr>
+        <p:cNvPr id="1" name=""/>
+        <p:cNvGrpSpPr/>
+        <p:nvPr/>
+      </p:nvGrpSpPr>
+      <p:grpSpPr>
+        <a:xfrm>
+          <a:off x="0" y="0"/>
+          <a:ext cx="0" cy="0"/>
+          <a:chOff x="0" y="0"/>
+          <a:chExt cx="0" cy="0"/>
+        </a:xfrm>
+      </p:grpSpPr>
+      <p:sp useBgFill="1">
+        <p:nvSpPr>
+          <p:cNvPr id="15" name="Rectangle 14">
+            <a:extLst>
+              <a:ext uri="{FF2B5EF4-FFF2-40B4-BE49-F238E27FC236}">
+                <a16:creationId xmlns:a16="http://schemas.microsoft.com/office/drawing/2014/main" id="{7BBD5B30-C741-4E67-AFD8-17917090ABCC}"/>
+              </a:ext>
+              <a:ext uri="{C183D7F6-B498-43B3-948B-1728B52AA6E4}">
+                <adec:decorative xmlns:adec="http://schemas.microsoft.com/office/drawing/2017/decorative" val="1"/>
+              </a:ext>
+            </a:extLst>
+          </p:cNvPr>
+          <p:cNvSpPr>
+            <a:spLocks noGrp="1" noRot="1" noChangeAspect="1" noMove="1" noResize="1" noEditPoints="1" noAdjustHandles="1" noChangeArrowheads="1" noChangeShapeType="1" noTextEdit="1"/>
+          </p:cNvSpPr>
+          <p:nvPr>
+            <p:extLst>
+              <p:ext uri="{386F3935-93C4-4BCD-93E2-E3B085C9AB24}">
+                <p16:designElem xmlns:p16="http://schemas.microsoft.com/office/powerpoint/2015/main" val="1"/>
+              </p:ext>
+            </p:extLst>
+          </p:nvPr>
+        </p:nvSpPr>
+        <p:spPr>
+          <a:xfrm>
+            <a:off x="0" y="0"/>
+            <a:ext cx="12192000" cy="6858000"/>
+          </a:xfrm>
+          <a:prstGeom prst="rect">
+            <a:avLst/>
+          </a:prstGeom>
+          <a:ln>
+            <a:noFill/>
+          </a:ln>
+        </p:spPr>
+        <p:style>
+          <a:lnRef idx="2">
+            <a:schemeClr val="accent1">
+              <a:shade val="50000"/>
+            </a:schemeClr>
+          </a:lnRef>
+          <a:fillRef idx="1">
+            <a:schemeClr val="accent1"/>
+          </a:fillRef>
+          <a:effectRef idx="0">
+            <a:schemeClr val="accent1"/>
+          </a:effectRef>
+          <a:fontRef idx="minor">
+            <a:schemeClr val="lt1"/>
+          </a:fontRef>
+        </p:style>
+        <p:txBody>
+          <a:bodyPr rtlCol="0" anchor="ctr"/>
+          <a:lstStyle/>
+          <a:p>
+            <a:pPr algn="ctr"/>
+            <a:endParaRPr lang="en-US"/>
+          </a:p>
+        </p:txBody>
+      </p:sp>
+      <p:sp useBgFill="1">
+        <p:nvSpPr>
+          <p:cNvPr id="17" name="Freeform: Shape 16">
+            <a:extLst>
+              <a:ext uri="{FF2B5EF4-FFF2-40B4-BE49-F238E27FC236}">
+                <a16:creationId xmlns:a16="http://schemas.microsoft.com/office/drawing/2014/main" id="{189BBEAA-BB93-4878-8C95-3C8AADE2E0C5}"/>
+              </a:ext>
+              <a:ext uri="{C183D7F6-B498-43B3-948B-1728B52AA6E4}">
+                <adec:decorative xmlns:adec="http://schemas.microsoft.com/office/drawing/2017/decorative" val="1"/>
+              </a:ext>
+            </a:extLst>
+          </p:cNvPr>
+          <p:cNvSpPr>
+            <a:spLocks noGrp="1" noRot="1" noChangeAspect="1" noMove="1" noResize="1" noEditPoints="1" noAdjustHandles="1" noChangeArrowheads="1" noChangeShapeType="1" noTextEdit="1"/>
+          </p:cNvSpPr>
+          <p:nvPr>
+            <p:extLst>
+              <p:ext uri="{386F3935-93C4-4BCD-93E2-E3B085C9AB24}">
+                <p16:designElem xmlns:p16="http://schemas.microsoft.com/office/powerpoint/2015/main" val="1"/>
+              </p:ext>
+            </p:extLst>
+          </p:nvPr>
+        </p:nvSpPr>
+        <p:spPr>
+          <a:xfrm>
+            <a:off x="0" y="0"/>
+            <a:ext cx="4397136" cy="6858000"/>
+          </a:xfrm>
+          <a:custGeom>
+            <a:avLst/>
+            <a:gdLst>
+              <a:gd name="connsiteX0" fmla="*/ 0 w 4397136"/>
+              <a:gd name="connsiteY0" fmla="*/ 0 h 6858000"/>
+              <a:gd name="connsiteX1" fmla="*/ 3599069 w 4397136"/>
+              <a:gd name="connsiteY1" fmla="*/ 0 h 6858000"/>
+              <a:gd name="connsiteX2" fmla="*/ 3634072 w 4397136"/>
+              <a:gd name="connsiteY2" fmla="*/ 58977 h 6858000"/>
+              <a:gd name="connsiteX3" fmla="*/ 4397136 w 4397136"/>
+              <a:gd name="connsiteY3" fmla="*/ 3474189 h 6858000"/>
+              <a:gd name="connsiteX4" fmla="*/ 3802221 w 4397136"/>
+              <a:gd name="connsiteY4" fmla="*/ 6546415 h 6858000"/>
+              <a:gd name="connsiteX5" fmla="*/ 3649466 w 4397136"/>
+              <a:gd name="connsiteY5" fmla="*/ 6858000 h 6858000"/>
+              <a:gd name="connsiteX6" fmla="*/ 0 w 4397136"/>
+              <a:gd name="connsiteY6" fmla="*/ 6858000 h 6858000"/>
+            </a:gdLst>
+            <a:ahLst/>
+            <a:cxnLst>
+              <a:cxn ang="0">
+                <a:pos x="connsiteX0" y="connsiteY0"/>
+              </a:cxn>
+              <a:cxn ang="0">
+                <a:pos x="connsiteX1" y="connsiteY1"/>
+              </a:cxn>
+              <a:cxn ang="0">
+                <a:pos x="connsiteX2" y="connsiteY2"/>
+              </a:cxn>
+              <a:cxn ang="0">
+                <a:pos x="connsiteX3" y="connsiteY3"/>
+              </a:cxn>
+              <a:cxn ang="0">
+                <a:pos x="connsiteX4" y="connsiteY4"/>
+              </a:cxn>
+              <a:cxn ang="0">
+                <a:pos x="connsiteX5" y="connsiteY5"/>
+              </a:cxn>
+              <a:cxn ang="0">
+                <a:pos x="connsiteX6" y="connsiteY6"/>
+              </a:cxn>
+            </a:cxnLst>
+            <a:rect l="l" t="t" r="r" b="b"/>
+            <a:pathLst>
+              <a:path w="4397136" h="6858000">
+                <a:moveTo>
+                  <a:pt x="0" y="0"/>
+                </a:moveTo>
+                <a:lnTo>
+                  <a:pt x="3599069" y="0"/>
+                </a:lnTo>
+                <a:lnTo>
+                  <a:pt x="3634072" y="58977"/>
+                </a:lnTo>
+                <a:cubicBezTo>
+                  <a:pt x="4105532" y="933006"/>
+                  <a:pt x="4397136" y="2140466"/>
+                  <a:pt x="4397136" y="3474189"/>
+                </a:cubicBezTo>
+                <a:cubicBezTo>
+                  <a:pt x="4397136" y="4641197"/>
+                  <a:pt x="4173877" y="5711534"/>
+                  <a:pt x="3802221" y="6546415"/>
+                </a:cubicBezTo>
+                <a:lnTo>
+                  <a:pt x="3649466" y="6858000"/>
+                </a:lnTo>
+                <a:lnTo>
+                  <a:pt x="0" y="6858000"/>
+                </a:lnTo>
+                <a:close/>
+              </a:path>
+            </a:pathLst>
+          </a:custGeom>
+          <a:ln w="9525">
+            <a:solidFill>
+              <a:srgbClr val="EFEFEF"/>
+            </a:solidFill>
+          </a:ln>
+          <a:effectLst>
+            <a:outerShdw blurRad="50800" dist="38100" algn="l" rotWithShape="0">
+              <a:schemeClr val="bg1">
+                <a:lumMod val="85000"/>
+                <a:alpha val="30000"/>
+              </a:schemeClr>
+            </a:outerShdw>
+          </a:effectLst>
+        </p:spPr>
+        <p:style>
+          <a:lnRef idx="2">
+            <a:schemeClr val="accent1">
+              <a:shade val="50000"/>
+            </a:schemeClr>
+          </a:lnRef>
+          <a:fillRef idx="1">
+            <a:schemeClr val="accent1"/>
+          </a:fillRef>
+          <a:effectRef idx="0">
+            <a:schemeClr val="accent1"/>
+          </a:effectRef>
+          <a:fontRef idx="minor">
+            <a:schemeClr val="lt1"/>
+          </a:fontRef>
+        </p:style>
+        <p:txBody>
+          <a:bodyPr wrap="square" rtlCol="0" anchor="ctr">
+            <a:noAutofit/>
+          </a:bodyPr>
+          <a:lstStyle/>
+          <a:p>
+            <a:pPr marL="0" marR="0" lvl="0" indent="0" algn="ctr" defTabSz="914400" rtl="0" eaLnBrk="1" fontAlgn="auto" latinLnBrk="0" hangingPunct="1">
+              <a:lnSpc>
+                <a:spcPct val="100000"/>
+              </a:lnSpc>
+              <a:spcBef>
+                <a:spcPts val="0"/>
+              </a:spcBef>
+              <a:spcAft>
+                <a:spcPts val="0"/>
+              </a:spcAft>
+              <a:buClrTx/>
+              <a:buSzTx/>
+              <a:buFontTx/>
+              <a:buNone/>
+              <a:tabLst/>
+              <a:defRPr/>
+            </a:pPr>
+            <a:endParaRPr kumimoji="0" lang="en-US" sz="1800" b="0" i="0" u="none" strike="noStrike" kern="1200" cap="none" spc="0" normalizeH="0" baseline="0" noProof="0">
+              <a:ln>
+                <a:noFill/>
+              </a:ln>
+              <a:solidFill>
+                <a:prstClr val="white"/>
+              </a:solidFill>
+              <a:effectLst/>
+              <a:uLnTx/>
+              <a:uFillTx/>
+              <a:latin typeface="Calibri" panose="020F0502020204030204"/>
+              <a:ea typeface="+mn-ea"/>
+              <a:cs typeface="+mn-cs"/>
+            </a:endParaRPr>
+          </a:p>
+        </p:txBody>
+      </p:sp>
+      <p:sp useBgFill="1">
+        <p:nvSpPr>
+          <p:cNvPr id="19" name="Freeform: Shape 18">
+            <a:extLst>
+              <a:ext uri="{FF2B5EF4-FFF2-40B4-BE49-F238E27FC236}">
+                <a16:creationId xmlns:a16="http://schemas.microsoft.com/office/drawing/2014/main" id="{D529C0C6-AAEB-4982-A9E6-BC6A8B2AEFB2}"/>
+              </a:ext>
+              <a:ext uri="{C183D7F6-B498-43B3-948B-1728B52AA6E4}">
+                <adec:decorative xmlns:adec="http://schemas.microsoft.com/office/drawing/2017/decorative" val="1"/>
+              </a:ext>
+            </a:extLst>
+          </p:cNvPr>
+          <p:cNvSpPr>
+            <a:spLocks noGrp="1" noRot="1" noChangeAspect="1" noMove="1" noResize="1" noEditPoints="1" noAdjustHandles="1" noChangeArrowheads="1" noChangeShapeType="1" noTextEdit="1"/>
+          </p:cNvSpPr>
+          <p:nvPr>
+            <p:extLst>
+              <p:ext uri="{386F3935-93C4-4BCD-93E2-E3B085C9AB24}">
+                <p16:designElem xmlns:p16="http://schemas.microsoft.com/office/powerpoint/2015/main" val="1"/>
+              </p:ext>
+            </p:extLst>
+          </p:nvPr>
+        </p:nvSpPr>
+        <p:spPr>
+          <a:xfrm>
+            <a:off x="0" y="0"/>
+            <a:ext cx="4386504" cy="6858000"/>
+          </a:xfrm>
+          <a:custGeom>
+            <a:avLst/>
+            <a:gdLst>
+              <a:gd name="connsiteX0" fmla="*/ 0 w 4386504"/>
+              <a:gd name="connsiteY0" fmla="*/ 0 h 6858000"/>
+              <a:gd name="connsiteX1" fmla="*/ 3588437 w 4386504"/>
+              <a:gd name="connsiteY1" fmla="*/ 0 h 6858000"/>
+              <a:gd name="connsiteX2" fmla="*/ 3623440 w 4386504"/>
+              <a:gd name="connsiteY2" fmla="*/ 58977 h 6858000"/>
+              <a:gd name="connsiteX3" fmla="*/ 4386504 w 4386504"/>
+              <a:gd name="connsiteY3" fmla="*/ 3474189 h 6858000"/>
+              <a:gd name="connsiteX4" fmla="*/ 3791589 w 4386504"/>
+              <a:gd name="connsiteY4" fmla="*/ 6546415 h 6858000"/>
+              <a:gd name="connsiteX5" fmla="*/ 3638834 w 4386504"/>
+              <a:gd name="connsiteY5" fmla="*/ 6858000 h 6858000"/>
+              <a:gd name="connsiteX6" fmla="*/ 0 w 4386504"/>
+              <a:gd name="connsiteY6" fmla="*/ 6858000 h 6858000"/>
+            </a:gdLst>
+            <a:ahLst/>
+            <a:cxnLst>
+              <a:cxn ang="0">
+                <a:pos x="connsiteX0" y="connsiteY0"/>
+              </a:cxn>
+              <a:cxn ang="0">
+                <a:pos x="connsiteX1" y="connsiteY1"/>
+              </a:cxn>
+              <a:cxn ang="0">
+                <a:pos x="connsiteX2" y="connsiteY2"/>
+              </a:cxn>
+              <a:cxn ang="0">
+                <a:pos x="connsiteX3" y="connsiteY3"/>
+              </a:cxn>
+              <a:cxn ang="0">
+                <a:pos x="connsiteX4" y="connsiteY4"/>
+              </a:cxn>
+              <a:cxn ang="0">
+                <a:pos x="connsiteX5" y="connsiteY5"/>
+              </a:cxn>
+              <a:cxn ang="0">
+                <a:pos x="connsiteX6" y="connsiteY6"/>
+              </a:cxn>
+            </a:cxnLst>
+            <a:rect l="l" t="t" r="r" b="b"/>
+            <a:pathLst>
+              <a:path w="4386504" h="6858000">
+                <a:moveTo>
+                  <a:pt x="0" y="0"/>
+                </a:moveTo>
+                <a:lnTo>
+                  <a:pt x="3588437" y="0"/>
+                </a:lnTo>
+                <a:lnTo>
+                  <a:pt x="3623440" y="58977"/>
+                </a:lnTo>
+                <a:cubicBezTo>
+                  <a:pt x="4094900" y="933006"/>
+                  <a:pt x="4386504" y="2140466"/>
+                  <a:pt x="4386504" y="3474189"/>
+                </a:cubicBezTo>
+                <a:cubicBezTo>
+                  <a:pt x="4386504" y="4641197"/>
+                  <a:pt x="4163245" y="5711534"/>
+                  <a:pt x="3791589" y="6546415"/>
+                </a:cubicBezTo>
+                <a:lnTo>
+                  <a:pt x="3638834" y="6858000"/>
+                </a:lnTo>
+                <a:lnTo>
+                  <a:pt x="0" y="6858000"/>
+                </a:lnTo>
+                <a:close/>
+              </a:path>
+            </a:pathLst>
+          </a:custGeom>
+          <a:ln w="9525">
+            <a:noFill/>
+          </a:ln>
+          <a:effectLst/>
+        </p:spPr>
+        <p:style>
+          <a:lnRef idx="2">
+            <a:schemeClr val="accent1">
+              <a:shade val="50000"/>
+            </a:schemeClr>
+          </a:lnRef>
+          <a:fillRef idx="1">
+            <a:schemeClr val="accent1"/>
+          </a:fillRef>
+          <a:effectRef idx="0">
+            <a:schemeClr val="accent1"/>
+          </a:effectRef>
+          <a:fontRef idx="minor">
+            <a:schemeClr val="lt1"/>
+          </a:fontRef>
+        </p:style>
+        <p:txBody>
+          <a:bodyPr wrap="square" rtlCol="0" anchor="ctr">
+            <a:noAutofit/>
+          </a:bodyPr>
+          <a:lstStyle/>
+          <a:p>
+            <a:pPr marL="0" marR="0" lvl="0" indent="0" algn="ctr" defTabSz="914400" rtl="0" eaLnBrk="1" fontAlgn="auto" latinLnBrk="0" hangingPunct="1">
+              <a:lnSpc>
+                <a:spcPct val="100000"/>
+              </a:lnSpc>
+              <a:spcBef>
+                <a:spcPts val="0"/>
+              </a:spcBef>
+              <a:spcAft>
+                <a:spcPts val="0"/>
+              </a:spcAft>
+              <a:buClrTx/>
+              <a:buSzTx/>
+              <a:buFontTx/>
+              <a:buNone/>
+              <a:tabLst/>
+              <a:defRPr/>
+            </a:pPr>
+            <a:endParaRPr kumimoji="0" lang="en-US" sz="1800" b="0" i="0" u="none" strike="noStrike" kern="1200" cap="none" spc="0" normalizeH="0" baseline="0" noProof="0">
+              <a:ln>
+                <a:noFill/>
+              </a:ln>
+              <a:solidFill>
+                <a:prstClr val="white"/>
+              </a:solidFill>
+              <a:effectLst/>
+              <a:uLnTx/>
+              <a:uFillTx/>
+              <a:latin typeface="Calibri" panose="020F0502020204030204"/>
+              <a:ea typeface="+mn-ea"/>
+              <a:cs typeface="+mn-cs"/>
+            </a:endParaRPr>
+          </a:p>
+        </p:txBody>
+      </p:sp>
+      <p:sp>
+        <p:nvSpPr>
+          <p:cNvPr id="21" name="Rectangle 20">
+            <a:extLst>
+              <a:ext uri="{FF2B5EF4-FFF2-40B4-BE49-F238E27FC236}">
+                <a16:creationId xmlns:a16="http://schemas.microsoft.com/office/drawing/2014/main" id="{80D36F24-5EC0-4A09-9836-6580E1D4B823}"/>
+              </a:ext>
+              <a:ext uri="{C183D7F6-B498-43B3-948B-1728B52AA6E4}">
+                <adec:decorative xmlns:adec="http://schemas.microsoft.com/office/drawing/2017/decorative" val="1"/>
+              </a:ext>
+            </a:extLst>
+          </p:cNvPr>
+          <p:cNvSpPr>
+            <a:spLocks noGrp="1" noRot="1" noChangeAspect="1" noMove="1" noResize="1" noEditPoints="1" noAdjustHandles="1" noChangeArrowheads="1" noChangeShapeType="1" noTextEdit="1"/>
+          </p:cNvSpPr>
+          <p:nvPr>
+            <p:extLst>
+              <p:ext uri="{386F3935-93C4-4BCD-93E2-E3B085C9AB24}">
+                <p16:designElem xmlns:p16="http://schemas.microsoft.com/office/powerpoint/2015/main" val="1"/>
+              </p:ext>
+            </p:extLst>
+          </p:nvPr>
+        </p:nvSpPr>
+        <p:spPr>
+          <a:xfrm rot="5400000">
+            <a:off x="767989" y="346791"/>
+            <a:ext cx="146304" cy="704088"/>
+          </a:xfrm>
+          <a:prstGeom prst="rect">
+            <a:avLst/>
+          </a:prstGeom>
+          <a:solidFill>
+            <a:schemeClr val="accent2"/>
+          </a:solidFill>
+          <a:ln>
+            <a:noFill/>
+          </a:ln>
+        </p:spPr>
+        <p:style>
+          <a:lnRef idx="2">
+            <a:schemeClr val="accent1">
+              <a:shade val="50000"/>
+            </a:schemeClr>
+          </a:lnRef>
+          <a:fillRef idx="1">
+            <a:schemeClr val="accent1"/>
+          </a:fillRef>
+          <a:effectRef idx="0">
+            <a:schemeClr val="accent1"/>
+          </a:effectRef>
+          <a:fontRef idx="minor">
+            <a:schemeClr val="lt1"/>
+          </a:fontRef>
+        </p:style>
+        <p:txBody>
+          <a:bodyPr rtlCol="0" anchor="ctr"/>
+          <a:lstStyle/>
+          <a:p>
+            <a:pPr marL="0" marR="0" lvl="0" indent="0" algn="ctr" defTabSz="914400" rtl="0" eaLnBrk="1" fontAlgn="auto" latinLnBrk="0" hangingPunct="1">
+              <a:lnSpc>
+                <a:spcPct val="100000"/>
+              </a:lnSpc>
+              <a:spcBef>
+                <a:spcPts val="0"/>
+              </a:spcBef>
+              <a:spcAft>
+                <a:spcPts val="0"/>
+              </a:spcAft>
+              <a:buClrTx/>
+              <a:buSzTx/>
+              <a:buFontTx/>
+              <a:buNone/>
+              <a:tabLst/>
+              <a:defRPr/>
+            </a:pPr>
+            <a:endParaRPr kumimoji="0" lang="en-US" sz="1800" b="0" i="0" u="none" strike="noStrike" kern="1200" cap="none" spc="0" normalizeH="0" baseline="0" noProof="0">
+              <a:ln>
+                <a:noFill/>
+              </a:ln>
+              <a:solidFill>
+                <a:prstClr val="white"/>
+              </a:solidFill>
+              <a:effectLst/>
+              <a:uLnTx/>
+              <a:uFillTx/>
+              <a:latin typeface="Calibri" panose="020F0502020204030204"/>
+              <a:ea typeface="+mn-ea"/>
+              <a:cs typeface="+mn-cs"/>
+            </a:endParaRPr>
+          </a:p>
+        </p:txBody>
+      </p:sp>
+      <p:sp>
+        <p:nvSpPr>
+          <p:cNvPr id="23" name="Rectangle 22">
+            <a:extLst>
+              <a:ext uri="{FF2B5EF4-FFF2-40B4-BE49-F238E27FC236}">
+                <a16:creationId xmlns:a16="http://schemas.microsoft.com/office/drawing/2014/main" id="{7C0B334E-66E0-442A-8306-19629EC2DC59}"/>
+              </a:ext>
+              <a:ext uri="{C183D7F6-B498-43B3-948B-1728B52AA6E4}">
+                <adec:decorative xmlns:adec="http://schemas.microsoft.com/office/drawing/2017/decorative" val="1"/>
+              </a:ext>
+            </a:extLst>
+          </p:cNvPr>
+          <p:cNvSpPr>
+            <a:spLocks noGrp="1" noRot="1" noChangeAspect="1" noMove="1" noResize="1" noEditPoints="1" noAdjustHandles="1" noChangeArrowheads="1" noChangeShapeType="1" noTextEdit="1"/>
+          </p:cNvSpPr>
+          <p:nvPr>
+            <p:extLst>
+              <p:ext uri="{386F3935-93C4-4BCD-93E2-E3B085C9AB24}">
+                <p16:designElem xmlns:p16="http://schemas.microsoft.com/office/powerpoint/2015/main" val="1"/>
+              </p:ext>
+            </p:extLst>
+          </p:nvPr>
+        </p:nvSpPr>
+        <p:spPr>
+          <a:xfrm>
+            <a:off x="438912" y="4544568"/>
+            <a:ext cx="3414966" cy="18288"/>
+          </a:xfrm>
+          <a:prstGeom prst="rect">
+            <a:avLst/>
+          </a:prstGeom>
+          <a:solidFill>
+            <a:srgbClr val="D5D5D5"/>
+          </a:solidFill>
+          <a:ln w="3175">
+            <a:noFill/>
+          </a:ln>
+          <a:effectLst/>
+        </p:spPr>
+        <p:style>
+          <a:lnRef idx="2">
+            <a:schemeClr val="accent1">
+              <a:shade val="50000"/>
+            </a:schemeClr>
+          </a:lnRef>
+          <a:fillRef idx="1">
+            <a:schemeClr val="accent1"/>
+          </a:fillRef>
+          <a:effectRef idx="0">
+            <a:schemeClr val="accent1"/>
+          </a:effectRef>
+          <a:fontRef idx="minor">
+            <a:schemeClr val="lt1"/>
+          </a:fontRef>
+        </p:style>
+        <p:txBody>
+          <a:bodyPr rtlCol="0" anchor="ctr"/>
+          <a:lstStyle/>
+          <a:p>
+            <a:pPr marL="0" marR="0" lvl="0" indent="0" algn="ctr" defTabSz="914400" rtl="0" eaLnBrk="1" fontAlgn="auto" latinLnBrk="0" hangingPunct="1">
+              <a:lnSpc>
+                <a:spcPct val="100000"/>
+              </a:lnSpc>
+              <a:spcBef>
+                <a:spcPts val="0"/>
+              </a:spcBef>
+              <a:spcAft>
+                <a:spcPts val="0"/>
+              </a:spcAft>
+              <a:buClrTx/>
+              <a:buSzTx/>
+              <a:buFontTx/>
+              <a:buNone/>
+              <a:tabLst/>
+              <a:defRPr/>
+            </a:pPr>
+            <a:endParaRPr kumimoji="0" lang="en-US" sz="1800" b="0" i="0" u="none" strike="noStrike" kern="1200" cap="none" spc="0" normalizeH="0" baseline="0" noProof="0">
+              <a:ln>
+                <a:noFill/>
+              </a:ln>
+              <a:solidFill>
+                <a:prstClr val="white"/>
+              </a:solidFill>
+              <a:effectLst/>
+              <a:uLnTx/>
+              <a:uFillTx/>
+              <a:latin typeface="Calibri" panose="020F0502020204030204"/>
+              <a:ea typeface="+mn-ea"/>
+              <a:cs typeface="+mn-cs"/>
+            </a:endParaRPr>
+          </a:p>
+        </p:txBody>
+      </p:sp>
+      <p:pic>
+        <p:nvPicPr>
+          <p:cNvPr id="6" name="Picture 5" descr="Chart, line chart&#10;&#10;Description automatically generated">
+            <a:extLst>
+              <a:ext uri="{FF2B5EF4-FFF2-40B4-BE49-F238E27FC236}">
+                <a16:creationId xmlns:a16="http://schemas.microsoft.com/office/drawing/2014/main" id="{BD61F735-994B-BB4E-8016-110437D836F8}"/>
+              </a:ext>
+            </a:extLst>
+          </p:cNvPr>
+          <p:cNvPicPr>
+            <a:picLocks noChangeAspect="1"/>
+          </p:cNvPicPr>
+          <p:nvPr/>
+        </p:nvPicPr>
+        <p:blipFill>
+          <a:blip r:embed="rId3"/>
+          <a:stretch>
+            <a:fillRect/>
+          </a:stretch>
+        </p:blipFill>
+        <p:spPr>
+          <a:xfrm>
+            <a:off x="1575861" y="-18297"/>
+            <a:ext cx="4966703" cy="3311135"/>
+          </a:xfrm>
+          <a:prstGeom prst="rect">
+            <a:avLst/>
+          </a:prstGeom>
+        </p:spPr>
+      </p:pic>
+      <p:pic>
+        <p:nvPicPr>
+          <p:cNvPr id="8" name="Picture 7" descr="Chart, line chart&#10;&#10;Description automatically generated">
+            <a:extLst>
+              <a:ext uri="{FF2B5EF4-FFF2-40B4-BE49-F238E27FC236}">
+                <a16:creationId xmlns:a16="http://schemas.microsoft.com/office/drawing/2014/main" id="{C7BB8322-C7AA-444D-958B-2B2826A9C45A}"/>
+              </a:ext>
+            </a:extLst>
+          </p:cNvPr>
+          <p:cNvPicPr>
+            <a:picLocks noChangeAspect="1"/>
+          </p:cNvPicPr>
+          <p:nvPr/>
+        </p:nvPicPr>
+        <p:blipFill>
+          <a:blip r:embed="rId4"/>
+          <a:stretch>
+            <a:fillRect/>
+          </a:stretch>
+        </p:blipFill>
+        <p:spPr>
+          <a:xfrm>
+            <a:off x="195547" y="3311135"/>
+            <a:ext cx="5292852" cy="3528568"/>
+          </a:xfrm>
+          <a:prstGeom prst="rect">
+            <a:avLst/>
+          </a:prstGeom>
+        </p:spPr>
+      </p:pic>
+      <p:pic>
+        <p:nvPicPr>
+          <p:cNvPr id="4" name="Picture 3" descr="A truck is parked on the side of a road&#10;&#10;Description automatically generated">
+            <a:extLst>
+              <a:ext uri="{FF2B5EF4-FFF2-40B4-BE49-F238E27FC236}">
+                <a16:creationId xmlns:a16="http://schemas.microsoft.com/office/drawing/2014/main" id="{E9E5EDD3-E1F7-CB4E-A41A-6FE0BEA1DAD2}"/>
+              </a:ext>
+            </a:extLst>
+          </p:cNvPr>
+          <p:cNvPicPr>
+            <a:picLocks noChangeAspect="1"/>
+          </p:cNvPicPr>
+          <p:nvPr/>
+        </p:nvPicPr>
+        <p:blipFill rotWithShape="1">
+          <a:blip r:embed="rId5">
+            <a:extLst>
+              <a:ext uri="{837473B0-CC2E-450A-ABE3-18F120FF3D39}">
+                <a1611:picAttrSrcUrl xmlns:a1611="http://schemas.microsoft.com/office/drawing/2016/11/main" r:id="rId6"/>
+              </a:ext>
+            </a:extLst>
+          </a:blip>
+          <a:srcRect l="18877" r="38706"/>
+          <a:stretch/>
+        </p:blipFill>
+        <p:spPr>
+          <a:xfrm>
+            <a:off x="7794866" y="18307"/>
+            <a:ext cx="4374417" cy="6857990"/>
+          </a:xfrm>
+          <a:custGeom>
+            <a:avLst/>
+            <a:gdLst/>
+            <a:ahLst/>
+            <a:cxnLst/>
+            <a:rect l="l" t="t" r="r" b="b"/>
+            <a:pathLst>
+              <a:path w="4374417" h="6858000">
+                <a:moveTo>
+                  <a:pt x="22719" y="0"/>
+                </a:moveTo>
+                <a:lnTo>
+                  <a:pt x="4374417" y="0"/>
+                </a:lnTo>
+                <a:lnTo>
+                  <a:pt x="4374417" y="6858000"/>
+                </a:lnTo>
+                <a:lnTo>
+                  <a:pt x="0" y="6858000"/>
+                </a:lnTo>
+                <a:lnTo>
+                  <a:pt x="6670" y="6845555"/>
+                </a:lnTo>
+                <a:cubicBezTo>
+                  <a:pt x="495881" y="5886487"/>
+                  <a:pt x="785588" y="4695963"/>
+                  <a:pt x="785588" y="3406233"/>
+                </a:cubicBezTo>
+                <a:cubicBezTo>
+                  <a:pt x="785588" y="2215714"/>
+                  <a:pt x="538737" y="1109724"/>
+                  <a:pt x="115983" y="192283"/>
+                </a:cubicBezTo>
+                <a:close/>
+              </a:path>
+            </a:pathLst>
+          </a:custGeom>
         </p:spPr>
       </p:pic>
     </p:spTree>
@@ -5134,7 +5877,7 @@
 </p:sld>
 </file>
 
-<file path=ppt/slides/slide11.xml><?xml version="1.0" encoding="utf-8"?>
+<file path=ppt/slides/slide12.xml><?xml version="1.0" encoding="utf-8"?>
 <p:sld xmlns:a="http://schemas.openxmlformats.org/drawingml/2006/main" xmlns:r="http://schemas.openxmlformats.org/officeDocument/2006/relationships" xmlns:p="http://schemas.openxmlformats.org/presentationml/2006/main">
   <p:cSld>
     <p:spTree>
@@ -5153,7 +5896,7 @@
       </p:grpSpPr>
       <p:pic>
         <p:nvPicPr>
-          <p:cNvPr id="1028" name="Picture 4" descr="A distressed Red Angus cow appears wet at a market.">
+          <p:cNvPr id="1028" name="Picture 4">
             <a:extLst>
               <a:ext uri="{FF2B5EF4-FFF2-40B4-BE49-F238E27FC236}">
                 <a16:creationId xmlns:a16="http://schemas.microsoft.com/office/drawing/2014/main" id="{B6A6BB38-6401-0F48-BD4D-DA6E6CEF599D}"/>
@@ -5167,21 +5910,19 @@
         </p:nvPicPr>
         <p:blipFill>
           <a:blip r:embed="rId3">
-            <a:alphaModFix amt="66000"/>
+            <a:alphaModFix amt="72000"/>
             <a:extLst>
-              <a:ext uri="{28A0092B-C50C-407E-A947-70E740481C1C}">
-                <a14:useLocalDpi xmlns:a14="http://schemas.microsoft.com/office/drawing/2010/main" val="0"/>
+              <a:ext uri="{837473B0-CC2E-450A-ABE3-18F120FF3D39}">
+                <a1611:picAttrSrcUrl xmlns:a1611="http://schemas.microsoft.com/office/drawing/2016/11/main" r:id="rId4"/>
               </a:ext>
             </a:extLst>
           </a:blip>
           <a:srcRect/>
-          <a:stretch>
-            <a:fillRect/>
-          </a:stretch>
+          <a:stretch/>
         </p:blipFill>
         <p:spPr bwMode="auto">
           <a:xfrm>
-            <a:off x="0" y="0"/>
+            <a:off x="0" y="10431"/>
             <a:ext cx="12192000" cy="6858000"/>
           </a:xfrm>
           <a:prstGeom prst="rect">
@@ -5329,14 +6070,11 @@
           <a:p>
             <a:r>
               <a:rPr lang="en-US" b="1" dirty="0">
-                <a:solidFill>
-                  <a:schemeClr val="bg1"/>
-                </a:solidFill>
                 <a:latin typeface="Tahoma" panose="020B0604030504040204" pitchFamily="34" charset="0"/>
                 <a:ea typeface="Tahoma" panose="020B0604030504040204" pitchFamily="34" charset="0"/>
                 <a:cs typeface="Tahoma" panose="020B0604030504040204" pitchFamily="34" charset="0"/>
               </a:rPr>
-              <a:t>Meat Trends</a:t>
+              <a:t>Unexpected Meat Trends</a:t>
             </a:r>
           </a:p>
         </p:txBody>
@@ -5356,7 +6094,7 @@
           <p:nvPr/>
         </p:nvPicPr>
         <p:blipFill>
-          <a:blip r:embed="rId4"/>
+          <a:blip r:embed="rId5"/>
           <a:stretch>
             <a:fillRect/>
           </a:stretch>
@@ -5386,7 +6124,7 @@
           <p:nvPr/>
         </p:nvPicPr>
         <p:blipFill>
-          <a:blip r:embed="rId5"/>
+          <a:blip r:embed="rId6"/>
           <a:stretch>
             <a:fillRect/>
           </a:stretch>
@@ -5401,6 +6139,54 @@
           </a:prstGeom>
         </p:spPr>
       </p:pic>
+      <p:sp>
+        <p:nvSpPr>
+          <p:cNvPr id="3" name="TextBox 2">
+            <a:extLst>
+              <a:ext uri="{FF2B5EF4-FFF2-40B4-BE49-F238E27FC236}">
+                <a16:creationId xmlns:a16="http://schemas.microsoft.com/office/drawing/2014/main" id="{1D58A3F4-FC95-A943-867B-1D744B5A44B3}"/>
+              </a:ext>
+            </a:extLst>
+          </p:cNvPr>
+          <p:cNvSpPr txBox="1"/>
+          <p:nvPr/>
+        </p:nvSpPr>
+        <p:spPr>
+          <a:xfrm>
+            <a:off x="796637" y="6858000"/>
+            <a:ext cx="10598727" cy="230832"/>
+          </a:xfrm>
+          <a:prstGeom prst="rect">
+            <a:avLst/>
+          </a:prstGeom>
+          <a:noFill/>
+        </p:spPr>
+        <p:txBody>
+          <a:bodyPr wrap="square" rtlCol="0">
+            <a:spAutoFit/>
+          </a:bodyPr>
+          <a:lstStyle/>
+          <a:p>
+            <a:r>
+              <a:rPr lang="en-US" sz="900">
+                <a:hlinkClick r:id="rId4" tooltip="http://capreform.eu/the-uk-milk-crisis-fact-or-fiction/"/>
+              </a:rPr>
+              <a:t>This Photo</a:t>
+            </a:r>
+            <a:r>
+              <a:rPr lang="en-US" sz="900"/>
+              <a:t> by Unknown Author is licensed under </a:t>
+            </a:r>
+            <a:r>
+              <a:rPr lang="en-US" sz="900">
+                <a:hlinkClick r:id="rId7" tooltip="https://creativecommons.org/licenses/by-sa/3.0/"/>
+              </a:rPr>
+              <a:t>CC BY-SA</a:t>
+            </a:r>
+            <a:endParaRPr lang="en-US" sz="900"/>
+          </a:p>
+        </p:txBody>
+      </p:sp>
     </p:spTree>
     <p:extLst>
       <p:ext uri="{BB962C8B-B14F-4D97-AF65-F5344CB8AC3E}">
@@ -5414,9 +6200,17 @@
 </p:sld>
 </file>
 
-<file path=ppt/slides/slide12.xml><?xml version="1.0" encoding="utf-8"?>
+<file path=ppt/slides/slide13.xml><?xml version="1.0" encoding="utf-8"?>
 <p:sld xmlns:a="http://schemas.openxmlformats.org/drawingml/2006/main" xmlns:r="http://schemas.openxmlformats.org/officeDocument/2006/relationships" xmlns:p="http://schemas.openxmlformats.org/presentationml/2006/main">
   <p:cSld>
+    <p:bg>
+      <p:bgPr>
+        <a:solidFill>
+          <a:schemeClr val="bg1"/>
+        </a:solidFill>
+        <a:effectLst/>
+      </p:bgPr>
+    </p:bg>
     <p:spTree>
       <p:nvGrpSpPr>
         <p:cNvPr id="1" name=""/>
@@ -5431,12 +6225,276 @@
           <a:chExt cx="0" cy="0"/>
         </a:xfrm>
       </p:grpSpPr>
+      <p:sp useBgFill="1">
+        <p:nvSpPr>
+          <p:cNvPr id="37" name="Rectangle 22">
+            <a:extLst>
+              <a:ext uri="{FF2B5EF4-FFF2-40B4-BE49-F238E27FC236}">
+                <a16:creationId xmlns:a16="http://schemas.microsoft.com/office/drawing/2014/main" id="{D2B783EE-0239-4717-BBEA-8C9EAC61C824}"/>
+              </a:ext>
+              <a:ext uri="{C183D7F6-B498-43B3-948B-1728B52AA6E4}">
+                <adec:decorative xmlns:adec="http://schemas.microsoft.com/office/drawing/2017/decorative" val="1"/>
+              </a:ext>
+            </a:extLst>
+          </p:cNvPr>
+          <p:cNvSpPr>
+            <a:spLocks noGrp="1" noRot="1" noChangeAspect="1" noMove="1" noResize="1" noEditPoints="1" noAdjustHandles="1" noChangeArrowheads="1" noChangeShapeType="1" noTextEdit="1"/>
+          </p:cNvSpPr>
+          <p:nvPr>
+            <p:extLst>
+              <p:ext uri="{386F3935-93C4-4BCD-93E2-E3B085C9AB24}">
+                <p16:designElem xmlns:p16="http://schemas.microsoft.com/office/powerpoint/2015/main" val="1"/>
+              </p:ext>
+            </p:extLst>
+          </p:nvPr>
+        </p:nvSpPr>
+        <p:spPr>
+          <a:xfrm>
+            <a:off x="0" y="0"/>
+            <a:ext cx="12192000" cy="6858000"/>
+          </a:xfrm>
+          <a:prstGeom prst="rect">
+            <a:avLst/>
+          </a:prstGeom>
+          <a:ln>
+            <a:noFill/>
+          </a:ln>
+        </p:spPr>
+        <p:style>
+          <a:lnRef idx="2">
+            <a:schemeClr val="accent1">
+              <a:shade val="50000"/>
+            </a:schemeClr>
+          </a:lnRef>
+          <a:fillRef idx="1">
+            <a:schemeClr val="accent1"/>
+          </a:fillRef>
+          <a:effectRef idx="0">
+            <a:schemeClr val="accent1"/>
+          </a:effectRef>
+          <a:fontRef idx="minor">
+            <a:schemeClr val="lt1"/>
+          </a:fontRef>
+        </p:style>
+        <p:txBody>
+          <a:bodyPr rtlCol="0" anchor="ctr"/>
+          <a:lstStyle/>
+          <a:p>
+            <a:pPr algn="ctr"/>
+            <a:endParaRPr lang="en-US"/>
+          </a:p>
+        </p:txBody>
+      </p:sp>
+      <p:sp>
+        <p:nvSpPr>
+          <p:cNvPr id="2" name="Title 1">
+            <a:extLst>
+              <a:ext uri="{FF2B5EF4-FFF2-40B4-BE49-F238E27FC236}">
+                <a16:creationId xmlns:a16="http://schemas.microsoft.com/office/drawing/2014/main" id="{E179AB7D-E961-0A44-8D15-CDF3FFEB1457}"/>
+              </a:ext>
+            </a:extLst>
+          </p:cNvPr>
+          <p:cNvSpPr>
+            <a:spLocks noGrp="1"/>
+          </p:cNvSpPr>
+          <p:nvPr>
+            <p:ph type="title"/>
+          </p:nvPr>
+        </p:nvSpPr>
+        <p:spPr>
+          <a:xfrm>
+            <a:off x="809833" y="960954"/>
+            <a:ext cx="5120561" cy="1325563"/>
+          </a:xfrm>
+        </p:spPr>
+        <p:txBody>
+          <a:bodyPr>
+            <a:normAutofit fontScale="90000"/>
+          </a:bodyPr>
+          <a:lstStyle/>
+          <a:p>
+            <a:r>
+              <a:rPr lang="en-US" b="1" dirty="0">
+                <a:latin typeface="Tahoma" panose="020B0604030504040204" pitchFamily="34" charset="0"/>
+                <a:ea typeface="Tahoma" panose="020B0604030504040204" pitchFamily="34" charset="0"/>
+                <a:cs typeface="Tahoma" panose="020B0604030504040204" pitchFamily="34" charset="0"/>
+              </a:rPr>
+              <a:t>Overcoming data analysis obstacles</a:t>
+            </a:r>
+          </a:p>
+        </p:txBody>
+      </p:sp>
+      <p:sp>
+        <p:nvSpPr>
+          <p:cNvPr id="3" name="Content Placeholder 2">
+            <a:extLst>
+              <a:ext uri="{FF2B5EF4-FFF2-40B4-BE49-F238E27FC236}">
+                <a16:creationId xmlns:a16="http://schemas.microsoft.com/office/drawing/2014/main" id="{17E6A709-CB55-7B4B-903A-745757F78342}"/>
+              </a:ext>
+            </a:extLst>
+          </p:cNvPr>
+          <p:cNvSpPr>
+            <a:spLocks noGrp="1"/>
+          </p:cNvSpPr>
+          <p:nvPr>
+            <p:ph idx="1"/>
+          </p:nvPr>
+        </p:nvSpPr>
+        <p:spPr>
+          <a:xfrm>
+            <a:off x="1254299" y="3065866"/>
+            <a:ext cx="5092194" cy="2206082"/>
+          </a:xfrm>
+        </p:spPr>
+        <p:txBody>
+          <a:bodyPr>
+            <a:normAutofit/>
+          </a:bodyPr>
+          <a:lstStyle/>
+          <a:p>
+            <a:r>
+              <a:rPr lang="en-US" sz="2400" dirty="0">
+                <a:latin typeface="Tahoma" panose="020B0604030504040204" pitchFamily="34" charset="0"/>
+                <a:ea typeface="Tahoma" panose="020B0604030504040204" pitchFamily="34" charset="0"/>
+                <a:cs typeface="Tahoma" panose="020B0604030504040204" pitchFamily="34" charset="0"/>
+              </a:rPr>
+              <a:t>Working with BEA’s output</a:t>
+            </a:r>
+          </a:p>
+          <a:p>
+            <a:r>
+              <a:rPr lang="en-US" sz="2400" dirty="0">
+                <a:latin typeface="Tahoma" panose="020B0604030504040204" pitchFamily="34" charset="0"/>
+                <a:ea typeface="Tahoma" panose="020B0604030504040204" pitchFamily="34" charset="0"/>
+                <a:cs typeface="Tahoma" panose="020B0604030504040204" pitchFamily="34" charset="0"/>
+              </a:rPr>
+              <a:t>Vague category descriptions</a:t>
+            </a:r>
+          </a:p>
+          <a:p>
+            <a:r>
+              <a:rPr lang="en-US" sz="2400" dirty="0">
+                <a:latin typeface="Tahoma" panose="020B0604030504040204" pitchFamily="34" charset="0"/>
+                <a:ea typeface="Tahoma" panose="020B0604030504040204" pitchFamily="34" charset="0"/>
+                <a:cs typeface="Tahoma" panose="020B0604030504040204" pitchFamily="34" charset="0"/>
+              </a:rPr>
+              <a:t>Narrowing the scope</a:t>
+            </a:r>
+          </a:p>
+          <a:p>
+            <a:r>
+              <a:rPr lang="en-US" sz="2400" dirty="0">
+                <a:latin typeface="Tahoma" panose="020B0604030504040204" pitchFamily="34" charset="0"/>
+                <a:ea typeface="Tahoma" panose="020B0604030504040204" pitchFamily="34" charset="0"/>
+                <a:cs typeface="Tahoma" panose="020B0604030504040204" pitchFamily="34" charset="0"/>
+              </a:rPr>
+              <a:t>Output</a:t>
+            </a:r>
+            <a:endParaRPr lang="en-US" sz="2400" dirty="0"/>
+          </a:p>
+          <a:p>
+            <a:endParaRPr lang="en-US" sz="2400" dirty="0"/>
+          </a:p>
+        </p:txBody>
+      </p:sp>
+      <p:sp>
+        <p:nvSpPr>
+          <p:cNvPr id="38" name="Oval 24">
+            <a:extLst>
+              <a:ext uri="{FF2B5EF4-FFF2-40B4-BE49-F238E27FC236}">
+                <a16:creationId xmlns:a16="http://schemas.microsoft.com/office/drawing/2014/main" id="{A7B99495-F43F-4D80-A44F-2CB4764EB90B}"/>
+              </a:ext>
+              <a:ext uri="{C183D7F6-B498-43B3-948B-1728B52AA6E4}">
+                <adec:decorative xmlns:adec="http://schemas.microsoft.com/office/drawing/2017/decorative" val="1"/>
+              </a:ext>
+            </a:extLst>
+          </p:cNvPr>
+          <p:cNvSpPr>
+            <a:spLocks noGrp="1" noRot="1" noChangeAspect="1" noMove="1" noResize="1" noEditPoints="1" noAdjustHandles="1" noChangeArrowheads="1" noChangeShapeType="1" noTextEdit="1"/>
+          </p:cNvSpPr>
+          <p:nvPr>
+            <p:extLst>
+              <p:ext uri="{386F3935-93C4-4BCD-93E2-E3B085C9AB24}">
+                <p16:designElem xmlns:p16="http://schemas.microsoft.com/office/powerpoint/2015/main" val="1"/>
+              </p:ext>
+            </p:extLst>
+          </p:nvPr>
+        </p:nvSpPr>
+        <p:spPr>
+          <a:xfrm>
+            <a:off x="10420569" y="1364732"/>
+            <a:ext cx="947488" cy="921785"/>
+          </a:xfrm>
+          <a:prstGeom prst="ellipse">
+            <a:avLst/>
+          </a:prstGeom>
+          <a:solidFill>
+            <a:schemeClr val="accent2"/>
+          </a:solidFill>
+          <a:ln>
+            <a:noFill/>
+          </a:ln>
+        </p:spPr>
+        <p:style>
+          <a:lnRef idx="2">
+            <a:schemeClr val="accent1">
+              <a:shade val="50000"/>
+            </a:schemeClr>
+          </a:lnRef>
+          <a:fillRef idx="1">
+            <a:schemeClr val="accent1"/>
+          </a:fillRef>
+          <a:effectRef idx="0">
+            <a:schemeClr val="accent1"/>
+          </a:effectRef>
+          <a:fontRef idx="minor">
+            <a:schemeClr val="lt1"/>
+          </a:fontRef>
+        </p:style>
+        <p:txBody>
+          <a:bodyPr rtlCol="0" anchor="ctr"/>
+          <a:lstStyle/>
+          <a:p>
+            <a:pPr marL="0" marR="0" lvl="0" indent="0" algn="ctr" defTabSz="914400" rtl="0" eaLnBrk="1" fontAlgn="auto" latinLnBrk="0" hangingPunct="1">
+              <a:lnSpc>
+                <a:spcPct val="100000"/>
+              </a:lnSpc>
+              <a:spcBef>
+                <a:spcPts val="0"/>
+              </a:spcBef>
+              <a:spcAft>
+                <a:spcPts val="0"/>
+              </a:spcAft>
+              <a:buClrTx/>
+              <a:buSzTx/>
+              <a:buFontTx/>
+              <a:buNone/>
+              <a:tabLst/>
+              <a:defRPr/>
+            </a:pPr>
+            <a:endParaRPr kumimoji="0" lang="en-US" sz="1800" b="0" i="0" u="none" strike="noStrike" kern="1200" cap="none" spc="0" normalizeH="0" baseline="0" noProof="0">
+              <a:ln>
+                <a:noFill/>
+              </a:ln>
+              <a:solidFill>
+                <a:srgbClr val="FFFFFF"/>
+              </a:solidFill>
+              <a:effectLst/>
+              <a:uLnTx/>
+              <a:uFillTx/>
+              <a:latin typeface="Calibri" panose="020F0502020204030204"/>
+              <a:ea typeface="+mn-ea"/>
+              <a:cs typeface="+mn-cs"/>
+            </a:endParaRPr>
+          </a:p>
+        </p:txBody>
+      </p:sp>
       <p:pic>
         <p:nvPicPr>
-          <p:cNvPr id="4" name="Picture 3" descr="Chart, line chart&#10;&#10;Description automatically generated">
+          <p:cNvPr id="8" name="Picture 7" descr="Icon&#10;&#10;Description automatically generated">
             <a:extLst>
               <a:ext uri="{FF2B5EF4-FFF2-40B4-BE49-F238E27FC236}">
-                <a16:creationId xmlns:a16="http://schemas.microsoft.com/office/drawing/2014/main" id="{8C144C18-08D7-1B4E-A90A-7C06944C5261}"/>
+                <a16:creationId xmlns:a16="http://schemas.microsoft.com/office/drawing/2014/main" id="{2201CEF0-C4D8-F54B-BBB8-B68435F5EAF9}"/>
               </a:ext>
             </a:extLst>
           </p:cNvPr>
@@ -5445,28 +6503,136 @@
           </p:cNvPicPr>
           <p:nvPr/>
         </p:nvPicPr>
-        <p:blipFill>
-          <a:blip r:embed="rId3"/>
-          <a:stretch>
-            <a:fillRect/>
-          </a:stretch>
+        <p:blipFill rotWithShape="1">
+          <a:blip r:embed="rId3">
+            <a:extLst>
+              <a:ext uri="{837473B0-CC2E-450A-ABE3-18F120FF3D39}">
+                <a1611:picAttrSrcUrl xmlns:a1611="http://schemas.microsoft.com/office/drawing/2016/11/main" r:id="rId4"/>
+              </a:ext>
+            </a:extLst>
+          </a:blip>
+          <a:srcRect t="3248" r="1" b="493"/>
+          <a:stretch/>
         </p:blipFill>
         <p:spPr>
           <a:xfrm>
-            <a:off x="6434056" y="2011107"/>
-            <a:ext cx="5486400" cy="3657600"/>
+            <a:off x="7901259" y="2727729"/>
+            <a:ext cx="4290741" cy="4130271"/>
           </a:xfrm>
-          <a:prstGeom prst="rect">
+          <a:custGeom>
             <a:avLst/>
-          </a:prstGeom>
+            <a:gdLst/>
+            <a:ahLst/>
+            <a:cxnLst/>
+            <a:rect l="l" t="t" r="r" b="b"/>
+            <a:pathLst>
+              <a:path w="4290741" h="4130271">
+                <a:moveTo>
+                  <a:pt x="2503809" y="0"/>
+                </a:moveTo>
+                <a:cubicBezTo>
+                  <a:pt x="3157405" y="0"/>
+                  <a:pt x="3752509" y="250434"/>
+                  <a:pt x="4198398" y="660580"/>
+                </a:cubicBezTo>
+                <a:lnTo>
+                  <a:pt x="4290741" y="751286"/>
+                </a:lnTo>
+                <a:lnTo>
+                  <a:pt x="4290741" y="4130271"/>
+                </a:lnTo>
+                <a:lnTo>
+                  <a:pt x="604508" y="4130271"/>
+                </a:lnTo>
+                <a:lnTo>
+                  <a:pt x="461940" y="3953232"/>
+                </a:lnTo>
+                <a:cubicBezTo>
+                  <a:pt x="171051" y="3544183"/>
+                  <a:pt x="0" y="3043971"/>
+                  <a:pt x="0" y="2503809"/>
+                </a:cubicBezTo>
+                <a:cubicBezTo>
+                  <a:pt x="0" y="1120992"/>
+                  <a:pt x="1120992" y="0"/>
+                  <a:pt x="2503809" y="0"/>
+                </a:cubicBezTo>
+                <a:close/>
+              </a:path>
+            </a:pathLst>
+          </a:custGeom>
         </p:spPr>
       </p:pic>
+      <p:sp>
+        <p:nvSpPr>
+          <p:cNvPr id="39" name="Arc 26">
+            <a:extLst>
+              <a:ext uri="{FF2B5EF4-FFF2-40B4-BE49-F238E27FC236}">
+                <a16:creationId xmlns:a16="http://schemas.microsoft.com/office/drawing/2014/main" id="{70BEB1E7-2F88-40BC-B73D-42E5B6F80BFC}"/>
+              </a:ext>
+              <a:ext uri="{C183D7F6-B498-43B3-948B-1728B52AA6E4}">
+                <adec:decorative xmlns:adec="http://schemas.microsoft.com/office/drawing/2017/decorative" val="1"/>
+              </a:ext>
+            </a:extLst>
+          </p:cNvPr>
+          <p:cNvSpPr>
+            <a:spLocks noGrp="1" noRot="1" noChangeAspect="1" noMove="1" noResize="1" noEditPoints="1" noAdjustHandles="1" noChangeArrowheads="1" noChangeShapeType="1" noTextEdit="1"/>
+          </p:cNvSpPr>
+          <p:nvPr>
+            <p:extLst>
+              <p:ext uri="{386F3935-93C4-4BCD-93E2-E3B085C9AB24}">
+                <p16:designElem xmlns:p16="http://schemas.microsoft.com/office/powerpoint/2015/main" val="1"/>
+              </p:ext>
+            </p:extLst>
+          </p:nvPr>
+        </p:nvSpPr>
+        <p:spPr>
+          <a:xfrm rot="4759070" flipV="1">
+            <a:off x="6034138" y="-673140"/>
+            <a:ext cx="4021193" cy="4021193"/>
+          </a:xfrm>
+          <a:prstGeom prst="arc">
+            <a:avLst>
+              <a:gd name="adj1" fmla="val 16200000"/>
+              <a:gd name="adj2" fmla="val 20093138"/>
+            </a:avLst>
+          </a:prstGeom>
+          <a:ln w="127000" cap="rnd">
+            <a:solidFill>
+              <a:schemeClr val="accent4"/>
+            </a:solidFill>
+            <a:prstDash val="dash"/>
+          </a:ln>
+        </p:spPr>
+        <p:style>
+          <a:lnRef idx="1">
+            <a:schemeClr val="accent1"/>
+          </a:lnRef>
+          <a:fillRef idx="0">
+            <a:schemeClr val="accent1"/>
+          </a:fillRef>
+          <a:effectRef idx="0">
+            <a:schemeClr val="accent1"/>
+          </a:effectRef>
+          <a:fontRef idx="minor">
+            <a:schemeClr val="tx1"/>
+          </a:fontRef>
+        </p:style>
+        <p:txBody>
+          <a:bodyPr rtlCol="0" anchor="ctr"/>
+          <a:lstStyle/>
+          <a:p>
+            <a:pPr algn="ctr"/>
+            <a:endParaRPr lang="en-US" dirty="0"/>
+          </a:p>
+        </p:txBody>
+      </p:sp>
       <p:pic>
         <p:nvPicPr>
-          <p:cNvPr id="5" name="Picture 4" descr="Chart, line chart&#10;&#10;Description automatically generated">
+          <p:cNvPr id="5" name="Picture 4">
             <a:extLst>
               <a:ext uri="{FF2B5EF4-FFF2-40B4-BE49-F238E27FC236}">
-                <a16:creationId xmlns:a16="http://schemas.microsoft.com/office/drawing/2014/main" id="{6C11B246-6B88-104B-A6A0-EC871CB60C67}"/>
+                <a16:creationId xmlns:a16="http://schemas.microsoft.com/office/drawing/2014/main" id="{35277213-2105-E64B-A794-8831D7237255}"/>
               </a:ext>
             </a:extLst>
           </p:cNvPr>
@@ -5475,216 +6641,224 @@
           </p:cNvPicPr>
           <p:nvPr/>
         </p:nvPicPr>
-        <p:blipFill>
-          <a:blip r:embed="rId4"/>
-          <a:stretch>
-            <a:fillRect/>
-          </a:stretch>
+        <p:blipFill rotWithShape="1">
+          <a:blip r:embed="rId5">
+            <a:extLst>
+              <a:ext uri="{837473B0-CC2E-450A-ABE3-18F120FF3D39}">
+                <a1611:picAttrSrcUrl xmlns:a1611="http://schemas.microsoft.com/office/drawing/2016/11/main" r:id="rId6"/>
+              </a:ext>
+            </a:extLst>
+          </a:blip>
+          <a:srcRect t="32400" b="507"/>
+          <a:stretch/>
         </p:blipFill>
         <p:spPr>
           <a:xfrm>
-            <a:off x="271544" y="1826675"/>
-            <a:ext cx="5486400" cy="3657600"/>
+            <a:off x="6261607" y="1"/>
+            <a:ext cx="3519312" cy="3007909"/>
+          </a:xfrm>
+          <a:custGeom>
+            <a:avLst/>
+            <a:gdLst/>
+            <a:ahLst/>
+            <a:cxnLst/>
+            <a:rect l="l" t="t" r="r" b="b"/>
+            <a:pathLst>
+              <a:path w="3519312" h="3007909">
+                <a:moveTo>
+                  <a:pt x="519780" y="0"/>
+                </a:moveTo>
+                <a:lnTo>
+                  <a:pt x="2999532" y="0"/>
+                </a:lnTo>
+                <a:lnTo>
+                  <a:pt x="3003921" y="3989"/>
+                </a:lnTo>
+                <a:cubicBezTo>
+                  <a:pt x="3322356" y="322424"/>
+                  <a:pt x="3519312" y="762338"/>
+                  <a:pt x="3519312" y="1248253"/>
+                </a:cubicBezTo>
+                <a:cubicBezTo>
+                  <a:pt x="3519312" y="2220084"/>
+                  <a:pt x="2731487" y="3007909"/>
+                  <a:pt x="1759656" y="3007909"/>
+                </a:cubicBezTo>
+                <a:cubicBezTo>
+                  <a:pt x="787826" y="3007909"/>
+                  <a:pt x="0" y="2220084"/>
+                  <a:pt x="0" y="1248253"/>
+                </a:cubicBezTo>
+                <a:cubicBezTo>
+                  <a:pt x="0" y="762338"/>
+                  <a:pt x="196957" y="322424"/>
+                  <a:pt x="515392" y="3989"/>
+                </a:cubicBezTo>
+                <a:close/>
+              </a:path>
+            </a:pathLst>
+          </a:custGeom>
+        </p:spPr>
+      </p:pic>
+      <p:sp>
+        <p:nvSpPr>
+          <p:cNvPr id="6" name="TextBox 5">
+            <a:extLst>
+              <a:ext uri="{FF2B5EF4-FFF2-40B4-BE49-F238E27FC236}">
+                <a16:creationId xmlns:a16="http://schemas.microsoft.com/office/drawing/2014/main" id="{7EC7B63D-77AC-5B4C-A66C-D4290CA2B3A6}"/>
+              </a:ext>
+            </a:extLst>
+          </p:cNvPr>
+          <p:cNvSpPr txBox="1"/>
+          <p:nvPr/>
+        </p:nvSpPr>
+        <p:spPr>
+          <a:xfrm>
+            <a:off x="7672618" y="6870700"/>
+            <a:ext cx="2186816" cy="200055"/>
           </a:xfrm>
           <a:prstGeom prst="rect">
             <a:avLst/>
           </a:prstGeom>
+          <a:solidFill>
+            <a:srgbClr val="000000"/>
+          </a:solidFill>
         </p:spPr>
-      </p:pic>
-      <p:sp>
-        <p:nvSpPr>
-          <p:cNvPr id="6" name="Title 1">
+        <p:txBody>
+          <a:bodyPr wrap="none" rtlCol="0">
+            <a:spAutoFit/>
+          </a:bodyPr>
+          <a:lstStyle/>
+          <a:p>
+            <a:pPr algn="r">
+              <a:spcAft>
+                <a:spcPts val="600"/>
+              </a:spcAft>
+            </a:pPr>
+            <a:r>
+              <a:rPr lang="en-US" sz="700">
+                <a:solidFill>
+                  <a:srgbClr val="FFFFFF"/>
+                </a:solidFill>
+                <a:hlinkClick r:id="rId6" tooltip="http://datablog.is.ed.ac.uk/2013/12/">
+                  <a:extLst>
+                    <a:ext uri="{A12FA001-AC4F-418D-AE19-62706E023703}">
+                      <ahyp:hlinkClr xmlns:ahyp="http://schemas.microsoft.com/office/drawing/2018/hyperlinkcolor" val="tx"/>
+                    </a:ext>
+                  </a:extLst>
+                </a:hlinkClick>
+              </a:rPr>
+              <a:t>This Photo</a:t>
+            </a:r>
+            <a:r>
+              <a:rPr lang="en-US" sz="700">
+                <a:solidFill>
+                  <a:srgbClr val="FFFFFF"/>
+                </a:solidFill>
+              </a:rPr>
+              <a:t> by Unknown Author is licensed under </a:t>
+            </a:r>
+            <a:r>
+              <a:rPr lang="en-US" sz="700">
+                <a:solidFill>
+                  <a:srgbClr val="FFFFFF"/>
+                </a:solidFill>
+                <a:hlinkClick r:id="rId7" tooltip="https://creativecommons.org/licenses/by/3.0/">
+                  <a:extLst>
+                    <a:ext uri="{A12FA001-AC4F-418D-AE19-62706E023703}">
+                      <ahyp:hlinkClr xmlns:ahyp="http://schemas.microsoft.com/office/drawing/2018/hyperlinkcolor" val="tx"/>
+                    </a:ext>
+                  </a:extLst>
+                </a:hlinkClick>
+              </a:rPr>
+              <a:t>CC BY</a:t>
+            </a:r>
+            <a:endParaRPr lang="en-US" sz="700">
+              <a:solidFill>
+                <a:srgbClr val="FFFFFF"/>
+              </a:solidFill>
+            </a:endParaRPr>
+          </a:p>
+        </p:txBody>
+      </p:sp>
+      <p:sp>
+        <p:nvSpPr>
+          <p:cNvPr id="9" name="TextBox 8">
             <a:extLst>
               <a:ext uri="{FF2B5EF4-FFF2-40B4-BE49-F238E27FC236}">
-                <a16:creationId xmlns:a16="http://schemas.microsoft.com/office/drawing/2014/main" id="{E2E6D634-6E28-9E48-9EC0-F49DDBAA7591}"/>
+                <a16:creationId xmlns:a16="http://schemas.microsoft.com/office/drawing/2014/main" id="{579A6517-7D27-2A40-98F8-1955415908F8}"/>
               </a:ext>
             </a:extLst>
           </p:cNvPr>
-          <p:cNvSpPr>
-            <a:spLocks noGrp="1"/>
-          </p:cNvSpPr>
-          <p:nvPr>
-            <p:ph type="title"/>
-          </p:nvPr>
+          <p:cNvSpPr txBox="1"/>
+          <p:nvPr/>
         </p:nvSpPr>
         <p:spPr>
           <a:xfrm>
-            <a:off x="838200" y="365125"/>
-            <a:ext cx="10515600" cy="1325563"/>
-          </a:xfrm>
-        </p:spPr>
-        <p:txBody>
-          <a:bodyPr/>
-          <a:lstStyle/>
-          <a:p>
-            <a:r>
-              <a:rPr lang="en-US" b="1" dirty="0">
-                <a:latin typeface="Tahoma" panose="020B0604030504040204" pitchFamily="34" charset="0"/>
-                <a:ea typeface="Tahoma" panose="020B0604030504040204" pitchFamily="34" charset="0"/>
-                <a:cs typeface="Tahoma" panose="020B0604030504040204" pitchFamily="34" charset="0"/>
-              </a:rPr>
-              <a:t>Unexpected Trends</a:t>
-            </a:r>
-          </a:p>
-        </p:txBody>
-      </p:sp>
-      <p:pic>
-        <p:nvPicPr>
-          <p:cNvPr id="3" name="Picture 2" descr="Chart, line chart&#10;&#10;Description automatically generated">
-            <a:extLst>
-              <a:ext uri="{FF2B5EF4-FFF2-40B4-BE49-F238E27FC236}">
-                <a16:creationId xmlns:a16="http://schemas.microsoft.com/office/drawing/2014/main" id="{A13D5D7F-0FA7-7E41-AE11-74C573F114D9}"/>
-              </a:ext>
-            </a:extLst>
-          </p:cNvPr>
-          <p:cNvPicPr>
-            <a:picLocks noChangeAspect="1"/>
-          </p:cNvPicPr>
-          <p:nvPr/>
-        </p:nvPicPr>
-        <p:blipFill>
-          <a:blip r:embed="rId5"/>
-          <a:stretch>
-            <a:fillRect/>
-          </a:stretch>
-        </p:blipFill>
-        <p:spPr>
-          <a:xfrm>
-            <a:off x="2762952" y="7126446"/>
-            <a:ext cx="5486400" cy="3657600"/>
+            <a:off x="9872134" y="6870700"/>
+            <a:ext cx="2319866" cy="200055"/>
           </a:xfrm>
           <a:prstGeom prst="rect">
             <a:avLst/>
           </a:prstGeom>
+          <a:solidFill>
+            <a:srgbClr val="000000"/>
+          </a:solidFill>
         </p:spPr>
-      </p:pic>
-    </p:spTree>
-    <p:extLst>
-      <p:ext uri="{BB962C8B-B14F-4D97-AF65-F5344CB8AC3E}">
-        <p14:creationId xmlns:p14="http://schemas.microsoft.com/office/powerpoint/2010/main" val="3711028182"/>
-      </p:ext>
-    </p:extLst>
-  </p:cSld>
-  <p:clrMapOvr>
-    <a:masterClrMapping/>
-  </p:clrMapOvr>
-</p:sld>
-</file>
-
-<file path=ppt/slides/slide13.xml><?xml version="1.0" encoding="utf-8"?>
-<p:sld xmlns:a="http://schemas.openxmlformats.org/drawingml/2006/main" xmlns:r="http://schemas.openxmlformats.org/officeDocument/2006/relationships" xmlns:p="http://schemas.openxmlformats.org/presentationml/2006/main">
-  <p:cSld>
-    <p:spTree>
-      <p:nvGrpSpPr>
-        <p:cNvPr id="1" name=""/>
-        <p:cNvGrpSpPr/>
-        <p:nvPr/>
-      </p:nvGrpSpPr>
-      <p:grpSpPr>
-        <a:xfrm>
-          <a:off x="0" y="0"/>
-          <a:ext cx="0" cy="0"/>
-          <a:chOff x="0" y="0"/>
-          <a:chExt cx="0" cy="0"/>
-        </a:xfrm>
-      </p:grpSpPr>
-      <p:sp>
-        <p:nvSpPr>
-          <p:cNvPr id="2" name="Title 1">
-            <a:extLst>
-              <a:ext uri="{FF2B5EF4-FFF2-40B4-BE49-F238E27FC236}">
-                <a16:creationId xmlns:a16="http://schemas.microsoft.com/office/drawing/2014/main" id="{E179AB7D-E961-0A44-8D15-CDF3FFEB1457}"/>
-              </a:ext>
-            </a:extLst>
-          </p:cNvPr>
-          <p:cNvSpPr>
-            <a:spLocks noGrp="1"/>
-          </p:cNvSpPr>
-          <p:nvPr>
-            <p:ph type="title"/>
-          </p:nvPr>
-        </p:nvSpPr>
-        <p:spPr/>
-        <p:txBody>
-          <a:bodyPr/>
-          <a:lstStyle/>
-          <a:p>
-            <a:r>
-              <a:rPr lang="en-US" b="1" dirty="0">
-                <a:latin typeface="Tahoma" panose="020B0604030504040204" pitchFamily="34" charset="0"/>
-                <a:ea typeface="Tahoma" panose="020B0604030504040204" pitchFamily="34" charset="0"/>
-                <a:cs typeface="Tahoma" panose="020B0604030504040204" pitchFamily="34" charset="0"/>
+        <p:txBody>
+          <a:bodyPr wrap="none" rtlCol="0">
+            <a:spAutoFit/>
+          </a:bodyPr>
+          <a:lstStyle/>
+          <a:p>
+            <a:pPr algn="r">
+              <a:spcAft>
+                <a:spcPts val="600"/>
+              </a:spcAft>
+            </a:pPr>
+            <a:r>
+              <a:rPr lang="en-US" sz="700">
+                <a:solidFill>
+                  <a:srgbClr val="FFFFFF"/>
+                </a:solidFill>
+                <a:hlinkClick r:id="rId4" tooltip="https://cassandrajohn.com/2016/07/26/first-rules-of-data-analysis/">
+                  <a:extLst>
+                    <a:ext uri="{A12FA001-AC4F-418D-AE19-62706E023703}">
+                      <ahyp:hlinkClr xmlns:ahyp="http://schemas.microsoft.com/office/drawing/2018/hyperlinkcolor" val="tx"/>
+                    </a:ext>
+                  </a:extLst>
+                </a:hlinkClick>
               </a:rPr>
-              <a:t>Challenges Faced</a:t>
-            </a:r>
-          </a:p>
-        </p:txBody>
-      </p:sp>
-      <p:sp>
-        <p:nvSpPr>
-          <p:cNvPr id="3" name="Content Placeholder 2">
-            <a:extLst>
-              <a:ext uri="{FF2B5EF4-FFF2-40B4-BE49-F238E27FC236}">
-                <a16:creationId xmlns:a16="http://schemas.microsoft.com/office/drawing/2014/main" id="{17E6A709-CB55-7B4B-903A-745757F78342}"/>
-              </a:ext>
-            </a:extLst>
-          </p:cNvPr>
-          <p:cNvSpPr>
-            <a:spLocks noGrp="1"/>
-          </p:cNvSpPr>
-          <p:nvPr>
-            <p:ph idx="1"/>
-          </p:nvPr>
-        </p:nvSpPr>
-        <p:spPr/>
-        <p:txBody>
-          <a:bodyPr/>
-          <a:lstStyle/>
-          <a:p>
-            <a:r>
-              <a:rPr lang="en-US" dirty="0">
-                <a:latin typeface="Tahoma" panose="020B0604030504040204" pitchFamily="34" charset="0"/>
-                <a:ea typeface="Tahoma" panose="020B0604030504040204" pitchFamily="34" charset="0"/>
-                <a:cs typeface="Tahoma" panose="020B0604030504040204" pitchFamily="34" charset="0"/>
+              <a:t>This Photo</a:t>
+            </a:r>
+            <a:r>
+              <a:rPr lang="en-US" sz="700">
+                <a:solidFill>
+                  <a:srgbClr val="FFFFFF"/>
+                </a:solidFill>
               </a:rPr>
-              <a:t>Data cleansing the data output from BEA, created smaller subsets within Excel first then imported to Pandas</a:t>
-            </a:r>
-          </a:p>
-          <a:p>
-            <a:r>
-              <a:rPr lang="en-US" dirty="0">
-                <a:latin typeface="Tahoma" panose="020B0604030504040204" pitchFamily="34" charset="0"/>
-                <a:ea typeface="Tahoma" panose="020B0604030504040204" pitchFamily="34" charset="0"/>
-                <a:cs typeface="Tahoma" panose="020B0604030504040204" pitchFamily="34" charset="0"/>
+              <a:t> by Unknown Author is licensed under </a:t>
+            </a:r>
+            <a:r>
+              <a:rPr lang="en-US" sz="700">
+                <a:solidFill>
+                  <a:srgbClr val="FFFFFF"/>
+                </a:solidFill>
+                <a:hlinkClick r:id="rId8" tooltip="https://creativecommons.org/licenses/by-nc/3.0/">
+                  <a:extLst>
+                    <a:ext uri="{A12FA001-AC4F-418D-AE19-62706E023703}">
+                      <ahyp:hlinkClr xmlns:ahyp="http://schemas.microsoft.com/office/drawing/2018/hyperlinkcolor" val="tx"/>
+                    </a:ext>
+                  </a:extLst>
+                </a:hlinkClick>
               </a:rPr>
-              <a:t>Large dataset with vague category descriptions making it difficult to understand data and find trends</a:t>
-            </a:r>
-          </a:p>
-          <a:p>
-            <a:r>
-              <a:rPr lang="en-US" dirty="0">
-                <a:latin typeface="Tahoma" panose="020B0604030504040204" pitchFamily="34" charset="0"/>
-                <a:ea typeface="Tahoma" panose="020B0604030504040204" pitchFamily="34" charset="0"/>
-                <a:cs typeface="Tahoma" panose="020B0604030504040204" pitchFamily="34" charset="0"/>
-              </a:rPr>
-              <a:t>Narrowing scope</a:t>
-            </a:r>
-          </a:p>
-          <a:p>
-            <a:r>
-              <a:rPr lang="en-US" dirty="0">
-                <a:latin typeface="Tahoma" panose="020B0604030504040204" pitchFamily="34" charset="0"/>
-                <a:ea typeface="Tahoma" panose="020B0604030504040204" pitchFamily="34" charset="0"/>
-                <a:cs typeface="Tahoma" panose="020B0604030504040204" pitchFamily="34" charset="0"/>
-              </a:rPr>
-              <a:t>Tying our findings together cohesively</a:t>
-            </a:r>
-          </a:p>
-          <a:p>
-            <a:endParaRPr lang="en-US" dirty="0"/>
-          </a:p>
-          <a:p>
-            <a:endParaRPr lang="en-US" dirty="0"/>
+              <a:t>CC BY-NC</a:t>
+            </a:r>
+            <a:endParaRPr lang="en-US" sz="700">
+              <a:solidFill>
+                <a:srgbClr val="FFFFFF"/>
+              </a:solidFill>
+            </a:endParaRPr>
           </a:p>
         </p:txBody>
       </p:sp>
@@ -5704,6 +6878,14 @@
 <file path=ppt/slides/slide14.xml><?xml version="1.0" encoding="utf-8"?>
 <p:sld xmlns:a="http://schemas.openxmlformats.org/drawingml/2006/main" xmlns:r="http://schemas.openxmlformats.org/officeDocument/2006/relationships" xmlns:p="http://schemas.openxmlformats.org/presentationml/2006/main">
   <p:cSld>
+    <p:bg>
+      <p:bgPr>
+        <a:solidFill>
+          <a:schemeClr val="bg1"/>
+        </a:solidFill>
+        <a:effectLst/>
+      </p:bgPr>
+    </p:bg>
     <p:spTree>
       <p:nvGrpSpPr>
         <p:cNvPr id="1" name=""/>
@@ -5718,6 +6900,160 @@
           <a:chExt cx="0" cy="0"/>
         </a:xfrm>
       </p:grpSpPr>
+      <p:sp useBgFill="1">
+        <p:nvSpPr>
+          <p:cNvPr id="11" name="Rectangle 10">
+            <a:extLst>
+              <a:ext uri="{FF2B5EF4-FFF2-40B4-BE49-F238E27FC236}">
+                <a16:creationId xmlns:a16="http://schemas.microsoft.com/office/drawing/2014/main" id="{DB304A14-32D0-4873-B914-423ED7B8DAFD}"/>
+              </a:ext>
+              <a:ext uri="{C183D7F6-B498-43B3-948B-1728B52AA6E4}">
+                <adec:decorative xmlns:adec="http://schemas.microsoft.com/office/drawing/2017/decorative" val="1"/>
+              </a:ext>
+            </a:extLst>
+          </p:cNvPr>
+          <p:cNvSpPr>
+            <a:spLocks noGrp="1" noRot="1" noChangeAspect="1" noMove="1" noResize="1" noEditPoints="1" noAdjustHandles="1" noChangeArrowheads="1" noChangeShapeType="1" noTextEdit="1"/>
+          </p:cNvSpPr>
+          <p:nvPr>
+            <p:extLst>
+              <p:ext uri="{386F3935-93C4-4BCD-93E2-E3B085C9AB24}">
+                <p16:designElem xmlns:p16="http://schemas.microsoft.com/office/powerpoint/2015/main" val="1"/>
+              </p:ext>
+            </p:extLst>
+          </p:nvPr>
+        </p:nvSpPr>
+        <p:spPr bwMode="white">
+          <a:xfrm>
+            <a:off x="0" y="0"/>
+            <a:ext cx="12192000" cy="6858000"/>
+          </a:xfrm>
+          <a:prstGeom prst="rect">
+            <a:avLst/>
+          </a:prstGeom>
+          <a:ln>
+            <a:noFill/>
+          </a:ln>
+        </p:spPr>
+        <p:style>
+          <a:lnRef idx="2">
+            <a:schemeClr val="accent1">
+              <a:shade val="50000"/>
+            </a:schemeClr>
+          </a:lnRef>
+          <a:fillRef idx="1">
+            <a:schemeClr val="accent1"/>
+          </a:fillRef>
+          <a:effectRef idx="0">
+            <a:schemeClr val="accent1"/>
+          </a:effectRef>
+          <a:fontRef idx="minor">
+            <a:schemeClr val="lt1"/>
+          </a:fontRef>
+        </p:style>
+        <p:txBody>
+          <a:bodyPr rtlCol="0" anchor="ctr"/>
+          <a:lstStyle>
+            <a:defPPr>
+              <a:defRPr lang="en-US"/>
+            </a:defPPr>
+            <a:lvl1pPr marL="0" algn="l" defTabSz="914400" rtl="0" eaLnBrk="1" latinLnBrk="0" hangingPunct="1">
+              <a:defRPr sz="1800" kern="1200">
+                <a:solidFill>
+                  <a:schemeClr val="lt1"/>
+                </a:solidFill>
+                <a:latin typeface="+mn-lt"/>
+                <a:ea typeface="+mn-ea"/>
+                <a:cs typeface="+mn-cs"/>
+              </a:defRPr>
+            </a:lvl1pPr>
+            <a:lvl2pPr marL="457200" algn="l" defTabSz="914400" rtl="0" eaLnBrk="1" latinLnBrk="0" hangingPunct="1">
+              <a:defRPr sz="1800" kern="1200">
+                <a:solidFill>
+                  <a:schemeClr val="lt1"/>
+                </a:solidFill>
+                <a:latin typeface="+mn-lt"/>
+                <a:ea typeface="+mn-ea"/>
+                <a:cs typeface="+mn-cs"/>
+              </a:defRPr>
+            </a:lvl2pPr>
+            <a:lvl3pPr marL="914400" algn="l" defTabSz="914400" rtl="0" eaLnBrk="1" latinLnBrk="0" hangingPunct="1">
+              <a:defRPr sz="1800" kern="1200">
+                <a:solidFill>
+                  <a:schemeClr val="lt1"/>
+                </a:solidFill>
+                <a:latin typeface="+mn-lt"/>
+                <a:ea typeface="+mn-ea"/>
+                <a:cs typeface="+mn-cs"/>
+              </a:defRPr>
+            </a:lvl3pPr>
+            <a:lvl4pPr marL="1371600" algn="l" defTabSz="914400" rtl="0" eaLnBrk="1" latinLnBrk="0" hangingPunct="1">
+              <a:defRPr sz="1800" kern="1200">
+                <a:solidFill>
+                  <a:schemeClr val="lt1"/>
+                </a:solidFill>
+                <a:latin typeface="+mn-lt"/>
+                <a:ea typeface="+mn-ea"/>
+                <a:cs typeface="+mn-cs"/>
+              </a:defRPr>
+            </a:lvl4pPr>
+            <a:lvl5pPr marL="1828800" algn="l" defTabSz="914400" rtl="0" eaLnBrk="1" latinLnBrk="0" hangingPunct="1">
+              <a:defRPr sz="1800" kern="1200">
+                <a:solidFill>
+                  <a:schemeClr val="lt1"/>
+                </a:solidFill>
+                <a:latin typeface="+mn-lt"/>
+                <a:ea typeface="+mn-ea"/>
+                <a:cs typeface="+mn-cs"/>
+              </a:defRPr>
+            </a:lvl5pPr>
+            <a:lvl6pPr marL="2286000" algn="l" defTabSz="914400" rtl="0" eaLnBrk="1" latinLnBrk="0" hangingPunct="1">
+              <a:defRPr sz="1800" kern="1200">
+                <a:solidFill>
+                  <a:schemeClr val="lt1"/>
+                </a:solidFill>
+                <a:latin typeface="+mn-lt"/>
+                <a:ea typeface="+mn-ea"/>
+                <a:cs typeface="+mn-cs"/>
+              </a:defRPr>
+            </a:lvl6pPr>
+            <a:lvl7pPr marL="2743200" algn="l" defTabSz="914400" rtl="0" eaLnBrk="1" latinLnBrk="0" hangingPunct="1">
+              <a:defRPr sz="1800" kern="1200">
+                <a:solidFill>
+                  <a:schemeClr val="lt1"/>
+                </a:solidFill>
+                <a:latin typeface="+mn-lt"/>
+                <a:ea typeface="+mn-ea"/>
+                <a:cs typeface="+mn-cs"/>
+              </a:defRPr>
+            </a:lvl7pPr>
+            <a:lvl8pPr marL="3200400" algn="l" defTabSz="914400" rtl="0" eaLnBrk="1" latinLnBrk="0" hangingPunct="1">
+              <a:defRPr sz="1800" kern="1200">
+                <a:solidFill>
+                  <a:schemeClr val="lt1"/>
+                </a:solidFill>
+                <a:latin typeface="+mn-lt"/>
+                <a:ea typeface="+mn-ea"/>
+                <a:cs typeface="+mn-cs"/>
+              </a:defRPr>
+            </a:lvl8pPr>
+            <a:lvl9pPr marL="3657600" algn="l" defTabSz="914400" rtl="0" eaLnBrk="1" latinLnBrk="0" hangingPunct="1">
+              <a:defRPr sz="1800" kern="1200">
+                <a:solidFill>
+                  <a:schemeClr val="lt1"/>
+                </a:solidFill>
+                <a:latin typeface="+mn-lt"/>
+                <a:ea typeface="+mn-ea"/>
+                <a:cs typeface="+mn-cs"/>
+              </a:defRPr>
+            </a:lvl9pPr>
+          </a:lstStyle>
+          <a:p>
+            <a:pPr algn="ctr"/>
+            <a:endParaRPr lang="en-US"/>
+          </a:p>
+        </p:txBody>
+      </p:sp>
       <p:sp>
         <p:nvSpPr>
           <p:cNvPr id="2" name="Title 1">
@@ -5734,9 +7070,16 @@
             <p:ph type="title"/>
           </p:nvPr>
         </p:nvSpPr>
-        <p:spPr/>
-        <p:txBody>
-          <a:bodyPr/>
+        <p:spPr>
+          <a:xfrm>
+            <a:off x="1222714" y="537030"/>
+            <a:ext cx="5387502" cy="1325563"/>
+          </a:xfrm>
+        </p:spPr>
+        <p:txBody>
+          <a:bodyPr>
+            <a:normAutofit/>
+          </a:bodyPr>
           <a:lstStyle/>
           <a:p>
             <a:r>
@@ -5745,7 +7088,7 @@
                 <a:ea typeface="Tahoma" panose="020B0604030504040204" pitchFamily="34" charset="0"/>
                 <a:cs typeface="Tahoma" panose="020B0604030504040204" pitchFamily="34" charset="0"/>
               </a:rPr>
-              <a:t>Final recommendation/conclusion</a:t>
+              <a:t>Preparing for a second wave…</a:t>
             </a:r>
           </a:p>
         </p:txBody>
@@ -5766,28 +7109,73 @@
             <p:ph idx="1"/>
           </p:nvPr>
         </p:nvSpPr>
-        <p:spPr/>
-        <p:txBody>
-          <a:bodyPr/>
-          <a:lstStyle/>
-          <a:p>
-            <a:r>
-              <a:rPr lang="en-US" dirty="0">
+        <p:spPr>
+          <a:xfrm>
+            <a:off x="606772" y="2496956"/>
+            <a:ext cx="5257800" cy="4510476"/>
+          </a:xfrm>
+        </p:spPr>
+        <p:txBody>
+          <a:bodyPr>
+            <a:normAutofit/>
+          </a:bodyPr>
+          <a:lstStyle/>
+          <a:p>
+            <a:pPr algn="ctr"/>
+            <a:r>
+              <a:rPr lang="en-US" sz="3600" dirty="0">
                 <a:latin typeface="Tahoma" panose="020B0604030504040204" pitchFamily="34" charset="0"/>
                 <a:ea typeface="Tahoma" panose="020B0604030504040204" pitchFamily="34" charset="0"/>
                 <a:cs typeface="Tahoma" panose="020B0604030504040204" pitchFamily="34" charset="0"/>
               </a:rPr>
-              <a:t>How to prepare for an apocalypse</a:t>
-            </a:r>
-          </a:p>
-          <a:p>
-            <a:r>
-              <a:rPr lang="en-US" dirty="0">
+              <a:t>Items for survival</a:t>
+            </a:r>
+          </a:p>
+          <a:p>
+            <a:pPr marL="0" indent="0" algn="ctr">
+              <a:buNone/>
+            </a:pPr>
+            <a:r>
+              <a:rPr lang="en-US" sz="3600" dirty="0">
                 <a:latin typeface="Tahoma" panose="020B0604030504040204" pitchFamily="34" charset="0"/>
                 <a:ea typeface="Tahoma" panose="020B0604030504040204" pitchFamily="34" charset="0"/>
                 <a:cs typeface="Tahoma" panose="020B0604030504040204" pitchFamily="34" charset="0"/>
               </a:rPr>
-              <a:t>How to thrive in a post apocalypse economy</a:t>
+              <a:t> </a:t>
+            </a:r>
+          </a:p>
+          <a:p>
+            <a:pPr algn="ctr"/>
+            <a:r>
+              <a:rPr lang="en-US" sz="3600" dirty="0">
+                <a:latin typeface="Tahoma" panose="020B0604030504040204" pitchFamily="34" charset="0"/>
+                <a:ea typeface="Tahoma" panose="020B0604030504040204" pitchFamily="34" charset="0"/>
+                <a:cs typeface="Tahoma" panose="020B0604030504040204" pitchFamily="34" charset="0"/>
+              </a:rPr>
+              <a:t>Items for thriving</a:t>
+            </a:r>
+          </a:p>
+          <a:p>
+            <a:pPr marL="0" indent="0" algn="ctr">
+              <a:buNone/>
+            </a:pPr>
+            <a:endParaRPr lang="en-US" sz="4200" dirty="0">
+              <a:latin typeface="Tahoma" panose="020B0604030504040204" pitchFamily="34" charset="0"/>
+              <a:ea typeface="Tahoma" panose="020B0604030504040204" pitchFamily="34" charset="0"/>
+              <a:cs typeface="Tahoma" panose="020B0604030504040204" pitchFamily="34" charset="0"/>
+            </a:endParaRPr>
+          </a:p>
+          <a:p>
+            <a:pPr marL="0" indent="0" algn="ctr">
+              <a:buNone/>
+            </a:pPr>
+            <a:r>
+              <a:rPr lang="en-US" sz="3600" b="1" dirty="0">
+                <a:latin typeface="Tahoma" panose="020B0604030504040204" pitchFamily="34" charset="0"/>
+                <a:ea typeface="Tahoma" panose="020B0604030504040204" pitchFamily="34" charset="0"/>
+                <a:cs typeface="Tahoma" panose="020B0604030504040204" pitchFamily="34" charset="0"/>
+              </a:rPr>
+              <a:t>Q &amp; A?</a:t>
             </a:r>
           </a:p>
           <a:p>
@@ -5802,6 +7190,347 @@
               </a:rPr>
               <a:t>  </a:t>
             </a:r>
+          </a:p>
+        </p:txBody>
+      </p:sp>
+      <p:pic>
+        <p:nvPicPr>
+          <p:cNvPr id="5" name="Picture 4" descr="A picture containing toy, doll, graphics, food&#10;&#10;Description automatically generated">
+            <a:extLst>
+              <a:ext uri="{FF2B5EF4-FFF2-40B4-BE49-F238E27FC236}">
+                <a16:creationId xmlns:a16="http://schemas.microsoft.com/office/drawing/2014/main" id="{13F3BDDB-3815-A54B-A3B8-E215FEDD627E}"/>
+              </a:ext>
+            </a:extLst>
+          </p:cNvPr>
+          <p:cNvPicPr>
+            <a:picLocks noChangeAspect="1"/>
+          </p:cNvPicPr>
+          <p:nvPr/>
+        </p:nvPicPr>
+        <p:blipFill rotWithShape="1">
+          <a:blip r:embed="rId3">
+            <a:extLst>
+              <a:ext uri="{837473B0-CC2E-450A-ABE3-18F120FF3D39}">
+                <a1611:picAttrSrcUrl xmlns:a1611="http://schemas.microsoft.com/office/drawing/2016/11/main" r:id="rId4"/>
+              </a:ext>
+            </a:extLst>
+          </a:blip>
+          <a:srcRect l="14935" r="28733" b="1"/>
+          <a:stretch/>
+        </p:blipFill>
+        <p:spPr>
+          <a:xfrm>
+            <a:off x="6621294" y="1295416"/>
+            <a:ext cx="5570706" cy="5562584"/>
+          </a:xfrm>
+          <a:custGeom>
+            <a:avLst/>
+            <a:gdLst/>
+            <a:ahLst/>
+            <a:cxnLst/>
+            <a:rect l="l" t="t" r="r" b="b"/>
+            <a:pathLst>
+              <a:path w="5570706" h="5562584">
+                <a:moveTo>
+                  <a:pt x="3374687" y="0"/>
+                </a:moveTo>
+                <a:cubicBezTo>
+                  <a:pt x="4190094" y="0"/>
+                  <a:pt x="4937956" y="289196"/>
+                  <a:pt x="5521301" y="770615"/>
+                </a:cubicBezTo>
+                <a:lnTo>
+                  <a:pt x="5570706" y="815517"/>
+                </a:lnTo>
+                <a:lnTo>
+                  <a:pt x="5570706" y="5562584"/>
+                </a:lnTo>
+                <a:lnTo>
+                  <a:pt x="808135" y="5562584"/>
+                </a:lnTo>
+                <a:lnTo>
+                  <a:pt x="770615" y="5521302"/>
+                </a:lnTo>
+                <a:cubicBezTo>
+                  <a:pt x="289196" y="4937957"/>
+                  <a:pt x="0" y="4190095"/>
+                  <a:pt x="0" y="3374687"/>
+                </a:cubicBezTo>
+                <a:cubicBezTo>
+                  <a:pt x="0" y="1510899"/>
+                  <a:pt x="1510899" y="0"/>
+                  <a:pt x="3374687" y="0"/>
+                </a:cubicBezTo>
+                <a:close/>
+              </a:path>
+            </a:pathLst>
+          </a:custGeom>
+        </p:spPr>
+      </p:pic>
+      <p:sp>
+        <p:nvSpPr>
+          <p:cNvPr id="13" name="Oval 12">
+            <a:extLst>
+              <a:ext uri="{FF2B5EF4-FFF2-40B4-BE49-F238E27FC236}">
+                <a16:creationId xmlns:a16="http://schemas.microsoft.com/office/drawing/2014/main" id="{1D460C86-854F-4FB3-ABC2-E823D8FEB9DB}"/>
+              </a:ext>
+              <a:ext uri="{C183D7F6-B498-43B3-948B-1728B52AA6E4}">
+                <adec:decorative xmlns:adec="http://schemas.microsoft.com/office/drawing/2017/decorative" val="1"/>
+              </a:ext>
+            </a:extLst>
+          </p:cNvPr>
+          <p:cNvSpPr>
+            <a:spLocks noGrp="1" noRot="1" noChangeAspect="1" noMove="1" noResize="1" noEditPoints="1" noAdjustHandles="1" noChangeArrowheads="1" noChangeShapeType="1" noTextEdit="1"/>
+          </p:cNvSpPr>
+          <p:nvPr>
+            <p:extLst>
+              <p:ext uri="{386F3935-93C4-4BCD-93E2-E3B085C9AB24}">
+                <p16:designElem xmlns:p16="http://schemas.microsoft.com/office/powerpoint/2015/main" val="1"/>
+              </p:ext>
+            </p:extLst>
+          </p:nvPr>
+        </p:nvSpPr>
+        <p:spPr>
+          <a:xfrm>
+            <a:off x="6643451" y="1656147"/>
+            <a:ext cx="546100" cy="546100"/>
+          </a:xfrm>
+          <a:prstGeom prst="ellipse">
+            <a:avLst/>
+          </a:prstGeom>
+          <a:solidFill>
+            <a:schemeClr val="accent1"/>
+          </a:solidFill>
+          <a:ln>
+            <a:noFill/>
+          </a:ln>
+        </p:spPr>
+        <p:style>
+          <a:lnRef idx="2">
+            <a:schemeClr val="accent1">
+              <a:shade val="50000"/>
+            </a:schemeClr>
+          </a:lnRef>
+          <a:fillRef idx="1">
+            <a:schemeClr val="accent1"/>
+          </a:fillRef>
+          <a:effectRef idx="0">
+            <a:schemeClr val="accent1"/>
+          </a:effectRef>
+          <a:fontRef idx="minor">
+            <a:schemeClr val="lt1"/>
+          </a:fontRef>
+        </p:style>
+        <p:txBody>
+          <a:bodyPr rtlCol="0" anchor="ctr"/>
+          <a:lstStyle/>
+          <a:p>
+            <a:pPr marL="0" marR="0" lvl="0" indent="0" algn="ctr" defTabSz="914400" rtl="0" eaLnBrk="1" fontAlgn="auto" latinLnBrk="0" hangingPunct="1">
+              <a:lnSpc>
+                <a:spcPct val="100000"/>
+              </a:lnSpc>
+              <a:spcBef>
+                <a:spcPts val="0"/>
+              </a:spcBef>
+              <a:spcAft>
+                <a:spcPts val="0"/>
+              </a:spcAft>
+              <a:buClrTx/>
+              <a:buSzTx/>
+              <a:buFontTx/>
+              <a:buNone/>
+              <a:tabLst/>
+              <a:defRPr/>
+            </a:pPr>
+            <a:endParaRPr kumimoji="0" lang="en-US" sz="1800" b="0" i="0" u="none" strike="noStrike" kern="1200" cap="none" spc="0" normalizeH="0" baseline="0" noProof="0">
+              <a:ln>
+                <a:noFill/>
+              </a:ln>
+              <a:solidFill>
+                <a:srgbClr val="FFFFFF"/>
+              </a:solidFill>
+              <a:effectLst/>
+              <a:uLnTx/>
+              <a:uFillTx/>
+              <a:latin typeface="Calibri" panose="020F0502020204030204"/>
+              <a:ea typeface="+mn-ea"/>
+              <a:cs typeface="+mn-cs"/>
+            </a:endParaRPr>
+          </a:p>
+        </p:txBody>
+      </p:sp>
+      <p:sp>
+        <p:nvSpPr>
+          <p:cNvPr id="15" name="Arc 14">
+            <a:extLst>
+              <a:ext uri="{FF2B5EF4-FFF2-40B4-BE49-F238E27FC236}">
+                <a16:creationId xmlns:a16="http://schemas.microsoft.com/office/drawing/2014/main" id="{BB48116A-278A-4CC5-89D3-9DE8E8FF1245}"/>
+              </a:ext>
+              <a:ext uri="{C183D7F6-B498-43B3-948B-1728B52AA6E4}">
+                <adec:decorative xmlns:adec="http://schemas.microsoft.com/office/drawing/2017/decorative" val="1"/>
+              </a:ext>
+            </a:extLst>
+          </p:cNvPr>
+          <p:cNvSpPr>
+            <a:spLocks noGrp="1" noRot="1" noChangeAspect="1" noMove="1" noResize="1" noEditPoints="1" noAdjustHandles="1" noChangeArrowheads="1" noChangeShapeType="1" noTextEdit="1"/>
+          </p:cNvSpPr>
+          <p:nvPr>
+            <p:extLst>
+              <p:ext uri="{386F3935-93C4-4BCD-93E2-E3B085C9AB24}">
+                <p16:designElem xmlns:p16="http://schemas.microsoft.com/office/powerpoint/2015/main" val="1"/>
+              </p:ext>
+            </p:extLst>
+          </p:nvPr>
+        </p:nvSpPr>
+        <p:spPr>
+          <a:xfrm>
+            <a:off x="8134739" y="587516"/>
+            <a:ext cx="2987899" cy="2987899"/>
+          </a:xfrm>
+          <a:prstGeom prst="arc">
+            <a:avLst>
+              <a:gd name="adj1" fmla="val 15817365"/>
+              <a:gd name="adj2" fmla="val 1781380"/>
+            </a:avLst>
+          </a:prstGeom>
+          <a:ln w="127000" cap="rnd">
+            <a:solidFill>
+              <a:schemeClr val="accent4"/>
+            </a:solidFill>
+            <a:prstDash val="dash"/>
+            <a:miter lim="800000"/>
+          </a:ln>
+        </p:spPr>
+        <p:style>
+          <a:lnRef idx="1">
+            <a:schemeClr val="accent1"/>
+          </a:lnRef>
+          <a:fillRef idx="0">
+            <a:schemeClr val="accent1"/>
+          </a:fillRef>
+          <a:effectRef idx="0">
+            <a:schemeClr val="accent1"/>
+          </a:effectRef>
+          <a:fontRef idx="minor">
+            <a:schemeClr val="tx1"/>
+          </a:fontRef>
+        </p:style>
+        <p:txBody>
+          <a:bodyPr rtlCol="0" anchor="ctr"/>
+          <a:lstStyle/>
+          <a:p>
+            <a:pPr marL="0" marR="0" lvl="0" indent="0" algn="ctr" defTabSz="914400" rtl="0" eaLnBrk="1" fontAlgn="auto" latinLnBrk="0" hangingPunct="1">
+              <a:lnSpc>
+                <a:spcPct val="100000"/>
+              </a:lnSpc>
+              <a:spcBef>
+                <a:spcPts val="0"/>
+              </a:spcBef>
+              <a:spcAft>
+                <a:spcPts val="0"/>
+              </a:spcAft>
+              <a:buClrTx/>
+              <a:buSzTx/>
+              <a:buFontTx/>
+              <a:buNone/>
+              <a:tabLst/>
+              <a:defRPr/>
+            </a:pPr>
+            <a:endParaRPr kumimoji="0" lang="en-US" sz="1800" b="0" i="0" u="none" strike="noStrike" kern="1200" cap="none" spc="0" normalizeH="0" baseline="0" noProof="0">
+              <a:ln>
+                <a:noFill/>
+              </a:ln>
+              <a:solidFill>
+                <a:srgbClr val="000000"/>
+              </a:solidFill>
+              <a:effectLst/>
+              <a:uLnTx/>
+              <a:uFillTx/>
+              <a:latin typeface="Calibri" panose="020F0502020204030204"/>
+              <a:ea typeface="+mn-ea"/>
+              <a:cs typeface="+mn-cs"/>
+            </a:endParaRPr>
+          </a:p>
+        </p:txBody>
+      </p:sp>
+      <p:sp>
+        <p:nvSpPr>
+          <p:cNvPr id="6" name="TextBox 5">
+            <a:extLst>
+              <a:ext uri="{FF2B5EF4-FFF2-40B4-BE49-F238E27FC236}">
+                <a16:creationId xmlns:a16="http://schemas.microsoft.com/office/drawing/2014/main" id="{055C3F95-43AB-B24B-B2C7-C3497310D1AF}"/>
+              </a:ext>
+            </a:extLst>
+          </p:cNvPr>
+          <p:cNvSpPr txBox="1"/>
+          <p:nvPr/>
+        </p:nvSpPr>
+        <p:spPr>
+          <a:xfrm>
+            <a:off x="9751909" y="6657945"/>
+            <a:ext cx="2440091" cy="200055"/>
+          </a:xfrm>
+          <a:prstGeom prst="rect">
+            <a:avLst/>
+          </a:prstGeom>
+          <a:solidFill>
+            <a:srgbClr val="000000"/>
+          </a:solidFill>
+        </p:spPr>
+        <p:txBody>
+          <a:bodyPr wrap="none" rtlCol="0">
+            <a:spAutoFit/>
+          </a:bodyPr>
+          <a:lstStyle/>
+          <a:p>
+            <a:pPr algn="r">
+              <a:spcAft>
+                <a:spcPts val="600"/>
+              </a:spcAft>
+            </a:pPr>
+            <a:r>
+              <a:rPr lang="en-US" sz="700">
+                <a:solidFill>
+                  <a:srgbClr val="FFFFFF"/>
+                </a:solidFill>
+                <a:hlinkClick r:id="rId4" tooltip="https://www.peoplemattersglobal.com/article/c-suite/how-are-organizations-around-the-world-responding-to-covid-19-25072">
+                  <a:extLst>
+                    <a:ext uri="{A12FA001-AC4F-418D-AE19-62706E023703}">
+                      <ahyp:hlinkClr xmlns:ahyp="http://schemas.microsoft.com/office/drawing/2018/hyperlinkcolor" val="tx"/>
+                    </a:ext>
+                  </a:extLst>
+                </a:hlinkClick>
+              </a:rPr>
+              <a:t>This Photo</a:t>
+            </a:r>
+            <a:r>
+              <a:rPr lang="en-US" sz="700">
+                <a:solidFill>
+                  <a:srgbClr val="FFFFFF"/>
+                </a:solidFill>
+              </a:rPr>
+              <a:t> by Unknown Author is licensed under </a:t>
+            </a:r>
+            <a:r>
+              <a:rPr lang="en-US" sz="700">
+                <a:solidFill>
+                  <a:srgbClr val="FFFFFF"/>
+                </a:solidFill>
+                <a:hlinkClick r:id="rId5" tooltip="https://creativecommons.org/licenses/by-nc-sa/3.0/">
+                  <a:extLst>
+                    <a:ext uri="{A12FA001-AC4F-418D-AE19-62706E023703}">
+                      <ahyp:hlinkClr xmlns:ahyp="http://schemas.microsoft.com/office/drawing/2018/hyperlinkcolor" val="tx"/>
+                    </a:ext>
+                  </a:extLst>
+                </a:hlinkClick>
+              </a:rPr>
+              <a:t>CC BY-SA-NC</a:t>
+            </a:r>
+            <a:endParaRPr lang="en-US" sz="700">
+              <a:solidFill>
+                <a:srgbClr val="FFFFFF"/>
+              </a:solidFill>
+            </a:endParaRPr>
           </a:p>
         </p:txBody>
       </p:sp>
@@ -6594,7 +8323,7 @@
           <a:p>
             <a:pPr algn="ctr"/>
             <a:r>
-              <a:rPr lang="en-US" sz="4600" b="1" kern="1200" dirty="0">
+              <a:rPr lang="en-US" sz="4600" b="1" kern="1200">
                 <a:solidFill>
                   <a:schemeClr val="tx1"/>
                 </a:solidFill>
@@ -6605,7 +8334,7 @@
               <a:t>How we spent our money the past 5 years..</a:t>
             </a:r>
             <a:br>
-              <a:rPr lang="en-US" sz="4600" b="1" kern="1200" dirty="0">
+              <a:rPr lang="en-US" sz="4600" b="1" kern="1200">
                 <a:solidFill>
                   <a:schemeClr val="tx1"/>
                 </a:solidFill>
@@ -6661,7 +8390,7 @@
               </a:spcBef>
             </a:pPr>
             <a:r>
-              <a:rPr lang="en-US" sz="1600" kern="1200" dirty="0">
+              <a:rPr lang="en-US" sz="1600" kern="1200">
                 <a:solidFill>
                   <a:schemeClr val="tx1"/>
                 </a:solidFill>
@@ -6671,6 +8400,14 @@
               </a:rPr>
               <a:t>Data sourced from BEA (US Bureau of Economic Analysis) official PCE report</a:t>
             </a:r>
+            <a:endParaRPr lang="en-US" sz="1600" kern="1200" dirty="0">
+              <a:solidFill>
+                <a:schemeClr val="tx1"/>
+              </a:solidFill>
+              <a:latin typeface="Tahoma" panose="020B0604030504040204" pitchFamily="34" charset="0"/>
+              <a:ea typeface="Tahoma" panose="020B0604030504040204" pitchFamily="34" charset="0"/>
+              <a:cs typeface="Tahoma" panose="020B0604030504040204" pitchFamily="34" charset="0"/>
+            </a:endParaRPr>
           </a:p>
         </p:txBody>
       </p:sp>
@@ -7842,12 +9579,72 @@
           <a:chExt cx="0" cy="0"/>
         </a:xfrm>
       </p:grpSpPr>
+      <p:sp useBgFill="1">
+        <p:nvSpPr>
+          <p:cNvPr id="31" name="Rectangle 30">
+            <a:extLst>
+              <a:ext uri="{FF2B5EF4-FFF2-40B4-BE49-F238E27FC236}">
+                <a16:creationId xmlns:a16="http://schemas.microsoft.com/office/drawing/2014/main" id="{18F923FF-DD0C-4FD3-A1B4-68DFA511C82D}"/>
+              </a:ext>
+              <a:ext uri="{C183D7F6-B498-43B3-948B-1728B52AA6E4}">
+                <adec:decorative xmlns:adec="http://schemas.microsoft.com/office/drawing/2017/decorative" val="1"/>
+              </a:ext>
+            </a:extLst>
+          </p:cNvPr>
+          <p:cNvSpPr>
+            <a:spLocks noGrp="1" noRot="1" noChangeAspect="1" noMove="1" noResize="1" noEditPoints="1" noAdjustHandles="1" noChangeArrowheads="1" noChangeShapeType="1" noTextEdit="1"/>
+          </p:cNvSpPr>
+          <p:nvPr>
+            <p:extLst>
+              <p:ext uri="{386F3935-93C4-4BCD-93E2-E3B085C9AB24}">
+                <p16:designElem xmlns:p16="http://schemas.microsoft.com/office/powerpoint/2015/main" val="1"/>
+              </p:ext>
+            </p:extLst>
+          </p:nvPr>
+        </p:nvSpPr>
+        <p:spPr>
+          <a:xfrm>
+            <a:off x="0" y="0"/>
+            <a:ext cx="12192000" cy="6858000"/>
+          </a:xfrm>
+          <a:prstGeom prst="rect">
+            <a:avLst/>
+          </a:prstGeom>
+          <a:ln>
+            <a:noFill/>
+          </a:ln>
+        </p:spPr>
+        <p:style>
+          <a:lnRef idx="2">
+            <a:schemeClr val="accent1">
+              <a:shade val="50000"/>
+            </a:schemeClr>
+          </a:lnRef>
+          <a:fillRef idx="1">
+            <a:schemeClr val="accent1"/>
+          </a:fillRef>
+          <a:effectRef idx="0">
+            <a:schemeClr val="accent1"/>
+          </a:effectRef>
+          <a:fontRef idx="minor">
+            <a:schemeClr val="lt1"/>
+          </a:fontRef>
+        </p:style>
+        <p:txBody>
+          <a:bodyPr rtlCol="0" anchor="ctr"/>
+          <a:lstStyle/>
+          <a:p>
+            <a:pPr algn="ctr"/>
+            <a:endParaRPr lang="en-US"/>
+          </a:p>
+        </p:txBody>
+      </p:sp>
       <p:pic>
         <p:nvPicPr>
-          <p:cNvPr id="19" name="Picture 18" descr="A picture containing object, indoor, plate, cup&#10;&#10;Description automatically generated">
+          <p:cNvPr id="13" name="Picture 12" descr="Chart, line chart&#10;&#10;Description automatically generated">
             <a:extLst>
               <a:ext uri="{FF2B5EF4-FFF2-40B4-BE49-F238E27FC236}">
-                <a16:creationId xmlns:a16="http://schemas.microsoft.com/office/drawing/2014/main" id="{ED908EA7-5AD6-184C-A121-EF215118BE7B}"/>
+                <a16:creationId xmlns:a16="http://schemas.microsoft.com/office/drawing/2014/main" id="{117A2077-4301-1F40-84CD-C886E62BFF26}"/>
               </a:ext>
             </a:extLst>
           </p:cNvPr>
@@ -7857,17 +9654,15 @@
           <p:nvPr/>
         </p:nvPicPr>
         <p:blipFill>
-          <a:blip r:embed="rId3">
-            <a:alphaModFix amt="50000"/>
-          </a:blip>
+          <a:blip r:embed="rId3"/>
           <a:stretch>
             <a:fillRect/>
           </a:stretch>
         </p:blipFill>
         <p:spPr>
           <a:xfrm>
-            <a:off x="0" y="0"/>
-            <a:ext cx="12210090" cy="6858000"/>
+            <a:off x="7691507" y="186134"/>
+            <a:ext cx="4703427" cy="3135618"/>
           </a:xfrm>
           <a:prstGeom prst="rect">
             <a:avLst/>
@@ -7892,12 +9687,14 @@
         </p:nvSpPr>
         <p:spPr>
           <a:xfrm>
-            <a:off x="838200" y="365125"/>
-            <a:ext cx="5887065" cy="1325563"/>
+            <a:off x="341813" y="148527"/>
+            <a:ext cx="3724217" cy="2896432"/>
           </a:xfrm>
         </p:spPr>
         <p:txBody>
-          <a:bodyPr/>
+          <a:bodyPr>
+            <a:normAutofit/>
+          </a:bodyPr>
           <a:lstStyle/>
           <a:p>
             <a:r>
@@ -7908,6 +9705,98 @@
               </a:rPr>
               <a:t>Panic Spending</a:t>
             </a:r>
+          </a:p>
+        </p:txBody>
+      </p:sp>
+      <p:sp>
+        <p:nvSpPr>
+          <p:cNvPr id="33" name="Rectangle 32">
+            <a:extLst>
+              <a:ext uri="{FF2B5EF4-FFF2-40B4-BE49-F238E27FC236}">
+                <a16:creationId xmlns:a16="http://schemas.microsoft.com/office/drawing/2014/main" id="{114A821F-8663-46BA-8CC0-D4C44F639F3A}"/>
+              </a:ext>
+              <a:ext uri="{C183D7F6-B498-43B3-948B-1728B52AA6E4}">
+                <adec:decorative xmlns:adec="http://schemas.microsoft.com/office/drawing/2017/decorative" val="1"/>
+              </a:ext>
+            </a:extLst>
+          </p:cNvPr>
+          <p:cNvSpPr>
+            <a:spLocks noGrp="1" noRot="1" noChangeAspect="1" noMove="1" noResize="1" noEditPoints="1" noAdjustHandles="1" noChangeArrowheads="1" noChangeShapeType="1" noTextEdit="1"/>
+          </p:cNvSpPr>
+          <p:nvPr>
+            <p:extLst>
+              <p:ext uri="{386F3935-93C4-4BCD-93E2-E3B085C9AB24}">
+                <p16:designElem xmlns:p16="http://schemas.microsoft.com/office/powerpoint/2015/main" val="1"/>
+              </p:ext>
+            </p:extLst>
+          </p:nvPr>
+        </p:nvSpPr>
+        <p:spPr>
+          <a:xfrm rot="5400000">
+            <a:off x="688249" y="346791"/>
+            <a:ext cx="146304" cy="704088"/>
+          </a:xfrm>
+          <a:prstGeom prst="rect">
+            <a:avLst/>
+          </a:prstGeom>
+          <a:solidFill>
+            <a:schemeClr val="accent2"/>
+          </a:solidFill>
+          <a:ln>
+            <a:noFill/>
+          </a:ln>
+        </p:spPr>
+        <p:style>
+          <a:lnRef idx="2">
+            <a:schemeClr val="accent1">
+              <a:shade val="50000"/>
+            </a:schemeClr>
+          </a:lnRef>
+          <a:fillRef idx="1">
+            <a:schemeClr val="accent1"/>
+          </a:fillRef>
+          <a:effectRef idx="0">
+            <a:schemeClr val="accent1"/>
+          </a:effectRef>
+          <a:fontRef idx="minor">
+            <a:schemeClr val="lt1"/>
+          </a:fontRef>
+        </p:style>
+        <p:txBody>
+          <a:bodyPr rtlCol="0" anchor="ctr"/>
+          <a:lstStyle/>
+          <a:p>
+            <a:pPr marL="0" marR="0" lvl="0" indent="0" algn="ctr" defTabSz="914400" rtl="0" eaLnBrk="1" fontAlgn="auto" latinLnBrk="0" hangingPunct="1">
+              <a:lnSpc>
+                <a:spcPct val="100000"/>
+              </a:lnSpc>
+              <a:spcBef>
+                <a:spcPts val="0"/>
+              </a:spcBef>
+              <a:spcAft>
+                <a:spcPts val="0"/>
+              </a:spcAft>
+              <a:buClrTx/>
+              <a:buSzTx/>
+              <a:buFontTx/>
+              <a:buNone/>
+              <a:tabLst/>
+              <a:defRPr/>
+            </a:pPr>
+            <a:endParaRPr kumimoji="0" lang="en-US" sz="1800" b="0" i="0" u="none" strike="noStrike" kern="1200" cap="none" spc="0" normalizeH="0" baseline="0" noProof="0">
+              <a:ln>
+                <a:noFill/>
+              </a:ln>
+              <a:solidFill>
+                <a:prstClr val="white"/>
+              </a:solidFill>
+              <a:effectLst/>
+              <a:uLnTx/>
+              <a:uFillTx/>
+              <a:latin typeface="Calibri" panose="020F0502020204030204"/>
+              <a:ea typeface="+mn-ea"/>
+              <a:cs typeface="+mn-cs"/>
+            </a:endParaRPr>
           </a:p>
         </p:txBody>
       </p:sp>
@@ -7933,8 +9822,8 @@
         </p:blipFill>
         <p:spPr>
           <a:xfrm>
-            <a:off x="6926500" y="-106473"/>
-            <a:ext cx="5350668" cy="3567112"/>
+            <a:off x="3109126" y="84379"/>
+            <a:ext cx="4866393" cy="3244262"/>
           </a:xfrm>
           <a:prstGeom prst="rect">
             <a:avLst/>
@@ -7963,74 +9852,169 @@
         </p:blipFill>
         <p:spPr>
           <a:xfrm>
-            <a:off x="472487" y="1954367"/>
-            <a:ext cx="5486400" cy="3657600"/>
+            <a:off x="5908846" y="3484637"/>
+            <a:ext cx="4671867" cy="3114578"/>
           </a:xfrm>
           <a:prstGeom prst="rect">
             <a:avLst/>
           </a:prstGeom>
         </p:spPr>
       </p:pic>
-      <p:pic>
-        <p:nvPicPr>
-          <p:cNvPr id="13" name="Picture 12" descr="Chart, line chart&#10;&#10;Description automatically generated">
+      <p:sp>
+        <p:nvSpPr>
+          <p:cNvPr id="35" name="Rectangle 34">
             <a:extLst>
               <a:ext uri="{FF2B5EF4-FFF2-40B4-BE49-F238E27FC236}">
-                <a16:creationId xmlns:a16="http://schemas.microsoft.com/office/drawing/2014/main" id="{117A2077-4301-1F40-84CD-C886E62BFF26}"/>
+                <a16:creationId xmlns:a16="http://schemas.microsoft.com/office/drawing/2014/main" id="{67EF550F-47CE-4FB2-9DAC-12AD835C833D}"/>
+              </a:ext>
+              <a:ext uri="{C183D7F6-B498-43B3-948B-1728B52AA6E4}">
+                <adec:decorative xmlns:adec="http://schemas.microsoft.com/office/drawing/2017/decorative" val="1"/>
               </a:ext>
             </a:extLst>
           </p:cNvPr>
-          <p:cNvPicPr>
-            <a:picLocks noChangeAspect="1"/>
-          </p:cNvPicPr>
-          <p:nvPr/>
-        </p:nvPicPr>
-        <p:blipFill>
-          <a:blip r:embed="rId6"/>
-          <a:stretch>
-            <a:fillRect/>
-          </a:stretch>
-        </p:blipFill>
+          <p:cNvSpPr>
+            <a:spLocks noGrp="1" noRot="1" noChangeAspect="1" noMove="1" noResize="1" noEditPoints="1" noAdjustHandles="1" noChangeArrowheads="1" noChangeShapeType="1" noTextEdit="1"/>
+          </p:cNvSpPr>
+          <p:nvPr>
+            <p:extLst>
+              <p:ext uri="{386F3935-93C4-4BCD-93E2-E3B085C9AB24}">
+                <p16:designElem xmlns:p16="http://schemas.microsoft.com/office/powerpoint/2015/main" val="1"/>
+              </p:ext>
+            </p:extLst>
+          </p:nvPr>
+        </p:nvSpPr>
         <p:spPr>
           <a:xfrm>
-            <a:off x="5958887" y="3354166"/>
-            <a:ext cx="5255751" cy="3503834"/>
+            <a:off x="359171" y="4177748"/>
+            <a:ext cx="3706859" cy="18288"/>
           </a:xfrm>
           <a:prstGeom prst="rect">
             <a:avLst/>
           </a:prstGeom>
+          <a:solidFill>
+            <a:srgbClr val="D5D5D5"/>
+          </a:solidFill>
+          <a:ln w="3175">
+            <a:noFill/>
+          </a:ln>
+          <a:effectLst/>
         </p:spPr>
-      </p:pic>
-      <p:pic>
-        <p:nvPicPr>
-          <p:cNvPr id="4" name="Picture 3">
+        <p:style>
+          <a:lnRef idx="2">
+            <a:schemeClr val="accent1">
+              <a:shade val="50000"/>
+            </a:schemeClr>
+          </a:lnRef>
+          <a:fillRef idx="1">
+            <a:schemeClr val="accent1"/>
+          </a:fillRef>
+          <a:effectRef idx="0">
+            <a:schemeClr val="accent1"/>
+          </a:effectRef>
+          <a:fontRef idx="minor">
+            <a:schemeClr val="lt1"/>
+          </a:fontRef>
+        </p:style>
+        <p:txBody>
+          <a:bodyPr rtlCol="0" anchor="ctr"/>
+          <a:lstStyle/>
+          <a:p>
+            <a:pPr marL="0" marR="0" lvl="0" indent="0" algn="ctr" defTabSz="914400" rtl="0" eaLnBrk="1" fontAlgn="auto" latinLnBrk="0" hangingPunct="1">
+              <a:lnSpc>
+                <a:spcPct val="100000"/>
+              </a:lnSpc>
+              <a:spcBef>
+                <a:spcPts val="0"/>
+              </a:spcBef>
+              <a:spcAft>
+                <a:spcPts val="0"/>
+              </a:spcAft>
+              <a:buClrTx/>
+              <a:buSzTx/>
+              <a:buFontTx/>
+              <a:buNone/>
+              <a:tabLst/>
+              <a:defRPr/>
+            </a:pPr>
+            <a:endParaRPr kumimoji="0" lang="en-US" sz="1800" b="0" i="0" u="none" strike="noStrike" kern="1200" cap="none" spc="0" normalizeH="0" baseline="0" noProof="0">
+              <a:ln>
+                <a:noFill/>
+              </a:ln>
+              <a:solidFill>
+                <a:prstClr val="white"/>
+              </a:solidFill>
+              <a:effectLst/>
+              <a:uLnTx/>
+              <a:uFillTx/>
+              <a:latin typeface="Calibri" panose="020F0502020204030204"/>
+              <a:ea typeface="+mn-ea"/>
+              <a:cs typeface="+mn-cs"/>
+            </a:endParaRPr>
+          </a:p>
+        </p:txBody>
+      </p:sp>
+      <p:sp>
+        <p:nvSpPr>
+          <p:cNvPr id="8" name="Oval 7">
             <a:extLst>
               <a:ext uri="{FF2B5EF4-FFF2-40B4-BE49-F238E27FC236}">
-                <a16:creationId xmlns:a16="http://schemas.microsoft.com/office/drawing/2014/main" id="{4A4632CF-B240-7C47-9FD0-54769ECC0077}"/>
+                <a16:creationId xmlns:a16="http://schemas.microsoft.com/office/drawing/2014/main" id="{A8784C02-5AE7-814E-8F69-DD5A5D6ED669}"/>
               </a:ext>
             </a:extLst>
           </p:cNvPr>
-          <p:cNvPicPr>
-            <a:picLocks noChangeAspect="1"/>
-          </p:cNvPicPr>
+          <p:cNvSpPr/>
           <p:nvPr/>
-        </p:nvPicPr>
-        <p:blipFill>
-          <a:blip r:embed="rId7"/>
-          <a:stretch>
-            <a:fillRect/>
-          </a:stretch>
-        </p:blipFill>
+        </p:nvSpPr>
         <p:spPr>
           <a:xfrm>
-            <a:off x="405409" y="4277140"/>
-            <a:ext cx="5486400" cy="3657600"/>
+            <a:off x="-1351803" y="2913680"/>
+            <a:ext cx="5926179" cy="4828032"/>
           </a:xfrm>
-          <a:prstGeom prst="rect">
+          <a:prstGeom prst="ellipse">
             <a:avLst/>
           </a:prstGeom>
+          <a:blipFill dpi="0" rotWithShape="1">
+            <a:blip r:embed="rId6">
+              <a:extLst>
+                <a:ext uri="{28A0092B-C50C-407E-A947-70E740481C1C}">
+                  <a14:useLocalDpi xmlns:a14="http://schemas.microsoft.com/office/drawing/2010/main" val="0"/>
+                </a:ext>
+              </a:extLst>
+            </a:blip>
+            <a:srcRect/>
+            <a:stretch>
+              <a:fillRect/>
+            </a:stretch>
+          </a:blipFill>
+          <a:ln>
+            <a:noFill/>
+          </a:ln>
         </p:spPr>
-      </p:pic>
+        <p:style>
+          <a:lnRef idx="2">
+            <a:schemeClr val="accent1">
+              <a:shade val="50000"/>
+            </a:schemeClr>
+          </a:lnRef>
+          <a:fillRef idx="1">
+            <a:schemeClr val="accent1"/>
+          </a:fillRef>
+          <a:effectRef idx="0">
+            <a:schemeClr val="accent1"/>
+          </a:effectRef>
+          <a:fontRef idx="minor">
+            <a:schemeClr val="lt1"/>
+          </a:fontRef>
+        </p:style>
+        <p:txBody>
+          <a:bodyPr rtlCol="0" anchor="ctr"/>
+          <a:lstStyle/>
+          <a:p>
+            <a:pPr algn="ctr"/>
+            <a:endParaRPr lang="en-US"/>
+          </a:p>
+        </p:txBody>
+      </p:sp>
     </p:spTree>
     <p:extLst>
       <p:ext uri="{BB962C8B-B14F-4D97-AF65-F5344CB8AC3E}">
@@ -8045,6 +10029,188 @@
 </file>
 
 <file path=ppt/slides/slide6.xml><?xml version="1.0" encoding="utf-8"?>
+<p:sld xmlns:a="http://schemas.openxmlformats.org/drawingml/2006/main" xmlns:r="http://schemas.openxmlformats.org/officeDocument/2006/relationships" xmlns:p="http://schemas.openxmlformats.org/presentationml/2006/main">
+  <p:cSld>
+    <p:spTree>
+      <p:nvGrpSpPr>
+        <p:cNvPr id="1" name=""/>
+        <p:cNvGrpSpPr/>
+        <p:nvPr/>
+      </p:nvGrpSpPr>
+      <p:grpSpPr>
+        <a:xfrm>
+          <a:off x="0" y="0"/>
+          <a:ext cx="0" cy="0"/>
+          <a:chOff x="0" y="0"/>
+          <a:chExt cx="0" cy="0"/>
+        </a:xfrm>
+      </p:grpSpPr>
+      <p:sp>
+        <p:nvSpPr>
+          <p:cNvPr id="2" name="Title 1">
+            <a:extLst>
+              <a:ext uri="{FF2B5EF4-FFF2-40B4-BE49-F238E27FC236}">
+                <a16:creationId xmlns:a16="http://schemas.microsoft.com/office/drawing/2014/main" id="{CB27D08D-F895-964C-BDC2-E4460FC08AC7}"/>
+              </a:ext>
+            </a:extLst>
+          </p:cNvPr>
+          <p:cNvSpPr>
+            <a:spLocks noGrp="1"/>
+          </p:cNvSpPr>
+          <p:nvPr>
+            <p:ph type="title"/>
+          </p:nvPr>
+        </p:nvSpPr>
+        <p:spPr>
+          <a:xfrm>
+            <a:off x="2665771" y="264325"/>
+            <a:ext cx="6860458" cy="1325563"/>
+          </a:xfrm>
+        </p:spPr>
+        <p:txBody>
+          <a:bodyPr/>
+          <a:lstStyle/>
+          <a:p>
+            <a:pPr algn="ctr"/>
+            <a:r>
+              <a:rPr lang="en-US" b="1" dirty="0">
+                <a:latin typeface="Tahoma" panose="020B0604030504040204" pitchFamily="34" charset="0"/>
+                <a:ea typeface="Tahoma" panose="020B0604030504040204" pitchFamily="34" charset="0"/>
+                <a:cs typeface="Tahoma" panose="020B0604030504040204" pitchFamily="34" charset="0"/>
+              </a:rPr>
+              <a:t>Chaos and food…</a:t>
+            </a:r>
+          </a:p>
+        </p:txBody>
+      </p:sp>
+      <p:pic>
+        <p:nvPicPr>
+          <p:cNvPr id="4" name="Picture 3">
+            <a:extLst>
+              <a:ext uri="{FF2B5EF4-FFF2-40B4-BE49-F238E27FC236}">
+                <a16:creationId xmlns:a16="http://schemas.microsoft.com/office/drawing/2014/main" id="{0D7294BA-6438-F145-B2AC-FC22425FF917}"/>
+              </a:ext>
+            </a:extLst>
+          </p:cNvPr>
+          <p:cNvPicPr>
+            <a:picLocks noChangeAspect="1"/>
+          </p:cNvPicPr>
+          <p:nvPr/>
+        </p:nvPicPr>
+        <p:blipFill>
+          <a:blip r:embed="rId3"/>
+          <a:stretch>
+            <a:fillRect/>
+          </a:stretch>
+        </p:blipFill>
+        <p:spPr>
+          <a:xfrm>
+            <a:off x="2549471" y="1250892"/>
+            <a:ext cx="7093058" cy="4728705"/>
+          </a:xfrm>
+          <a:prstGeom prst="rect">
+            <a:avLst/>
+          </a:prstGeom>
+        </p:spPr>
+      </p:pic>
+      <p:sp>
+        <p:nvSpPr>
+          <p:cNvPr id="17" name="TextBox 16">
+            <a:extLst>
+              <a:ext uri="{FF2B5EF4-FFF2-40B4-BE49-F238E27FC236}">
+                <a16:creationId xmlns:a16="http://schemas.microsoft.com/office/drawing/2014/main" id="{6E6F03EF-88EE-3644-B78A-2DE7E0672440}"/>
+              </a:ext>
+            </a:extLst>
+          </p:cNvPr>
+          <p:cNvSpPr txBox="1"/>
+          <p:nvPr/>
+        </p:nvSpPr>
+        <p:spPr>
+          <a:xfrm>
+            <a:off x="0" y="6627168"/>
+            <a:ext cx="3006671" cy="230832"/>
+          </a:xfrm>
+          <a:prstGeom prst="rect">
+            <a:avLst/>
+          </a:prstGeom>
+          <a:noFill/>
+        </p:spPr>
+        <p:txBody>
+          <a:bodyPr wrap="square" rtlCol="0">
+            <a:spAutoFit/>
+          </a:bodyPr>
+          <a:lstStyle/>
+          <a:p>
+            <a:r>
+              <a:rPr lang="en-US" sz="900" dirty="0">
+                <a:hlinkClick r:id="rId4" tooltip="https://en.wikipedia.org/wiki/File:Empty_supermarket_shelves_before_Hurricane_Sandy,_Montgomery,_NY.jpg"/>
+              </a:rPr>
+              <a:t>This Photo</a:t>
+            </a:r>
+            <a:r>
+              <a:rPr lang="en-US" sz="900" dirty="0"/>
+              <a:t> by Unknown Author is licensed under </a:t>
+            </a:r>
+            <a:r>
+              <a:rPr lang="en-US" sz="900" dirty="0">
+                <a:hlinkClick r:id="rId5" tooltip="https://creativecommons.org/licenses/by-sa/3.0/"/>
+              </a:rPr>
+              <a:t>CC BY-SA</a:t>
+            </a:r>
+            <a:endParaRPr lang="en-US" sz="900" dirty="0"/>
+          </a:p>
+        </p:txBody>
+      </p:sp>
+      <p:pic>
+        <p:nvPicPr>
+          <p:cNvPr id="29" name="Picture 28" descr="A drawing of a cartoon character&#10;&#10;Description automatically generated">
+            <a:extLst>
+              <a:ext uri="{FF2B5EF4-FFF2-40B4-BE49-F238E27FC236}">
+                <a16:creationId xmlns:a16="http://schemas.microsoft.com/office/drawing/2014/main" id="{B08B11B8-B133-1B42-AB5D-62F091A16CFB}"/>
+              </a:ext>
+            </a:extLst>
+          </p:cNvPr>
+          <p:cNvPicPr>
+            <a:picLocks noChangeAspect="1"/>
+          </p:cNvPicPr>
+          <p:nvPr/>
+        </p:nvPicPr>
+        <p:blipFill>
+          <a:blip r:embed="rId6">
+            <a:extLst>
+              <a:ext uri="{837473B0-CC2E-450A-ABE3-18F120FF3D39}">
+                <a1611:picAttrSrcUrl xmlns:a1611="http://schemas.microsoft.com/office/drawing/2016/11/main" r:id="rId7"/>
+              </a:ext>
+            </a:extLst>
+          </a:blip>
+          <a:stretch>
+            <a:fillRect/>
+          </a:stretch>
+        </p:blipFill>
+        <p:spPr>
+          <a:xfrm>
+            <a:off x="259808" y="4391770"/>
+            <a:ext cx="2086055" cy="2030278"/>
+          </a:xfrm>
+          <a:prstGeom prst="rect">
+            <a:avLst/>
+          </a:prstGeom>
+        </p:spPr>
+      </p:pic>
+    </p:spTree>
+    <p:extLst>
+      <p:ext uri="{BB962C8B-B14F-4D97-AF65-F5344CB8AC3E}">
+        <p14:creationId xmlns:p14="http://schemas.microsoft.com/office/powerpoint/2010/main" val="266981489"/>
+      </p:ext>
+    </p:extLst>
+  </p:cSld>
+  <p:clrMapOvr>
+    <a:masterClrMapping/>
+  </p:clrMapOvr>
+</p:sld>
+</file>
+
+<file path=ppt/slides/slide7.xml><?xml version="1.0" encoding="utf-8"?>
 <p:sld xmlns:a="http://schemas.openxmlformats.org/drawingml/2006/main" xmlns:r="http://schemas.openxmlformats.org/officeDocument/2006/relationships" xmlns:p="http://schemas.openxmlformats.org/presentationml/2006/main">
   <p:cSld>
     <p:bg>
@@ -8085,7 +10251,7 @@
         </p:nvPicPr>
         <p:blipFill>
           <a:blip r:embed="rId3">
-            <a:alphaModFix amt="67000"/>
+            <a:alphaModFix/>
           </a:blip>
           <a:stretch>
             <a:fillRect/>
@@ -8093,7 +10259,7 @@
         </p:blipFill>
         <p:spPr>
           <a:xfrm>
-            <a:off x="0" y="0"/>
+            <a:off x="0" y="-11988"/>
             <a:ext cx="12192000" cy="6858000"/>
           </a:xfrm>
           <a:prstGeom prst="rect">
@@ -8115,8 +10281,8 @@
         </p:nvSpPr>
         <p:spPr>
           <a:xfrm>
-            <a:off x="3575957" y="3839860"/>
-            <a:ext cx="4931229" cy="3018140"/>
+            <a:off x="5849304" y="3533752"/>
+            <a:ext cx="4931229" cy="3242901"/>
           </a:xfrm>
           <a:prstGeom prst="rect">
             <a:avLst/>
@@ -8167,8 +10333,8 @@
         </p:nvSpPr>
         <p:spPr>
           <a:xfrm>
-            <a:off x="7413171" y="984413"/>
-            <a:ext cx="4408715" cy="3010848"/>
+            <a:off x="6735825" y="118435"/>
+            <a:ext cx="4690634" cy="3195725"/>
           </a:xfrm>
           <a:prstGeom prst="rect">
             <a:avLst/>
@@ -8219,8 +10385,8 @@
         </p:nvSpPr>
         <p:spPr>
           <a:xfrm>
-            <a:off x="424543" y="1143000"/>
-            <a:ext cx="4713515" cy="2852261"/>
+            <a:off x="312634" y="1848223"/>
+            <a:ext cx="5224036" cy="3330494"/>
           </a:xfrm>
           <a:prstGeom prst="rect">
             <a:avLst/>
@@ -8277,8 +10443,8 @@
         </p:blipFill>
         <p:spPr>
           <a:xfrm>
-            <a:off x="7413171" y="964132"/>
-            <a:ext cx="4546693" cy="3031129"/>
+            <a:off x="6649012" y="81347"/>
+            <a:ext cx="4882210" cy="3195724"/>
           </a:xfrm>
           <a:prstGeom prst="rect">
             <a:avLst/>
@@ -8307,8 +10473,8 @@
         </p:blipFill>
         <p:spPr>
           <a:xfrm>
-            <a:off x="591365" y="984413"/>
-            <a:ext cx="4546693" cy="3031128"/>
+            <a:off x="419976" y="1819149"/>
+            <a:ext cx="5029881" cy="3195725"/>
           </a:xfrm>
           <a:prstGeom prst="rect">
             <a:avLst/>
@@ -8337,8 +10503,8 @@
         </p:blipFill>
         <p:spPr>
           <a:xfrm>
-            <a:off x="3822653" y="3664176"/>
-            <a:ext cx="4546693" cy="3031130"/>
+            <a:off x="5863511" y="3533752"/>
+            <a:ext cx="4931229" cy="3205813"/>
           </a:xfrm>
           <a:prstGeom prst="rect">
             <a:avLst/>
@@ -8363,8 +10529,8 @@
         </p:nvSpPr>
         <p:spPr>
           <a:xfrm>
-            <a:off x="424543" y="-11988"/>
-            <a:ext cx="11038114" cy="1325563"/>
+            <a:off x="424543" y="299266"/>
+            <a:ext cx="5671457" cy="1325563"/>
           </a:xfrm>
         </p:spPr>
         <p:txBody>
@@ -8375,11 +10541,35 @@
           <a:p>
             <a:r>
               <a:rPr lang="en-US" b="1" dirty="0">
+                <a:solidFill>
+                  <a:schemeClr val="bg1"/>
+                </a:solidFill>
                 <a:latin typeface="Tahoma" panose="020B0604030504040204" pitchFamily="34" charset="0"/>
                 <a:ea typeface="Tahoma" panose="020B0604030504040204" pitchFamily="34" charset="0"/>
                 <a:cs typeface="Tahoma" panose="020B0604030504040204" pitchFamily="34" charset="0"/>
               </a:rPr>
-              <a:t>When in panic…always drink more</a:t>
+              <a:t>When in panic…</a:t>
+            </a:r>
+            <a:br>
+              <a:rPr lang="en-US" b="1" dirty="0">
+                <a:solidFill>
+                  <a:schemeClr val="bg1"/>
+                </a:solidFill>
+                <a:latin typeface="Tahoma" panose="020B0604030504040204" pitchFamily="34" charset="0"/>
+                <a:ea typeface="Tahoma" panose="020B0604030504040204" pitchFamily="34" charset="0"/>
+                <a:cs typeface="Tahoma" panose="020B0604030504040204" pitchFamily="34" charset="0"/>
+              </a:rPr>
+            </a:br>
+            <a:r>
+              <a:rPr lang="en-US" b="1" dirty="0">
+                <a:solidFill>
+                  <a:schemeClr val="bg1"/>
+                </a:solidFill>
+                <a:latin typeface="Tahoma" panose="020B0604030504040204" pitchFamily="34" charset="0"/>
+                <a:ea typeface="Tahoma" panose="020B0604030504040204" pitchFamily="34" charset="0"/>
+                <a:cs typeface="Tahoma" panose="020B0604030504040204" pitchFamily="34" charset="0"/>
+              </a:rPr>
+              <a:t>always drink more</a:t>
             </a:r>
           </a:p>
         </p:txBody>
@@ -8397,7 +10587,7 @@
 </p:sld>
 </file>
 
-<file path=ppt/slides/slide7.xml><?xml version="1.0" encoding="utf-8"?>
+<file path=ppt/slides/slide8.xml><?xml version="1.0" encoding="utf-8"?>
 <p:sld xmlns:a="http://schemas.openxmlformats.org/drawingml/2006/main" xmlns:r="http://schemas.openxmlformats.org/officeDocument/2006/relationships" xmlns:p="http://schemas.openxmlformats.org/presentationml/2006/main">
   <p:cSld>
     <p:bg>
@@ -9021,9 +11211,17 @@
 </p:sld>
 </file>
 
-<file path=ppt/slides/slide8.xml><?xml version="1.0" encoding="utf-8"?>
+<file path=ppt/slides/slide9.xml><?xml version="1.0" encoding="utf-8"?>
 <p:sld xmlns:a="http://schemas.openxmlformats.org/drawingml/2006/main" xmlns:r="http://schemas.openxmlformats.org/officeDocument/2006/relationships" xmlns:p="http://schemas.openxmlformats.org/presentationml/2006/main">
   <p:cSld>
+    <p:bg>
+      <p:bgPr>
+        <a:solidFill>
+          <a:schemeClr val="bg1"/>
+        </a:solidFill>
+        <a:effectLst/>
+      </p:bgPr>
+    </p:bg>
     <p:spTree>
       <p:nvGrpSpPr>
         <p:cNvPr id="1" name=""/>
@@ -9038,6 +11236,66 @@
           <a:chExt cx="0" cy="0"/>
         </a:xfrm>
       </p:grpSpPr>
+      <p:sp useBgFill="1">
+        <p:nvSpPr>
+          <p:cNvPr id="16" name="Rectangle 15">
+            <a:extLst>
+              <a:ext uri="{FF2B5EF4-FFF2-40B4-BE49-F238E27FC236}">
+                <a16:creationId xmlns:a16="http://schemas.microsoft.com/office/drawing/2014/main" id="{64EEF0D6-2D1F-491D-AC56-0F0F95A316F7}"/>
+              </a:ext>
+              <a:ext uri="{C183D7F6-B498-43B3-948B-1728B52AA6E4}">
+                <adec:decorative xmlns:adec="http://schemas.microsoft.com/office/drawing/2017/decorative" val="1"/>
+              </a:ext>
+            </a:extLst>
+          </p:cNvPr>
+          <p:cNvSpPr>
+            <a:spLocks noGrp="1" noRot="1" noChangeAspect="1" noMove="1" noResize="1" noEditPoints="1" noAdjustHandles="1" noChangeArrowheads="1" noChangeShapeType="1" noTextEdit="1"/>
+          </p:cNvSpPr>
+          <p:nvPr>
+            <p:extLst>
+              <p:ext uri="{386F3935-93C4-4BCD-93E2-E3B085C9AB24}">
+                <p16:designElem xmlns:p16="http://schemas.microsoft.com/office/powerpoint/2015/main" val="1"/>
+              </p:ext>
+            </p:extLst>
+          </p:nvPr>
+        </p:nvSpPr>
+        <p:spPr>
+          <a:xfrm>
+            <a:off x="0" y="0"/>
+            <a:ext cx="12188952" cy="6858000"/>
+          </a:xfrm>
+          <a:prstGeom prst="rect">
+            <a:avLst/>
+          </a:prstGeom>
+          <a:ln>
+            <a:noFill/>
+          </a:ln>
+        </p:spPr>
+        <p:style>
+          <a:lnRef idx="2">
+            <a:schemeClr val="accent1">
+              <a:shade val="50000"/>
+            </a:schemeClr>
+          </a:lnRef>
+          <a:fillRef idx="1">
+            <a:schemeClr val="accent1"/>
+          </a:fillRef>
+          <a:effectRef idx="0">
+            <a:schemeClr val="accent1"/>
+          </a:effectRef>
+          <a:fontRef idx="minor">
+            <a:schemeClr val="lt1"/>
+          </a:fontRef>
+        </p:style>
+        <p:txBody>
+          <a:bodyPr rtlCol="0" anchor="ctr"/>
+          <a:lstStyle/>
+          <a:p>
+            <a:pPr algn="ctr"/>
+            <a:endParaRPr lang="en-US"/>
+          </a:p>
+        </p:txBody>
+      </p:sp>
       <p:pic>
         <p:nvPicPr>
           <p:cNvPr id="11" name="Picture 10" descr="A person using a computer sitting on top of a table&#10;&#10;Description automatically generated">
@@ -9052,74 +11310,229 @@
           </p:cNvPicPr>
           <p:nvPr/>
         </p:nvPicPr>
-        <p:blipFill>
-          <a:blip r:embed="rId3">
-            <a:alphaModFix amt="47000"/>
-          </a:blip>
-          <a:stretch>
-            <a:fillRect/>
-          </a:stretch>
+        <p:blipFill rotWithShape="1">
+          <a:blip r:embed="rId3"/>
+          <a:srcRect l="24408" r="43611" b="-2"/>
+          <a:stretch/>
         </p:blipFill>
         <p:spPr>
           <a:xfrm>
-            <a:off x="0" y="1"/>
-            <a:ext cx="12220122" cy="6858000"/>
+            <a:off x="0" y="0"/>
+            <a:ext cx="3185652" cy="6858000"/>
           </a:xfrm>
-          <a:prstGeom prst="rect">
+          <a:custGeom>
             <a:avLst/>
-          </a:prstGeom>
+            <a:gdLst/>
+            <a:ahLst/>
+            <a:cxnLst/>
+            <a:rect l="l" t="t" r="r" b="b"/>
+            <a:pathLst>
+              <a:path w="3285713" h="6858000">
+                <a:moveTo>
+                  <a:pt x="16970" y="0"/>
+                </a:moveTo>
+                <a:lnTo>
+                  <a:pt x="3269111" y="0"/>
+                </a:lnTo>
+                <a:lnTo>
+                  <a:pt x="3265544" y="140686"/>
+                </a:lnTo>
+                <a:cubicBezTo>
+                  <a:pt x="3266106" y="312749"/>
+                  <a:pt x="3278516" y="484544"/>
+                  <a:pt x="3276399" y="655695"/>
+                </a:cubicBezTo>
+                <a:cubicBezTo>
+                  <a:pt x="3275270" y="750938"/>
+                  <a:pt x="3254102" y="845927"/>
+                  <a:pt x="3258053" y="941424"/>
+                </a:cubicBezTo>
+                <a:cubicBezTo>
+                  <a:pt x="3269625" y="1230836"/>
+                  <a:pt x="3265815" y="1520375"/>
+                  <a:pt x="3280916" y="1809660"/>
+                </a:cubicBezTo>
+                <a:cubicBezTo>
+                  <a:pt x="3290682" y="1950657"/>
+                  <a:pt x="3285530" y="2092164"/>
+                  <a:pt x="3265533" y="2232285"/>
+                </a:cubicBezTo>
+                <a:cubicBezTo>
+                  <a:pt x="3248879" y="2337306"/>
+                  <a:pt x="3259182" y="2443217"/>
+                  <a:pt x="3266238" y="2548746"/>
+                </a:cubicBezTo>
+                <a:cubicBezTo>
+                  <a:pt x="3274847" y="2676498"/>
+                  <a:pt x="3279504" y="2804125"/>
+                  <a:pt x="3265391" y="2932131"/>
+                </a:cubicBezTo>
+                <a:cubicBezTo>
+                  <a:pt x="3255231" y="3023183"/>
+                  <a:pt x="3264686" y="3114743"/>
+                  <a:pt x="3270331" y="3206050"/>
+                </a:cubicBezTo>
+                <a:cubicBezTo>
+                  <a:pt x="3277669" y="3301343"/>
+                  <a:pt x="3277669" y="3396993"/>
+                  <a:pt x="3270331" y="3492287"/>
+                </a:cubicBezTo>
+                <a:cubicBezTo>
+                  <a:pt x="3262965" y="3579403"/>
+                  <a:pt x="3264715" y="3666937"/>
+                  <a:pt x="3275553" y="3753761"/>
+                </a:cubicBezTo>
+                <a:cubicBezTo>
+                  <a:pt x="3287407" y="3855353"/>
+                  <a:pt x="3278234" y="3956946"/>
+                  <a:pt x="3269625" y="4058539"/>
+                </a:cubicBezTo>
+                <a:cubicBezTo>
+                  <a:pt x="3254243" y="4237342"/>
+                  <a:pt x="3261158" y="4416017"/>
+                  <a:pt x="3272448" y="4594439"/>
+                </a:cubicBezTo>
+                <a:cubicBezTo>
+                  <a:pt x="3279674" y="4717278"/>
+                  <a:pt x="3275708" y="4840446"/>
+                  <a:pt x="3260594" y="4962713"/>
+                </a:cubicBezTo>
+                <a:cubicBezTo>
+                  <a:pt x="3257912" y="4987031"/>
+                  <a:pt x="3256818" y="5011382"/>
+                  <a:pt x="3256271" y="5035748"/>
+                </a:cubicBezTo>
+                <a:lnTo>
+                  <a:pt x="3255961" y="5057561"/>
+                </a:lnTo>
+                <a:lnTo>
+                  <a:pt x="3252009" y="5100947"/>
+                </a:lnTo>
+                <a:lnTo>
+                  <a:pt x="3255359" y="5173266"/>
+                </a:lnTo>
+                <a:lnTo>
+                  <a:pt x="3255007" y="5180867"/>
+                </a:lnTo>
+                <a:lnTo>
+                  <a:pt x="3260282" y="5238783"/>
+                </a:lnTo>
+                <a:lnTo>
+                  <a:pt x="3271301" y="5440455"/>
+                </a:lnTo>
+                <a:cubicBezTo>
+                  <a:pt x="3272550" y="5528263"/>
+                  <a:pt x="3270254" y="5616112"/>
+                  <a:pt x="3264404" y="5703831"/>
+                </a:cubicBezTo>
+                <a:cubicBezTo>
+                  <a:pt x="3255795" y="5865363"/>
+                  <a:pt x="3264686" y="6026641"/>
+                  <a:pt x="3275130" y="6188047"/>
+                </a:cubicBezTo>
+                <a:cubicBezTo>
+                  <a:pt x="3287548" y="6379930"/>
+                  <a:pt x="3267791" y="6571686"/>
+                  <a:pt x="3264827" y="6763568"/>
+                </a:cubicBezTo>
+                <a:cubicBezTo>
+                  <a:pt x="3264545" y="6780776"/>
+                  <a:pt x="3265603" y="6798015"/>
+                  <a:pt x="3266909" y="6815254"/>
+                </a:cubicBezTo>
+                <a:lnTo>
+                  <a:pt x="3269857" y="6858000"/>
+                </a:lnTo>
+                <a:lnTo>
+                  <a:pt x="15795" y="6858000"/>
+                </a:lnTo>
+                <a:lnTo>
+                  <a:pt x="11716" y="6584216"/>
+                </a:lnTo>
+                <a:cubicBezTo>
+                  <a:pt x="9693" y="6488368"/>
+                  <a:pt x="8801" y="6392585"/>
+                  <a:pt x="14216" y="6297024"/>
+                </a:cubicBezTo>
+                <a:cubicBezTo>
+                  <a:pt x="20970" y="6178401"/>
+                  <a:pt x="19695" y="6058378"/>
+                  <a:pt x="14981" y="5940264"/>
+                </a:cubicBezTo>
+                <a:cubicBezTo>
+                  <a:pt x="10266" y="5822153"/>
+                  <a:pt x="3896" y="5703912"/>
+                  <a:pt x="14981" y="5585799"/>
+                </a:cubicBezTo>
+                <a:cubicBezTo>
+                  <a:pt x="23136" y="5483192"/>
+                  <a:pt x="25047" y="5380177"/>
+                  <a:pt x="20714" y="5277330"/>
+                </a:cubicBezTo>
+                <a:cubicBezTo>
+                  <a:pt x="15745" y="5098058"/>
+                  <a:pt x="6063" y="4918659"/>
+                  <a:pt x="16637" y="4739386"/>
+                </a:cubicBezTo>
+                <a:cubicBezTo>
+                  <a:pt x="32819" y="4468249"/>
+                  <a:pt x="23136" y="4197366"/>
+                  <a:pt x="10394" y="3926484"/>
+                </a:cubicBezTo>
+                <a:cubicBezTo>
+                  <a:pt x="1475" y="3741096"/>
+                  <a:pt x="-5915" y="3555837"/>
+                  <a:pt x="6827" y="3370449"/>
+                </a:cubicBezTo>
+                <a:cubicBezTo>
+                  <a:pt x="19822" y="3179328"/>
+                  <a:pt x="35749" y="2988333"/>
+                  <a:pt x="25939" y="2796448"/>
+                </a:cubicBezTo>
+                <a:cubicBezTo>
+                  <a:pt x="19568" y="2674258"/>
+                  <a:pt x="7463" y="2552194"/>
+                  <a:pt x="15364" y="2429877"/>
+                </a:cubicBezTo>
+                <a:cubicBezTo>
+                  <a:pt x="21696" y="2301584"/>
+                  <a:pt x="19861" y="2173023"/>
+                  <a:pt x="9885" y="2044959"/>
+                </a:cubicBezTo>
+                <a:cubicBezTo>
+                  <a:pt x="4151" y="1980959"/>
+                  <a:pt x="4151" y="1916564"/>
+                  <a:pt x="9885" y="1852564"/>
+                </a:cubicBezTo>
+                <a:cubicBezTo>
+                  <a:pt x="26168" y="1696405"/>
+                  <a:pt x="30423" y="1539214"/>
+                  <a:pt x="22626" y="1382405"/>
+                </a:cubicBezTo>
+                <a:cubicBezTo>
+                  <a:pt x="18166" y="1264292"/>
+                  <a:pt x="10394" y="1146307"/>
+                  <a:pt x="15872" y="1027940"/>
+                </a:cubicBezTo>
+                <a:cubicBezTo>
+                  <a:pt x="22370" y="889440"/>
+                  <a:pt x="27340" y="750814"/>
+                  <a:pt x="20970" y="612314"/>
+                </a:cubicBezTo>
+                <a:cubicBezTo>
+                  <a:pt x="14267" y="463706"/>
+                  <a:pt x="15452" y="314847"/>
+                  <a:pt x="24536" y="166365"/>
+                </a:cubicBezTo>
+                <a:close/>
+              </a:path>
+            </a:pathLst>
+          </a:custGeom>
         </p:spPr>
       </p:pic>
-      <p:sp>
-        <p:nvSpPr>
-          <p:cNvPr id="2" name="Title 1">
-            <a:extLst>
-              <a:ext uri="{FF2B5EF4-FFF2-40B4-BE49-F238E27FC236}">
-                <a16:creationId xmlns:a16="http://schemas.microsoft.com/office/drawing/2014/main" id="{22CB153B-7AC2-1F4D-8433-779B2356BF8A}"/>
-              </a:ext>
-            </a:extLst>
-          </p:cNvPr>
-          <p:cNvSpPr>
-            <a:spLocks noGrp="1"/>
-          </p:cNvSpPr>
-          <p:nvPr>
-            <p:ph type="title"/>
-          </p:nvPr>
-        </p:nvSpPr>
-        <p:spPr/>
-        <p:txBody>
-          <a:bodyPr/>
-          <a:lstStyle/>
-          <a:p>
-            <a:r>
-              <a:rPr lang="en-US" b="1" dirty="0">
-                <a:latin typeface="Tahoma" panose="020B0604030504040204" pitchFamily="34" charset="0"/>
-                <a:ea typeface="Tahoma" panose="020B0604030504040204" pitchFamily="34" charset="0"/>
-                <a:cs typeface="Tahoma" panose="020B0604030504040204" pitchFamily="34" charset="0"/>
-              </a:rPr>
-              <a:t>Being productive in a </a:t>
-            </a:r>
-            <a:br>
-              <a:rPr lang="en-US" b="1" dirty="0">
-                <a:latin typeface="Tahoma" panose="020B0604030504040204" pitchFamily="34" charset="0"/>
-                <a:ea typeface="Tahoma" panose="020B0604030504040204" pitchFamily="34" charset="0"/>
-                <a:cs typeface="Tahoma" panose="020B0604030504040204" pitchFamily="34" charset="0"/>
-              </a:rPr>
-            </a:br>
-            <a:r>
-              <a:rPr lang="en-US" b="1" dirty="0">
-                <a:latin typeface="Tahoma" panose="020B0604030504040204" pitchFamily="34" charset="0"/>
-                <a:ea typeface="Tahoma" panose="020B0604030504040204" pitchFamily="34" charset="0"/>
-                <a:cs typeface="Tahoma" panose="020B0604030504040204" pitchFamily="34" charset="0"/>
-              </a:rPr>
-              <a:t>new world</a:t>
-            </a:r>
-          </a:p>
-        </p:txBody>
-      </p:sp>
       <p:pic>
         <p:nvPicPr>
-          <p:cNvPr id="5" name="Picture 4" descr="Chart, line chart&#10;&#10;Description automatically generated">
+          <p:cNvPr id="5" name="Picture 4">
             <a:extLst>
               <a:ext uri="{FF2B5EF4-FFF2-40B4-BE49-F238E27FC236}">
                 <a16:creationId xmlns:a16="http://schemas.microsoft.com/office/drawing/2014/main" id="{65395D38-0514-A340-A969-4BF3F78C3DEB}"/>
@@ -9133,23 +11546,422 @@
         </p:nvPicPr>
         <p:blipFill>
           <a:blip r:embed="rId4"/>
-          <a:stretch>
-            <a:fillRect/>
-          </a:stretch>
+          <a:srcRect l="9028" r="9028"/>
+          <a:stretch/>
         </p:blipFill>
         <p:spPr>
           <a:xfrm>
-            <a:off x="233151" y="2055812"/>
-            <a:ext cx="5716815" cy="3811210"/>
+            <a:off x="4645173" y="47454"/>
+            <a:ext cx="4913464" cy="3491531"/>
           </a:xfrm>
-          <a:prstGeom prst="rect">
+          <a:custGeom>
             <a:avLst/>
-          </a:prstGeom>
+            <a:gdLst/>
+            <a:ahLst/>
+            <a:cxnLst/>
+            <a:rect l="l" t="t" r="r" b="b"/>
+            <a:pathLst>
+              <a:path w="4026354" h="4194731">
+                <a:moveTo>
+                  <a:pt x="23605" y="0"/>
+                </a:moveTo>
+                <a:lnTo>
+                  <a:pt x="4026354" y="0"/>
+                </a:lnTo>
+                <a:lnTo>
+                  <a:pt x="4026354" y="4174564"/>
+                </a:lnTo>
+                <a:lnTo>
+                  <a:pt x="3905945" y="4162010"/>
+                </a:lnTo>
+                <a:cubicBezTo>
+                  <a:pt x="3861284" y="4160178"/>
+                  <a:pt x="3816513" y="4161154"/>
+                  <a:pt x="3771885" y="4164948"/>
+                </a:cubicBezTo>
+                <a:cubicBezTo>
+                  <a:pt x="3541871" y="4179705"/>
+                  <a:pt x="3311601" y="4173044"/>
+                  <a:pt x="3081586" y="4176309"/>
+                </a:cubicBezTo>
+                <a:cubicBezTo>
+                  <a:pt x="2773880" y="4180750"/>
+                  <a:pt x="2466429" y="4169388"/>
+                  <a:pt x="2158851" y="4168344"/>
+                </a:cubicBezTo>
+                <a:cubicBezTo>
+                  <a:pt x="2095807" y="4168083"/>
+                  <a:pt x="2032508" y="4171478"/>
+                  <a:pt x="1969719" y="4176701"/>
+                </a:cubicBezTo>
+                <a:cubicBezTo>
+                  <a:pt x="1882731" y="4183754"/>
+                  <a:pt x="1796889" y="4174873"/>
+                  <a:pt x="1710666" y="4166515"/>
+                </a:cubicBezTo>
+                <a:cubicBezTo>
+                  <a:pt x="1606738" y="4156460"/>
+                  <a:pt x="1503066" y="4165340"/>
+                  <a:pt x="1399776" y="4176963"/>
+                </a:cubicBezTo>
+                <a:cubicBezTo>
+                  <a:pt x="1222450" y="4196539"/>
+                  <a:pt x="1043788" y="4199947"/>
+                  <a:pt x="865876" y="4187149"/>
+                </a:cubicBezTo>
+                <a:cubicBezTo>
+                  <a:pt x="669356" y="4173436"/>
+                  <a:pt x="472966" y="4175918"/>
+                  <a:pt x="276446" y="4176963"/>
+                </a:cubicBezTo>
+                <a:lnTo>
+                  <a:pt x="21362" y="4176292"/>
+                </a:lnTo>
+                <a:lnTo>
+                  <a:pt x="14458" y="4122289"/>
+                </a:lnTo>
+                <a:cubicBezTo>
+                  <a:pt x="3338" y="4042652"/>
+                  <a:pt x="-1375" y="3962394"/>
+                  <a:pt x="346" y="3882149"/>
+                </a:cubicBezTo>
+                <a:cubicBezTo>
+                  <a:pt x="205" y="3686075"/>
+                  <a:pt x="9942" y="3490382"/>
+                  <a:pt x="27583" y="3294816"/>
+                </a:cubicBezTo>
+                <a:cubicBezTo>
+                  <a:pt x="31859" y="3222826"/>
+                  <a:pt x="29926" y="3150656"/>
+                  <a:pt x="21797" y="3078932"/>
+                </a:cubicBezTo>
+                <a:cubicBezTo>
+                  <a:pt x="13668" y="2997950"/>
+                  <a:pt x="16505" y="2916371"/>
+                  <a:pt x="30264" y="2835999"/>
+                </a:cubicBezTo>
+                <a:cubicBezTo>
+                  <a:pt x="47622" y="2740756"/>
+                  <a:pt x="39860" y="2645512"/>
+                  <a:pt x="33510" y="2550269"/>
+                </a:cubicBezTo>
+                <a:cubicBezTo>
+                  <a:pt x="16152" y="2288796"/>
+                  <a:pt x="-5017" y="2027322"/>
+                  <a:pt x="9096" y="1764959"/>
+                </a:cubicBezTo>
+                <a:cubicBezTo>
+                  <a:pt x="12060" y="1708956"/>
+                  <a:pt x="25042" y="1654350"/>
+                  <a:pt x="30406" y="1598729"/>
+                </a:cubicBezTo>
+                <a:cubicBezTo>
+                  <a:pt x="46071" y="1437069"/>
+                  <a:pt x="27723" y="1276045"/>
+                  <a:pt x="20244" y="1114767"/>
+                </a:cubicBezTo>
+                <a:cubicBezTo>
+                  <a:pt x="9491" y="936281"/>
+                  <a:pt x="11664" y="757351"/>
+                  <a:pt x="26736" y="579120"/>
+                </a:cubicBezTo>
+                <a:cubicBezTo>
+                  <a:pt x="36191" y="482353"/>
+                  <a:pt x="39402" y="385459"/>
+                  <a:pt x="38238" y="288533"/>
+                </a:cubicBezTo>
+                <a:close/>
+              </a:path>
+            </a:pathLst>
+          </a:custGeom>
         </p:spPr>
       </p:pic>
+      <p:sp>
+        <p:nvSpPr>
+          <p:cNvPr id="18" name="sketch line">
+            <a:extLst>
+              <a:ext uri="{FF2B5EF4-FFF2-40B4-BE49-F238E27FC236}">
+                <a16:creationId xmlns:a16="http://schemas.microsoft.com/office/drawing/2014/main" id="{3FCFB1DE-0B7E-48CC-BA90-B2AB0889F9D6}"/>
+              </a:ext>
+              <a:ext uri="{C183D7F6-B498-43B3-948B-1728B52AA6E4}">
+                <adec:decorative xmlns:adec="http://schemas.microsoft.com/office/drawing/2017/decorative" val="1"/>
+              </a:ext>
+            </a:extLst>
+          </p:cNvPr>
+          <p:cNvSpPr>
+            <a:spLocks noGrp="1" noRot="1" noChangeAspect="1" noMove="1" noResize="1" noEditPoints="1" noAdjustHandles="1" noChangeArrowheads="1" noChangeShapeType="1" noTextEdit="1"/>
+          </p:cNvSpPr>
+          <p:nvPr>
+            <p:extLst>
+              <p:ext uri="{386F3935-93C4-4BCD-93E2-E3B085C9AB24}">
+                <p16:designElem xmlns:p16="http://schemas.microsoft.com/office/powerpoint/2015/main" val="1"/>
+              </p:ext>
+            </p:extLst>
+          </p:nvPr>
+        </p:nvSpPr>
+        <p:spPr>
+          <a:xfrm>
+            <a:off x="640080" y="4409267"/>
+            <a:ext cx="3383280" cy="18288"/>
+          </a:xfrm>
+          <a:custGeom>
+            <a:avLst/>
+            <a:gdLst>
+              <a:gd name="connsiteX0" fmla="*/ 0 w 3383280"/>
+              <a:gd name="connsiteY0" fmla="*/ 0 h 18288"/>
+              <a:gd name="connsiteX1" fmla="*/ 676656 w 3383280"/>
+              <a:gd name="connsiteY1" fmla="*/ 0 h 18288"/>
+              <a:gd name="connsiteX2" fmla="*/ 1319479 w 3383280"/>
+              <a:gd name="connsiteY2" fmla="*/ 0 h 18288"/>
+              <a:gd name="connsiteX3" fmla="*/ 1962302 w 3383280"/>
+              <a:gd name="connsiteY3" fmla="*/ 0 h 18288"/>
+              <a:gd name="connsiteX4" fmla="*/ 2706624 w 3383280"/>
+              <a:gd name="connsiteY4" fmla="*/ 0 h 18288"/>
+              <a:gd name="connsiteX5" fmla="*/ 3383280 w 3383280"/>
+              <a:gd name="connsiteY5" fmla="*/ 0 h 18288"/>
+              <a:gd name="connsiteX6" fmla="*/ 3383280 w 3383280"/>
+              <a:gd name="connsiteY6" fmla="*/ 18288 h 18288"/>
+              <a:gd name="connsiteX7" fmla="*/ 2706624 w 3383280"/>
+              <a:gd name="connsiteY7" fmla="*/ 18288 h 18288"/>
+              <a:gd name="connsiteX8" fmla="*/ 2131466 w 3383280"/>
+              <a:gd name="connsiteY8" fmla="*/ 18288 h 18288"/>
+              <a:gd name="connsiteX9" fmla="*/ 1488643 w 3383280"/>
+              <a:gd name="connsiteY9" fmla="*/ 18288 h 18288"/>
+              <a:gd name="connsiteX10" fmla="*/ 845820 w 3383280"/>
+              <a:gd name="connsiteY10" fmla="*/ 18288 h 18288"/>
+              <a:gd name="connsiteX11" fmla="*/ 0 w 3383280"/>
+              <a:gd name="connsiteY11" fmla="*/ 18288 h 18288"/>
+              <a:gd name="connsiteX12" fmla="*/ 0 w 3383280"/>
+              <a:gd name="connsiteY12" fmla="*/ 0 h 18288"/>
+            </a:gdLst>
+            <a:ahLst/>
+            <a:cxnLst>
+              <a:cxn ang="0">
+                <a:pos x="connsiteX0" y="connsiteY0"/>
+              </a:cxn>
+              <a:cxn ang="0">
+                <a:pos x="connsiteX1" y="connsiteY1"/>
+              </a:cxn>
+              <a:cxn ang="0">
+                <a:pos x="connsiteX2" y="connsiteY2"/>
+              </a:cxn>
+              <a:cxn ang="0">
+                <a:pos x="connsiteX3" y="connsiteY3"/>
+              </a:cxn>
+              <a:cxn ang="0">
+                <a:pos x="connsiteX4" y="connsiteY4"/>
+              </a:cxn>
+              <a:cxn ang="0">
+                <a:pos x="connsiteX5" y="connsiteY5"/>
+              </a:cxn>
+              <a:cxn ang="0">
+                <a:pos x="connsiteX6" y="connsiteY6"/>
+              </a:cxn>
+              <a:cxn ang="0">
+                <a:pos x="connsiteX7" y="connsiteY7"/>
+              </a:cxn>
+              <a:cxn ang="0">
+                <a:pos x="connsiteX8" y="connsiteY8"/>
+              </a:cxn>
+              <a:cxn ang="0">
+                <a:pos x="connsiteX9" y="connsiteY9"/>
+              </a:cxn>
+              <a:cxn ang="0">
+                <a:pos x="connsiteX10" y="connsiteY10"/>
+              </a:cxn>
+              <a:cxn ang="0">
+                <a:pos x="connsiteX11" y="connsiteY11"/>
+              </a:cxn>
+              <a:cxn ang="0">
+                <a:pos x="connsiteX12" y="connsiteY12"/>
+              </a:cxn>
+            </a:cxnLst>
+            <a:rect l="l" t="t" r="r" b="b"/>
+            <a:pathLst>
+              <a:path w="3383280" h="18288" fill="none" extrusionOk="0">
+                <a:moveTo>
+                  <a:pt x="0" y="0"/>
+                </a:moveTo>
+                <a:cubicBezTo>
+                  <a:pt x="237173" y="2829"/>
+                  <a:pt x="403433" y="9167"/>
+                  <a:pt x="676656" y="0"/>
+                </a:cubicBezTo>
+                <a:cubicBezTo>
+                  <a:pt x="949879" y="-9167"/>
+                  <a:pt x="1103389" y="-19890"/>
+                  <a:pt x="1319479" y="0"/>
+                </a:cubicBezTo>
+                <a:cubicBezTo>
+                  <a:pt x="1535569" y="19890"/>
+                  <a:pt x="1682672" y="-17352"/>
+                  <a:pt x="1962302" y="0"/>
+                </a:cubicBezTo>
+                <a:cubicBezTo>
+                  <a:pt x="2241932" y="17352"/>
+                  <a:pt x="2522200" y="-30059"/>
+                  <a:pt x="2706624" y="0"/>
+                </a:cubicBezTo>
+                <a:cubicBezTo>
+                  <a:pt x="2891048" y="30059"/>
+                  <a:pt x="3045365" y="-14656"/>
+                  <a:pt x="3383280" y="0"/>
+                </a:cubicBezTo>
+                <a:cubicBezTo>
+                  <a:pt x="3382846" y="7551"/>
+                  <a:pt x="3382813" y="9822"/>
+                  <a:pt x="3383280" y="18288"/>
+                </a:cubicBezTo>
+                <a:cubicBezTo>
+                  <a:pt x="3053377" y="3328"/>
+                  <a:pt x="2851947" y="-13486"/>
+                  <a:pt x="2706624" y="18288"/>
+                </a:cubicBezTo>
+                <a:cubicBezTo>
+                  <a:pt x="2561301" y="50062"/>
+                  <a:pt x="2276448" y="-4069"/>
+                  <a:pt x="2131466" y="18288"/>
+                </a:cubicBezTo>
+                <a:cubicBezTo>
+                  <a:pt x="1986484" y="40645"/>
+                  <a:pt x="1793482" y="35971"/>
+                  <a:pt x="1488643" y="18288"/>
+                </a:cubicBezTo>
+                <a:cubicBezTo>
+                  <a:pt x="1183804" y="605"/>
+                  <a:pt x="1165655" y="13056"/>
+                  <a:pt x="845820" y="18288"/>
+                </a:cubicBezTo>
+                <a:cubicBezTo>
+                  <a:pt x="525985" y="23520"/>
+                  <a:pt x="359281" y="20906"/>
+                  <a:pt x="0" y="18288"/>
+                </a:cubicBezTo>
+                <a:cubicBezTo>
+                  <a:pt x="60" y="11696"/>
+                  <a:pt x="66" y="3758"/>
+                  <a:pt x="0" y="0"/>
+                </a:cubicBezTo>
+                <a:close/>
+              </a:path>
+              <a:path w="3383280" h="18288" stroke="0" extrusionOk="0">
+                <a:moveTo>
+                  <a:pt x="0" y="0"/>
+                </a:moveTo>
+                <a:cubicBezTo>
+                  <a:pt x="268344" y="9609"/>
+                  <a:pt x="438266" y="25094"/>
+                  <a:pt x="608990" y="0"/>
+                </a:cubicBezTo>
+                <a:cubicBezTo>
+                  <a:pt x="779714" y="-25094"/>
+                  <a:pt x="1051156" y="12077"/>
+                  <a:pt x="1353312" y="0"/>
+                </a:cubicBezTo>
+                <a:cubicBezTo>
+                  <a:pt x="1655468" y="-12077"/>
+                  <a:pt x="1744944" y="15185"/>
+                  <a:pt x="1928470" y="0"/>
+                </a:cubicBezTo>
+                <a:cubicBezTo>
+                  <a:pt x="2111996" y="-15185"/>
+                  <a:pt x="2262421" y="-9753"/>
+                  <a:pt x="2503627" y="0"/>
+                </a:cubicBezTo>
+                <a:cubicBezTo>
+                  <a:pt x="2744833" y="9753"/>
+                  <a:pt x="3026048" y="-23784"/>
+                  <a:pt x="3383280" y="0"/>
+                </a:cubicBezTo>
+                <a:cubicBezTo>
+                  <a:pt x="3383198" y="4406"/>
+                  <a:pt x="3383191" y="9982"/>
+                  <a:pt x="3383280" y="18288"/>
+                </a:cubicBezTo>
+                <a:cubicBezTo>
+                  <a:pt x="3162586" y="20850"/>
+                  <a:pt x="2901132" y="28452"/>
+                  <a:pt x="2740457" y="18288"/>
+                </a:cubicBezTo>
+                <a:cubicBezTo>
+                  <a:pt x="2579782" y="8124"/>
+                  <a:pt x="2388638" y="-13238"/>
+                  <a:pt x="2097634" y="18288"/>
+                </a:cubicBezTo>
+                <a:cubicBezTo>
+                  <a:pt x="1806630" y="49814"/>
+                  <a:pt x="1687248" y="-8161"/>
+                  <a:pt x="1454810" y="18288"/>
+                </a:cubicBezTo>
+                <a:cubicBezTo>
+                  <a:pt x="1222372" y="44737"/>
+                  <a:pt x="872924" y="37554"/>
+                  <a:pt x="710489" y="18288"/>
+                </a:cubicBezTo>
+                <a:cubicBezTo>
+                  <a:pt x="548054" y="-978"/>
+                  <a:pt x="151263" y="49891"/>
+                  <a:pt x="0" y="18288"/>
+                </a:cubicBezTo>
+                <a:cubicBezTo>
+                  <a:pt x="189" y="14288"/>
+                  <a:pt x="-703" y="3747"/>
+                  <a:pt x="0" y="0"/>
+                </a:cubicBezTo>
+                <a:close/>
+              </a:path>
+            </a:pathLst>
+          </a:custGeom>
+          <a:solidFill>
+            <a:schemeClr val="accent2"/>
+          </a:solidFill>
+          <a:ln w="41275" cap="rnd">
+            <a:solidFill>
+              <a:schemeClr val="accent2"/>
+            </a:solidFill>
+            <a:round/>
+            <a:extLst>
+              <a:ext uri="{C807C97D-BFC1-408E-A445-0C87EB9F89A2}">
+                <ask:lineSketchStyleProps xmlns:ask="http://schemas.microsoft.com/office/drawing/2018/sketchyshapes" sd="2863741219">
+                  <a:prstGeom prst="rect">
+                    <a:avLst/>
+                  </a:prstGeom>
+                  <ask:type>
+                    <ask:lineSketchFreehand/>
+                  </ask:type>
+                </ask:lineSketchStyleProps>
+              </a:ext>
+            </a:extLst>
+          </a:ln>
+        </p:spPr>
+        <p:style>
+          <a:lnRef idx="2">
+            <a:schemeClr val="accent1">
+              <a:shade val="50000"/>
+            </a:schemeClr>
+          </a:lnRef>
+          <a:fillRef idx="1">
+            <a:schemeClr val="accent1"/>
+          </a:fillRef>
+          <a:effectRef idx="0">
+            <a:schemeClr val="accent1"/>
+          </a:effectRef>
+          <a:fontRef idx="minor">
+            <a:schemeClr val="lt1"/>
+          </a:fontRef>
+        </p:style>
+        <p:txBody>
+          <a:bodyPr rtlCol="0" anchor="ctr"/>
+          <a:lstStyle/>
+          <a:p>
+            <a:pPr algn="ctr"/>
+            <a:endParaRPr lang="en-US"/>
+          </a:p>
+        </p:txBody>
+      </p:sp>
       <p:pic>
         <p:nvPicPr>
-          <p:cNvPr id="9" name="Picture 8" descr="Chart, line chart&#10;&#10;Description automatically generated">
+          <p:cNvPr id="9" name="Picture 8">
             <a:extLst>
               <a:ext uri="{FF2B5EF4-FFF2-40B4-BE49-F238E27FC236}">
                 <a16:creationId xmlns:a16="http://schemas.microsoft.com/office/drawing/2014/main" id="{D043FA19-BC7A-0B4C-982A-CD3991E0283D}"/>
@@ -9163,187 +11975,180 @@
         </p:nvPicPr>
         <p:blipFill>
           <a:blip r:embed="rId5"/>
-          <a:stretch>
-            <a:fillRect/>
-          </a:stretch>
+          <a:srcRect t="3325" b="3325"/>
+          <a:stretch/>
         </p:blipFill>
         <p:spPr>
           <a:xfrm>
-            <a:off x="6312777" y="2039732"/>
-            <a:ext cx="5716814" cy="3811209"/>
+            <a:off x="6440028" y="3538985"/>
+            <a:ext cx="5748924" cy="3173225"/>
           </a:xfrm>
-          <a:prstGeom prst="rect">
+          <a:custGeom>
             <a:avLst/>
-          </a:prstGeom>
+            <a:gdLst/>
+            <a:ahLst/>
+            <a:cxnLst/>
+            <a:rect l="l" t="t" r="r" b="b"/>
+            <a:pathLst>
+              <a:path w="4009232" h="2495062">
+                <a:moveTo>
+                  <a:pt x="2357618" y="4"/>
+                </a:moveTo>
+                <a:cubicBezTo>
+                  <a:pt x="2402184" y="-78"/>
+                  <a:pt x="2446761" y="1163"/>
+                  <a:pt x="2491337" y="4428"/>
+                </a:cubicBezTo>
+                <a:cubicBezTo>
+                  <a:pt x="2641421" y="17813"/>
+                  <a:pt x="2792204" y="21079"/>
+                  <a:pt x="2942707" y="14222"/>
+                </a:cubicBezTo>
+                <a:cubicBezTo>
+                  <a:pt x="3063650" y="5694"/>
+                  <a:pt x="3184962" y="4206"/>
+                  <a:pt x="3306070" y="9782"/>
+                </a:cubicBezTo>
+                <a:cubicBezTo>
+                  <a:pt x="3418912" y="16442"/>
+                  <a:pt x="3531755" y="23233"/>
+                  <a:pt x="3644979" y="19315"/>
+                </a:cubicBezTo>
+                <a:cubicBezTo>
+                  <a:pt x="3690065" y="17748"/>
+                  <a:pt x="3734514" y="15789"/>
+                  <a:pt x="3779218" y="13177"/>
+                </a:cubicBezTo>
+                <a:cubicBezTo>
+                  <a:pt x="3820337" y="9619"/>
+                  <a:pt x="3861567" y="7938"/>
+                  <a:pt x="3902788" y="8133"/>
+                </a:cubicBezTo>
+                <a:lnTo>
+                  <a:pt x="4009232" y="13493"/>
+                </a:lnTo>
+                <a:lnTo>
+                  <a:pt x="4009232" y="2495062"/>
+                </a:lnTo>
+                <a:lnTo>
+                  <a:pt x="6243" y="2495062"/>
+                </a:lnTo>
+                <a:lnTo>
+                  <a:pt x="25280" y="2123536"/>
+                </a:lnTo>
+                <a:cubicBezTo>
+                  <a:pt x="28243" y="1879841"/>
+                  <a:pt x="36288" y="1635638"/>
+                  <a:pt x="11167" y="1392705"/>
+                </a:cubicBezTo>
+                <a:cubicBezTo>
+                  <a:pt x="-5908" y="1228125"/>
+                  <a:pt x="865" y="1064307"/>
+                  <a:pt x="3970" y="899855"/>
+                </a:cubicBezTo>
+                <a:cubicBezTo>
+                  <a:pt x="7498" y="715082"/>
+                  <a:pt x="5805" y="530184"/>
+                  <a:pt x="5805" y="345412"/>
+                </a:cubicBezTo>
+                <a:cubicBezTo>
+                  <a:pt x="5522" y="265027"/>
+                  <a:pt x="10321" y="185150"/>
+                  <a:pt x="18506" y="105145"/>
+                </a:cubicBezTo>
+                <a:cubicBezTo>
+                  <a:pt x="21435" y="76128"/>
+                  <a:pt x="22749" y="47150"/>
+                  <a:pt x="22780" y="18221"/>
+                </a:cubicBezTo>
+                <a:lnTo>
+                  <a:pt x="22508" y="11325"/>
+                </a:lnTo>
+                <a:lnTo>
+                  <a:pt x="119228" y="7824"/>
+                </a:lnTo>
+                <a:cubicBezTo>
+                  <a:pt x="263604" y="-156"/>
+                  <a:pt x="408364" y="3162"/>
+                  <a:pt x="552257" y="17748"/>
+                </a:cubicBezTo>
+                <a:cubicBezTo>
+                  <a:pt x="654057" y="25440"/>
+                  <a:pt x="756316" y="24213"/>
+                  <a:pt x="857924" y="14092"/>
+                </a:cubicBezTo>
+                <a:cubicBezTo>
+                  <a:pt x="1044382" y="-1710"/>
+                  <a:pt x="1230457" y="10958"/>
+                  <a:pt x="1416533" y="21666"/>
+                </a:cubicBezTo>
+                <a:cubicBezTo>
+                  <a:pt x="1596750" y="32113"/>
+                  <a:pt x="1776839" y="24408"/>
+                  <a:pt x="1957056" y="17487"/>
+                </a:cubicBezTo>
+                <a:cubicBezTo>
+                  <a:pt x="2090308" y="12394"/>
+                  <a:pt x="2223918" y="249"/>
+                  <a:pt x="2357618" y="4"/>
+                </a:cubicBezTo>
+                <a:close/>
+              </a:path>
+            </a:pathLst>
+          </a:custGeom>
         </p:spPr>
       </p:pic>
+      <p:sp>
+        <p:nvSpPr>
+          <p:cNvPr id="2" name="Title 1">
+            <a:extLst>
+              <a:ext uri="{FF2B5EF4-FFF2-40B4-BE49-F238E27FC236}">
+                <a16:creationId xmlns:a16="http://schemas.microsoft.com/office/drawing/2014/main" id="{22CB153B-7AC2-1F4D-8433-779B2356BF8A}"/>
+              </a:ext>
+            </a:extLst>
+          </p:cNvPr>
+          <p:cNvSpPr>
+            <a:spLocks noGrp="1"/>
+          </p:cNvSpPr>
+          <p:nvPr>
+            <p:ph type="title"/>
+          </p:nvPr>
+        </p:nvSpPr>
+        <p:spPr>
+          <a:xfrm>
+            <a:off x="640079" y="1072108"/>
+            <a:ext cx="3636952" cy="2753250"/>
+          </a:xfrm>
+        </p:spPr>
+        <p:txBody>
+          <a:bodyPr vert="horz" lIns="91440" tIns="45720" rIns="91440" bIns="45720" rtlCol="0" anchor="b">
+            <a:normAutofit/>
+          </a:bodyPr>
+          <a:lstStyle/>
+          <a:p>
+            <a:r>
+              <a:rPr lang="en-US" b="1" kern="1200" dirty="0">
+                <a:ln>
+                  <a:solidFill>
+                    <a:schemeClr val="tx1"/>
+                  </a:solidFill>
+                </a:ln>
+                <a:solidFill>
+                  <a:schemeClr val="bg2"/>
+                </a:solidFill>
+                <a:latin typeface="Tahoma" panose="020B0604030504040204" pitchFamily="34" charset="0"/>
+                <a:ea typeface="Tahoma" panose="020B0604030504040204" pitchFamily="34" charset="0"/>
+                <a:cs typeface="Tahoma" panose="020B0604030504040204" pitchFamily="34" charset="0"/>
+              </a:rPr>
+              <a:t>Productivity in a new world</a:t>
+            </a:r>
+          </a:p>
+        </p:txBody>
+      </p:sp>
     </p:spTree>
     <p:extLst>
       <p:ext uri="{BB962C8B-B14F-4D97-AF65-F5344CB8AC3E}">
         <p14:creationId xmlns:p14="http://schemas.microsoft.com/office/powerpoint/2010/main" val="283514161"/>
-      </p:ext>
-    </p:extLst>
-  </p:cSld>
-  <p:clrMapOvr>
-    <a:masterClrMapping/>
-  </p:clrMapOvr>
-</p:sld>
-</file>
-
-<file path=ppt/slides/slide9.xml><?xml version="1.0" encoding="utf-8"?>
-<p:sld xmlns:a="http://schemas.openxmlformats.org/drawingml/2006/main" xmlns:r="http://schemas.openxmlformats.org/officeDocument/2006/relationships" xmlns:p="http://schemas.openxmlformats.org/presentationml/2006/main">
-  <p:cSld>
-    <p:spTree>
-      <p:nvGrpSpPr>
-        <p:cNvPr id="1" name=""/>
-        <p:cNvGrpSpPr/>
-        <p:nvPr/>
-      </p:nvGrpSpPr>
-      <p:grpSpPr>
-        <a:xfrm>
-          <a:off x="0" y="0"/>
-          <a:ext cx="0" cy="0"/>
-          <a:chOff x="0" y="0"/>
-          <a:chExt cx="0" cy="0"/>
-        </a:xfrm>
-      </p:grpSpPr>
-      <p:sp>
-        <p:nvSpPr>
-          <p:cNvPr id="2" name="Title 1">
-            <a:extLst>
-              <a:ext uri="{FF2B5EF4-FFF2-40B4-BE49-F238E27FC236}">
-                <a16:creationId xmlns:a16="http://schemas.microsoft.com/office/drawing/2014/main" id="{13407C09-C539-984B-8EEA-C3127B426FF1}"/>
-              </a:ext>
-            </a:extLst>
-          </p:cNvPr>
-          <p:cNvSpPr>
-            <a:spLocks noGrp="1"/>
-          </p:cNvSpPr>
-          <p:nvPr>
-            <p:ph type="title"/>
-          </p:nvPr>
-        </p:nvSpPr>
-        <p:spPr/>
-        <p:txBody>
-          <a:bodyPr/>
-          <a:lstStyle/>
-          <a:p>
-            <a:r>
-              <a:rPr lang="en-US" b="1" dirty="0">
-                <a:latin typeface="Tahoma" panose="020B0604030504040204" pitchFamily="34" charset="0"/>
-                <a:ea typeface="Tahoma" panose="020B0604030504040204" pitchFamily="34" charset="0"/>
-                <a:cs typeface="Tahoma" panose="020B0604030504040204" pitchFamily="34" charset="0"/>
-              </a:rPr>
-              <a:t>Being comfortable in a </a:t>
-            </a:r>
-            <a:br>
-              <a:rPr lang="en-US" b="1" dirty="0">
-                <a:latin typeface="Tahoma" panose="020B0604030504040204" pitchFamily="34" charset="0"/>
-                <a:ea typeface="Tahoma" panose="020B0604030504040204" pitchFamily="34" charset="0"/>
-                <a:cs typeface="Tahoma" panose="020B0604030504040204" pitchFamily="34" charset="0"/>
-              </a:rPr>
-            </a:br>
-            <a:r>
-              <a:rPr lang="en-US" b="1" dirty="0">
-                <a:latin typeface="Tahoma" panose="020B0604030504040204" pitchFamily="34" charset="0"/>
-                <a:ea typeface="Tahoma" panose="020B0604030504040204" pitchFamily="34" charset="0"/>
-                <a:cs typeface="Tahoma" panose="020B0604030504040204" pitchFamily="34" charset="0"/>
-              </a:rPr>
-              <a:t>new world</a:t>
-            </a:r>
-            <a:endParaRPr lang="en-US" dirty="0"/>
-          </a:p>
-        </p:txBody>
-      </p:sp>
-      <p:sp>
-        <p:nvSpPr>
-          <p:cNvPr id="3" name="Content Placeholder 2">
-            <a:extLst>
-              <a:ext uri="{FF2B5EF4-FFF2-40B4-BE49-F238E27FC236}">
-                <a16:creationId xmlns:a16="http://schemas.microsoft.com/office/drawing/2014/main" id="{1133BB6D-62AB-8B4B-A451-B292873FF4DF}"/>
-              </a:ext>
-            </a:extLst>
-          </p:cNvPr>
-          <p:cNvSpPr>
-            <a:spLocks noGrp="1"/>
-          </p:cNvSpPr>
-          <p:nvPr>
-            <p:ph idx="1"/>
-          </p:nvPr>
-        </p:nvSpPr>
-        <p:spPr/>
-        <p:txBody>
-          <a:bodyPr/>
-          <a:lstStyle/>
-          <a:p>
-            <a:endParaRPr lang="en-US"/>
-          </a:p>
-        </p:txBody>
-      </p:sp>
-      <p:pic>
-        <p:nvPicPr>
-          <p:cNvPr id="4" name="Picture 3" descr="Chart, line chart&#10;&#10;Description automatically generated">
-            <a:extLst>
-              <a:ext uri="{FF2B5EF4-FFF2-40B4-BE49-F238E27FC236}">
-                <a16:creationId xmlns:a16="http://schemas.microsoft.com/office/drawing/2014/main" id="{7E8DA867-BCB8-8940-9CAA-FDF735467096}"/>
-              </a:ext>
-            </a:extLst>
-          </p:cNvPr>
-          <p:cNvPicPr>
-            <a:picLocks noChangeAspect="1"/>
-          </p:cNvPicPr>
-          <p:nvPr/>
-        </p:nvPicPr>
-        <p:blipFill>
-          <a:blip r:embed="rId3"/>
-          <a:stretch>
-            <a:fillRect/>
-          </a:stretch>
-        </p:blipFill>
-        <p:spPr>
-          <a:xfrm>
-            <a:off x="6324600" y="1690688"/>
-            <a:ext cx="5514925" cy="3676616"/>
-          </a:xfrm>
-          <a:prstGeom prst="rect">
-            <a:avLst/>
-          </a:prstGeom>
-        </p:spPr>
-      </p:pic>
-      <p:pic>
-        <p:nvPicPr>
-          <p:cNvPr id="5" name="Picture 4" descr="Chart, line chart&#10;&#10;Description automatically generated">
-            <a:extLst>
-              <a:ext uri="{FF2B5EF4-FFF2-40B4-BE49-F238E27FC236}">
-                <a16:creationId xmlns:a16="http://schemas.microsoft.com/office/drawing/2014/main" id="{CCCC9C7D-60D6-5044-9A53-1DA59EC72127}"/>
-              </a:ext>
-            </a:extLst>
-          </p:cNvPr>
-          <p:cNvPicPr>
-            <a:picLocks noChangeAspect="1"/>
-          </p:cNvPicPr>
-          <p:nvPr/>
-        </p:nvPicPr>
-        <p:blipFill>
-          <a:blip r:embed="rId4"/>
-          <a:stretch>
-            <a:fillRect/>
-          </a:stretch>
-        </p:blipFill>
-        <p:spPr>
-          <a:xfrm>
-            <a:off x="480448" y="1709704"/>
-            <a:ext cx="5486400" cy="3657600"/>
-          </a:xfrm>
-          <a:prstGeom prst="rect">
-            <a:avLst/>
-          </a:prstGeom>
-        </p:spPr>
-      </p:pic>
-    </p:spTree>
-    <p:extLst>
-      <p:ext uri="{BB962C8B-B14F-4D97-AF65-F5344CB8AC3E}">
-        <p14:creationId xmlns:p14="http://schemas.microsoft.com/office/powerpoint/2010/main" val="4118114868"/>
       </p:ext>
     </p:extLst>
   </p:cSld>

--- a/Final Presentation/Bootcamp-Project-1.pptx
+++ b/Final Presentation/Bootcamp-Project-1.pptx
@@ -6060,7 +6060,7 @@
         </p:nvSpPr>
         <p:spPr>
           <a:xfrm>
-            <a:off x="778324" y="10431"/>
+            <a:off x="778324" y="140630"/>
             <a:ext cx="5317676" cy="1325563"/>
           </a:xfrm>
         </p:spPr>
@@ -7978,7 +7978,7 @@
         </p:spPr>
         <p:txBody>
           <a:bodyPr>
-            <a:normAutofit lnSpcReduction="10000"/>
+            <a:normAutofit/>
           </a:bodyPr>
           <a:lstStyle/>
           <a:p>
@@ -8049,7 +8049,7 @@
                 <a:ea typeface="Tahoma" panose="020B0604030504040204" pitchFamily="34" charset="0"/>
                 <a:cs typeface="Tahoma" panose="020B0604030504040204" pitchFamily="34" charset="0"/>
               </a:rPr>
-              <a:t>If we are faced with a second Apocalypse, what items should I have on hand?</a:t>
+              <a:t>If we are faced with a second wave, what items should I have on hand?</a:t>
             </a:r>
           </a:p>
         </p:txBody>
